--- a/TeoriaDeModelos/Teoría.pptx
+++ b/TeoriaDeModelos/Teoría.pptx
@@ -225,7 +225,7 @@
             <a:pPr rtl="0"/>
             <a:fld id="{A4EE1597-BA8D-477C-BC8D-06622426F1B8}" type="datetime1">
               <a:rPr lang="es-ES" smtClean="0"/>
-              <a:t>21/08/2020</a:t>
+              <a:t>22/08/2020</a:t>
             </a:fld>
             <a:endParaRPr lang="es-ES"/>
           </a:p>
@@ -395,7 +395,7 @@
             <a:pPr rtl="0"/>
             <a:fld id="{FBB8FD01-5DB9-4A0E-83AF-656C7FE35756}" type="datetime1">
               <a:rPr lang="es-ES" noProof="0" smtClean="0"/>
-              <a:t>21/08/2020</a:t>
+              <a:t>22/08/2020</a:t>
             </a:fld>
             <a:endParaRPr lang="es-ES" noProof="0"/>
           </a:p>
@@ -2699,7 +2699,7 @@
             <a:pPr rtl="0"/>
             <a:fld id="{5318812A-3EB5-4C72-A471-A2411F3A2976}" type="datetime1">
               <a:rPr lang="es-ES" noProof="0" smtClean="0"/>
-              <a:t>21/08/2020</a:t>
+              <a:t>22/08/2020</a:t>
             </a:fld>
             <a:endParaRPr lang="es-ES" noProof="0"/>
           </a:p>
@@ -2916,7 +2916,7 @@
             <a:pPr rtl="0"/>
             <a:fld id="{AA4FF5BE-597F-4771-85FB-F9671A7D5D10}" type="datetime1">
               <a:rPr lang="es-ES" noProof="0" smtClean="0"/>
-              <a:t>21/08/2020</a:t>
+              <a:t>22/08/2020</a:t>
             </a:fld>
             <a:endParaRPr lang="es-ES" noProof="0"/>
           </a:p>
@@ -3175,7 +3175,7 @@
             <a:pPr rtl="0"/>
             <a:fld id="{35C0B9C8-DC25-47F0-944D-522491D99E52}" type="datetime1">
               <a:rPr lang="es-ES" noProof="0" smtClean="0"/>
-              <a:t>21/08/2020</a:t>
+              <a:t>22/08/2020</a:t>
             </a:fld>
             <a:endParaRPr lang="es-ES" noProof="0"/>
           </a:p>
@@ -3353,7 +3353,7 @@
             <a:pPr rtl="0"/>
             <a:fld id="{B8496F03-FD64-4297-B76C-A4AD3E11C919}" type="datetime1">
               <a:rPr lang="es-ES" noProof="0" smtClean="0"/>
-              <a:t>21/08/2020</a:t>
+              <a:t>22/08/2020</a:t>
             </a:fld>
             <a:endParaRPr lang="es-ES" noProof="0"/>
           </a:p>
@@ -3701,7 +3701,7 @@
             <a:pPr rtl="0"/>
             <a:fld id="{3840CA2F-7FE5-4F04-99F6-D500EDAC649B}" type="datetime1">
               <a:rPr lang="es-ES" noProof="0" smtClean="0"/>
-              <a:t>21/08/2020</a:t>
+              <a:t>22/08/2020</a:t>
             </a:fld>
             <a:endParaRPr lang="es-ES" noProof="0"/>
           </a:p>
@@ -3980,7 +3980,7 @@
             <a:pPr rtl="0"/>
             <a:fld id="{26B6D807-47AA-44ED-999B-06C2CDE0C23F}" type="datetime1">
               <a:rPr lang="es-ES" noProof="0" smtClean="0"/>
-              <a:t>21/08/2020</a:t>
+              <a:t>22/08/2020</a:t>
             </a:fld>
             <a:endParaRPr lang="es-ES" noProof="0"/>
           </a:p>
@@ -4362,7 +4362,7 @@
             <a:pPr rtl="0"/>
             <a:fld id="{DC6BC4C7-D15A-465B-9D66-1939648F1B1F}" type="datetime1">
               <a:rPr lang="es-ES" noProof="0" smtClean="0"/>
-              <a:t>21/08/2020</a:t>
+              <a:t>22/08/2020</a:t>
             </a:fld>
             <a:endParaRPr lang="es-ES" noProof="0"/>
           </a:p>
@@ -4483,7 +4483,7 @@
             <a:pPr rtl="0"/>
             <a:fld id="{5C628DDE-090C-4047-8194-2AF6FE321D4F}" type="datetime1">
               <a:rPr lang="es-ES" noProof="0" smtClean="0"/>
-              <a:t>21/08/2020</a:t>
+              <a:t>22/08/2020</a:t>
             </a:fld>
             <a:endParaRPr lang="es-ES" noProof="0"/>
           </a:p>
@@ -4657,7 +4657,7 @@
             <a:pPr rtl="0"/>
             <a:fld id="{901B5E05-83B0-4CAE-BDC1-DA37AA6A2F30}" type="datetime1">
               <a:rPr lang="es-ES" noProof="0" smtClean="0"/>
-              <a:t>21/08/2020</a:t>
+              <a:t>22/08/2020</a:t>
             </a:fld>
             <a:endParaRPr lang="es-ES" noProof="0"/>
           </a:p>
@@ -5019,7 +5019,7 @@
             <a:pPr rtl="0"/>
             <a:fld id="{1F9B0ACA-E051-4A6C-8501-4FE72EA49BB6}" type="datetime1">
               <a:rPr lang="es-ES" noProof="0" smtClean="0"/>
-              <a:t>21/08/2020</a:t>
+              <a:t>22/08/2020</a:t>
             </a:fld>
             <a:endParaRPr lang="es-ES" noProof="0"/>
           </a:p>
@@ -5410,7 +5410,7 @@
             <a:pPr rtl="0"/>
             <a:fld id="{B8496F03-FD64-4297-B76C-A4AD3E11C919}" type="datetime1">
               <a:rPr lang="es-ES" noProof="0" smtClean="0"/>
-              <a:t>21/08/2020</a:t>
+              <a:t>22/08/2020</a:t>
             </a:fld>
             <a:endParaRPr lang="es-ES" noProof="0"/>
           </a:p>
@@ -5702,7 +5702,7 @@
             <a:pPr rtl="0"/>
             <a:fld id="{B8496F03-FD64-4297-B76C-A4AD3E11C919}" type="datetime1">
               <a:rPr lang="es-ES" noProof="0" smtClean="0"/>
-              <a:t>21/08/2020</a:t>
+              <a:t>22/08/2020</a:t>
             </a:fld>
             <a:endParaRPr lang="es-ES" noProof="0"/>
           </a:p>
@@ -6440,8 +6440,8 @@
           </a:p>
         </p:txBody>
       </p:sp>
-      <mc:AlternateContent xmlns:mc="http://schemas.openxmlformats.org/markup-compatibility/2006">
-        <mc:Choice xmlns:a14="http://schemas.microsoft.com/office/drawing/2010/main" Requires="a14">
+      <mc:AlternateContent xmlns:mc="http://schemas.openxmlformats.org/markup-compatibility/2006" xmlns:a14="http://schemas.microsoft.com/office/drawing/2010/main">
+        <mc:Choice Requires="a14">
           <p:sp>
             <p:nvSpPr>
               <p:cNvPr id="3" name="Marcador de contenido 2"/>
@@ -6802,7 +6802,7 @@
             </p:txBody>
           </p:sp>
         </mc:Choice>
-        <mc:Fallback>
+        <mc:Fallback xmlns="">
           <p:sp>
             <p:nvSpPr>
               <p:cNvPr id="3" name="Marcador de contenido 2"/>
@@ -8111,8 +8111,8 @@
           </a:p>
         </p:txBody>
       </p:sp>
-      <mc:AlternateContent xmlns:mc="http://schemas.openxmlformats.org/markup-compatibility/2006">
-        <mc:Choice xmlns:a14="http://schemas.microsoft.com/office/drawing/2010/main" Requires="a14">
+      <mc:AlternateContent xmlns:mc="http://schemas.openxmlformats.org/markup-compatibility/2006" xmlns:a14="http://schemas.microsoft.com/office/drawing/2010/main">
+        <mc:Choice Requires="a14">
           <p:sp>
             <p:nvSpPr>
               <p:cNvPr id="3" name="Marcador de contenido 2"/>
@@ -8209,11 +8209,7 @@
                 </a:r>
                 <a:r>
                   <a:rPr lang="es-AR" sz="7200" dirty="0" smtClean="0"/>
-                  <a:t>y </a:t>
-                </a:r>
-                <a:r>
-                  <a:rPr lang="es-AR" sz="7200" dirty="0" smtClean="0"/>
-                  <a:t>es dominante </a:t>
+                  <a:t>y es dominante </a:t>
                 </a:r>
                 <a:r>
                   <a:rPr lang="es-AR" sz="7200" dirty="0"/>
@@ -8636,7 +8632,7 @@
             </p:txBody>
           </p:sp>
         </mc:Choice>
-        <mc:Fallback>
+        <mc:Fallback xmlns="">
           <p:sp>
             <p:nvSpPr>
               <p:cNvPr id="3" name="Marcador de contenido 2"/>
@@ -9079,8 +9075,8 @@
           </a:p>
         </p:txBody>
       </p:sp>
-      <mc:AlternateContent xmlns:mc="http://schemas.openxmlformats.org/markup-compatibility/2006">
-        <mc:Choice xmlns:a14="http://schemas.microsoft.com/office/drawing/2010/main" Requires="a14">
+      <mc:AlternateContent xmlns:mc="http://schemas.openxmlformats.org/markup-compatibility/2006" xmlns:a14="http://schemas.microsoft.com/office/drawing/2010/main">
+        <mc:Choice Requires="a14">
           <p:sp>
             <p:nvSpPr>
               <p:cNvPr id="3" name="Marcador de contenido 2"/>
@@ -9113,18 +9109,24 @@
                     <m:sSub>
                       <m:sSubPr>
                         <m:ctrlPr>
-                          <a:rPr lang="en-US" sz="3000"/>
+                          <a:rPr lang="en-US" sz="3000" i="1">
+                            <a:latin typeface="Cambria Math" panose="02040503050406030204" pitchFamily="18" charset="0"/>
+                          </a:rPr>
                         </m:ctrlPr>
                       </m:sSubPr>
                       <m:e>
                         <m:r>
-                          <a:rPr lang="es-AR" sz="3000"/>
+                          <a:rPr lang="es-AR" sz="3000">
+                            <a:latin typeface="Cambria Math" panose="02040503050406030204" pitchFamily="18" charset="0"/>
+                          </a:rPr>
                           <m:t>𝑥</m:t>
                         </m:r>
                       </m:e>
                       <m:sub>
                         <m:r>
-                          <a:rPr lang="es-AR" sz="3000"/>
+                          <a:rPr lang="es-AR" sz="3000">
+                            <a:latin typeface="Cambria Math" panose="02040503050406030204" pitchFamily="18" charset="0"/>
+                          </a:rPr>
                           <m:t>𝑇</m:t>
                         </m:r>
                       </m:sub>
@@ -9138,44 +9140,46 @@
                 <a14:m>
                   <m:oMath xmlns:m="http://schemas.openxmlformats.org/officeDocument/2006/math">
                     <m:r>
-                      <a:rPr lang="es-AR" sz="3000"/>
+                      <a:rPr lang="es-AR" sz="3000">
+                        <a:latin typeface="Cambria Math" panose="02040503050406030204" pitchFamily="18" charset="0"/>
+                      </a:rPr>
                       <m:t>𝐹</m:t>
                     </m:r>
                   </m:oMath>
                 </a14:m>
                 <a:r>
                   <a:rPr lang="es-AR" sz="3000" dirty="0"/>
-                  <a:t> es </a:t>
-                </a:r>
-                <a:r>
-                  <a:rPr lang="es-AR" sz="3000" dirty="0"/>
-                  <a:t>el </a:t>
-                </a:r>
-                <a:r>
-                  <a:rPr lang="es-AR" sz="3000" dirty="0"/>
-                  <a:t>percentil </a:t>
+                  <a:t> es el percentil </a:t>
                 </a:r>
                 <a14:m>
                   <m:oMath xmlns:m="http://schemas.openxmlformats.org/officeDocument/2006/math">
                     <m:r>
-                      <a:rPr lang="es-AR" sz="3000"/>
+                      <a:rPr lang="es-AR" sz="3000">
+                        <a:latin typeface="Cambria Math" panose="02040503050406030204" pitchFamily="18" charset="0"/>
+                      </a:rPr>
                       <m:t>1−</m:t>
                     </m:r>
                     <m:f>
                       <m:fPr>
                         <m:ctrlPr>
-                          <a:rPr lang="en-US" sz="3000"/>
+                          <a:rPr lang="en-US" sz="3000" i="1">
+                            <a:latin typeface="Cambria Math" panose="02040503050406030204" pitchFamily="18" charset="0"/>
+                          </a:rPr>
                         </m:ctrlPr>
                       </m:fPr>
                       <m:num>
                         <m:r>
-                          <a:rPr lang="es-AR" sz="3000"/>
+                          <a:rPr lang="es-AR" sz="3000">
+                            <a:latin typeface="Cambria Math" panose="02040503050406030204" pitchFamily="18" charset="0"/>
+                          </a:rPr>
                           <m:t>1</m:t>
                         </m:r>
                       </m:num>
                       <m:den>
                         <m:r>
-                          <a:rPr lang="es-AR" sz="3000"/>
+                          <a:rPr lang="es-AR" sz="3000">
+                            <a:latin typeface="Cambria Math" panose="02040503050406030204" pitchFamily="18" charset="0"/>
+                          </a:rPr>
                           <m:t>𝑇</m:t>
                         </m:r>
                       </m:den>
@@ -9191,18 +9195,24 @@
                     <m:sSub>
                       <m:sSubPr>
                         <m:ctrlPr>
-                          <a:rPr lang="en-US" sz="3000"/>
+                          <a:rPr lang="en-US" sz="3000" i="1">
+                            <a:latin typeface="Cambria Math" panose="02040503050406030204" pitchFamily="18" charset="0"/>
+                          </a:rPr>
                         </m:ctrlPr>
                       </m:sSubPr>
                       <m:e>
                         <m:r>
-                          <a:rPr lang="es-AR" sz="3000"/>
+                          <a:rPr lang="es-AR" sz="3000">
+                            <a:latin typeface="Cambria Math" panose="02040503050406030204" pitchFamily="18" charset="0"/>
+                          </a:rPr>
                           <m:t>𝑥</m:t>
                         </m:r>
                       </m:e>
                       <m:sub>
                         <m:r>
-                          <a:rPr lang="es-AR" sz="3000"/>
+                          <a:rPr lang="es-AR" sz="3000">
+                            <a:latin typeface="Cambria Math" panose="02040503050406030204" pitchFamily="18" charset="0"/>
+                          </a:rPr>
                           <m:t>𝑇</m:t>
                         </m:r>
                       </m:sub>
@@ -9216,31 +9226,41 @@
                 <a14:m>
                   <m:oMath xmlns:m="http://schemas.openxmlformats.org/officeDocument/2006/math">
                     <m:r>
-                      <a:rPr lang="es-AR" sz="3000"/>
+                      <a:rPr lang="es-AR" sz="3000">
+                        <a:latin typeface="Cambria Math" panose="02040503050406030204" pitchFamily="18" charset="0"/>
+                      </a:rPr>
                       <m:t>𝐹</m:t>
                     </m:r>
                     <m:d>
                       <m:dPr>
                         <m:ctrlPr>
-                          <a:rPr lang="en-US" sz="3000"/>
+                          <a:rPr lang="en-US" sz="3000" i="1">
+                            <a:latin typeface="Cambria Math" panose="02040503050406030204" pitchFamily="18" charset="0"/>
+                          </a:rPr>
                         </m:ctrlPr>
                       </m:dPr>
                       <m:e>
                         <m:sSub>
                           <m:sSubPr>
                             <m:ctrlPr>
-                              <a:rPr lang="en-US" sz="3000"/>
+                              <a:rPr lang="en-US" sz="3000" i="1">
+                                <a:latin typeface="Cambria Math" panose="02040503050406030204" pitchFamily="18" charset="0"/>
+                              </a:rPr>
                             </m:ctrlPr>
                           </m:sSubPr>
                           <m:e>
                             <m:r>
-                              <a:rPr lang="es-AR" sz="3000"/>
+                              <a:rPr lang="es-AR" sz="3000">
+                                <a:latin typeface="Cambria Math" panose="02040503050406030204" pitchFamily="18" charset="0"/>
+                              </a:rPr>
                               <m:t>𝑥</m:t>
                             </m:r>
                           </m:e>
                           <m:sub>
                             <m:r>
-                              <a:rPr lang="es-AR" sz="3000"/>
+                              <a:rPr lang="es-AR" sz="3000">
+                                <a:latin typeface="Cambria Math" panose="02040503050406030204" pitchFamily="18" charset="0"/>
+                              </a:rPr>
                               <m:t>𝑇</m:t>
                             </m:r>
                           </m:sub>
@@ -9248,24 +9268,32 @@
                       </m:e>
                     </m:d>
                     <m:r>
-                      <a:rPr lang="es-AR" sz="3000"/>
+                      <a:rPr lang="es-AR" sz="3000">
+                        <a:latin typeface="Cambria Math" panose="02040503050406030204" pitchFamily="18" charset="0"/>
+                      </a:rPr>
                       <m:t>=1−</m:t>
                     </m:r>
                     <m:f>
                       <m:fPr>
                         <m:ctrlPr>
-                          <a:rPr lang="en-US" sz="3000"/>
+                          <a:rPr lang="en-US" sz="3000" i="1">
+                            <a:latin typeface="Cambria Math" panose="02040503050406030204" pitchFamily="18" charset="0"/>
+                          </a:rPr>
                         </m:ctrlPr>
                       </m:fPr>
                       <m:num>
                         <m:r>
-                          <a:rPr lang="es-AR" sz="3000"/>
+                          <a:rPr lang="es-AR" sz="3000">
+                            <a:latin typeface="Cambria Math" panose="02040503050406030204" pitchFamily="18" charset="0"/>
+                          </a:rPr>
                           <m:t>1</m:t>
                         </m:r>
                       </m:num>
                       <m:den>
                         <m:r>
-                          <a:rPr lang="es-AR" sz="3000"/>
+                          <a:rPr lang="es-AR" sz="3000">
+                            <a:latin typeface="Cambria Math" panose="02040503050406030204" pitchFamily="18" charset="0"/>
+                          </a:rPr>
                           <m:t>𝑇</m:t>
                         </m:r>
                       </m:den>
@@ -9286,7 +9314,7 @@
             </p:txBody>
           </p:sp>
         </mc:Choice>
-        <mc:Fallback>
+        <mc:Fallback xmlns="">
           <p:sp>
             <p:nvSpPr>
               <p:cNvPr id="3" name="Marcador de contenido 2"/>
@@ -9386,18 +9414,14 @@
           <a:p>
             <a:r>
               <a:rPr lang="es-AR" dirty="0" smtClean="0"/>
-              <a:t>Niveles de </a:t>
-            </a:r>
-            <a:r>
-              <a:rPr lang="es-AR" dirty="0" smtClean="0"/>
-              <a:t>retorno- GEV</a:t>
+              <a:t>Niveles de retorno- GEV</a:t>
             </a:r>
             <a:endParaRPr lang="en-US" dirty="0"/>
           </a:p>
         </p:txBody>
       </p:sp>
-      <mc:AlternateContent xmlns:mc="http://schemas.openxmlformats.org/markup-compatibility/2006">
-        <mc:Choice xmlns:a14="http://schemas.microsoft.com/office/drawing/2010/main" Requires="a14">
+      <mc:AlternateContent xmlns:mc="http://schemas.openxmlformats.org/markup-compatibility/2006" xmlns:a14="http://schemas.microsoft.com/office/drawing/2010/main">
+        <mc:Choice Requires="a14">
           <p:sp>
             <p:nvSpPr>
               <p:cNvPr id="3" name="Marcador de contenido 2"/>
@@ -9495,24 +9519,32 @@
                     <m:sSub>
                       <m:sSubPr>
                         <m:ctrlPr>
-                          <a:rPr lang="en-US" sz="3000"/>
+                          <a:rPr lang="en-US" sz="3000" i="1">
+                            <a:latin typeface="Cambria Math" panose="02040503050406030204" pitchFamily="18" charset="0"/>
+                          </a:rPr>
                         </m:ctrlPr>
                       </m:sSubPr>
                       <m:e>
                         <m:r>
-                          <a:rPr lang="es-AR" sz="3000"/>
+                          <a:rPr lang="es-AR" sz="3000">
+                            <a:latin typeface="Cambria Math" panose="02040503050406030204" pitchFamily="18" charset="0"/>
+                          </a:rPr>
                           <m:t>𝑥</m:t>
                         </m:r>
                       </m:e>
                       <m:sub>
                         <m:r>
-                          <a:rPr lang="es-AR" sz="3000"/>
+                          <a:rPr lang="es-AR" sz="3000">
+                            <a:latin typeface="Cambria Math" panose="02040503050406030204" pitchFamily="18" charset="0"/>
+                          </a:rPr>
                           <m:t>𝑝</m:t>
                         </m:r>
                       </m:sub>
                     </m:sSub>
                     <m:r>
-                      <a:rPr lang="es-AR" sz="3000"/>
+                      <a:rPr lang="es-AR" sz="3000">
+                        <a:latin typeface="Cambria Math" panose="02040503050406030204" pitchFamily="18" charset="0"/>
+                      </a:rPr>
                       <m:t>=</m:t>
                     </m:r>
                     <m:d>
@@ -9520,40 +9552,54 @@
                         <m:begChr m:val="{"/>
                         <m:endChr m:val=""/>
                         <m:ctrlPr>
-                          <a:rPr lang="en-US" sz="3000"/>
+                          <a:rPr lang="en-US" sz="3000" i="1">
+                            <a:latin typeface="Cambria Math" panose="02040503050406030204" pitchFamily="18" charset="0"/>
+                          </a:rPr>
                         </m:ctrlPr>
                       </m:dPr>
                       <m:e>
                         <m:eqArr>
                           <m:eqArrPr>
                             <m:ctrlPr>
-                              <a:rPr lang="en-US" sz="3000"/>
+                              <a:rPr lang="en-US" sz="3000" i="1">
+                                <a:latin typeface="Cambria Math" panose="02040503050406030204" pitchFamily="18" charset="0"/>
+                              </a:rPr>
                             </m:ctrlPr>
                           </m:eqArrPr>
                           <m:e>
                             <m:r>
-                              <a:rPr lang="es-AR" sz="3000"/>
+                              <a:rPr lang="es-AR" sz="3000">
+                                <a:latin typeface="Cambria Math" panose="02040503050406030204" pitchFamily="18" charset="0"/>
+                              </a:rPr>
                               <m:t>𝜇</m:t>
                             </m:r>
                             <m:r>
-                              <a:rPr lang="es-AR" sz="3000"/>
+                              <a:rPr lang="es-AR" sz="3000">
+                                <a:latin typeface="Cambria Math" panose="02040503050406030204" pitchFamily="18" charset="0"/>
+                              </a:rPr>
                               <m:t>−</m:t>
                             </m:r>
                             <m:f>
                               <m:fPr>
                                 <m:ctrlPr>
-                                  <a:rPr lang="en-US" sz="3000"/>
+                                  <a:rPr lang="en-US" sz="3000" i="1">
+                                    <a:latin typeface="Cambria Math" panose="02040503050406030204" pitchFamily="18" charset="0"/>
+                                  </a:rPr>
                                 </m:ctrlPr>
                               </m:fPr>
                               <m:num>
                                 <m:r>
-                                  <a:rPr lang="es-AR" sz="3000"/>
+                                  <a:rPr lang="es-AR" sz="3000">
+                                    <a:latin typeface="Cambria Math" panose="02040503050406030204" pitchFamily="18" charset="0"/>
+                                  </a:rPr>
                                   <m:t>𝜎</m:t>
                                 </m:r>
                               </m:num>
                               <m:den>
                                 <m:r>
-                                  <a:rPr lang="es-AR" sz="3000"/>
+                                  <a:rPr lang="es-AR" sz="3000">
+                                    <a:latin typeface="Cambria Math" panose="02040503050406030204" pitchFamily="18" charset="0"/>
+                                  </a:rPr>
                                   <m:t>𝜉</m:t>
                                 </m:r>
                               </m:den>
@@ -9563,18 +9609,24 @@
                                 <m:begChr m:val="{"/>
                                 <m:endChr m:val="}"/>
                                 <m:ctrlPr>
-                                  <a:rPr lang="en-US" sz="3000"/>
+                                  <a:rPr lang="en-US" sz="3000" i="1">
+                                    <a:latin typeface="Cambria Math" panose="02040503050406030204" pitchFamily="18" charset="0"/>
+                                  </a:rPr>
                                 </m:ctrlPr>
                               </m:dPr>
                               <m:e>
                                 <m:r>
-                                  <a:rPr lang="es-AR" sz="3000"/>
+                                  <a:rPr lang="es-AR" sz="3000">
+                                    <a:latin typeface="Cambria Math" panose="02040503050406030204" pitchFamily="18" charset="0"/>
+                                  </a:rPr>
                                   <m:t>1−</m:t>
                                 </m:r>
                                 <m:sSup>
                                   <m:sSupPr>
                                     <m:ctrlPr>
-                                      <a:rPr lang="en-US" sz="3000"/>
+                                      <a:rPr lang="en-US" sz="3000" i="1">
+                                        <a:latin typeface="Cambria Math" panose="02040503050406030204" pitchFamily="18" charset="0"/>
+                                      </a:rPr>
                                     </m:ctrlPr>
                                   </m:sSupPr>
                                   <m:e>
@@ -9583,18 +9635,24 @@
                                         <m:begChr m:val="["/>
                                         <m:endChr m:val="]"/>
                                         <m:ctrlPr>
-                                          <a:rPr lang="en-US" sz="3000"/>
+                                          <a:rPr lang="en-US" sz="3000" i="1">
+                                            <a:latin typeface="Cambria Math" panose="02040503050406030204" pitchFamily="18" charset="0"/>
+                                          </a:rPr>
                                         </m:ctrlPr>
                                       </m:dPr>
                                       <m:e>
                                         <m:r>
-                                          <a:rPr lang="es-AR" sz="3000"/>
+                                          <a:rPr lang="es-AR" sz="3000">
+                                            <a:latin typeface="Cambria Math" panose="02040503050406030204" pitchFamily="18" charset="0"/>
+                                          </a:rPr>
                                           <m:t>−</m:t>
                                         </m:r>
                                         <m:func>
                                           <m:funcPr>
                                             <m:ctrlPr>
-                                              <a:rPr lang="en-US" sz="3000"/>
+                                              <a:rPr lang="en-US" sz="3000" i="1">
+                                                <a:latin typeface="Cambria Math" panose="02040503050406030204" pitchFamily="18" charset="0"/>
+                                              </a:rPr>
                                             </m:ctrlPr>
                                           </m:funcPr>
                                           <m:fName>
@@ -9602,7 +9660,9 @@
                                               <m:rPr>
                                                 <m:sty m:val="p"/>
                                               </m:rPr>
-                                              <a:rPr lang="es-AR" sz="3000"/>
+                                              <a:rPr lang="es-AR" sz="3000">
+                                                <a:latin typeface="Cambria Math" panose="02040503050406030204" pitchFamily="18" charset="0"/>
+                                              </a:rPr>
                                               <m:t>log</m:t>
                                             </m:r>
                                           </m:fName>
@@ -9610,16 +9670,22 @@
                                             <m:d>
                                               <m:dPr>
                                                 <m:ctrlPr>
-                                                  <a:rPr lang="en-US" sz="3000"/>
+                                                  <a:rPr lang="en-US" sz="3000" i="1">
+                                                    <a:latin typeface="Cambria Math" panose="02040503050406030204" pitchFamily="18" charset="0"/>
+                                                  </a:rPr>
                                                 </m:ctrlPr>
                                               </m:dPr>
                                               <m:e>
                                                 <m:r>
-                                                  <a:rPr lang="es-AR" sz="3000"/>
+                                                  <a:rPr lang="es-AR" sz="3000">
+                                                    <a:latin typeface="Cambria Math" panose="02040503050406030204" pitchFamily="18" charset="0"/>
+                                                  </a:rPr>
                                                   <m:t>1−</m:t>
                                                 </m:r>
                                                 <m:r>
-                                                  <a:rPr lang="es-AR" sz="3000"/>
+                                                  <a:rPr lang="es-AR" sz="3000">
+                                                    <a:latin typeface="Cambria Math" panose="02040503050406030204" pitchFamily="18" charset="0"/>
+                                                  </a:rPr>
                                                   <m:t>𝑝</m:t>
                                                 </m:r>
                                               </m:e>
@@ -9631,11 +9697,15 @@
                                   </m:e>
                                   <m:sup>
                                     <m:r>
-                                      <a:rPr lang="es-AR" sz="3000"/>
+                                      <a:rPr lang="es-AR" sz="3000">
+                                        <a:latin typeface="Cambria Math" panose="02040503050406030204" pitchFamily="18" charset="0"/>
+                                      </a:rPr>
                                       <m:t>−</m:t>
                                     </m:r>
                                     <m:r>
-                                      <a:rPr lang="es-AR" sz="3000"/>
+                                      <a:rPr lang="es-AR" sz="3000">
+                                        <a:latin typeface="Cambria Math" panose="02040503050406030204" pitchFamily="18" charset="0"/>
+                                      </a:rPr>
                                       <m:t>𝜉</m:t>
                                     </m:r>
                                   </m:sup>
@@ -9643,35 +9713,49 @@
                               </m:e>
                             </m:d>
                             <m:r>
-                              <a:rPr lang="es-AR" sz="3000"/>
+                              <a:rPr lang="es-AR" sz="3000">
+                                <a:latin typeface="Cambria Math" panose="02040503050406030204" pitchFamily="18" charset="0"/>
+                              </a:rPr>
                               <m:t>        </m:t>
                             </m:r>
                             <m:r>
-                              <a:rPr lang="es-AR" sz="3000"/>
+                              <a:rPr lang="es-AR" sz="3000">
+                                <a:latin typeface="Cambria Math" panose="02040503050406030204" pitchFamily="18" charset="0"/>
+                              </a:rPr>
                               <m:t>𝜉</m:t>
                             </m:r>
                             <m:r>
-                              <a:rPr lang="es-AR" sz="3000"/>
+                              <a:rPr lang="es-AR" sz="3000">
+                                <a:latin typeface="Cambria Math" panose="02040503050406030204" pitchFamily="18" charset="0"/>
+                              </a:rPr>
                               <m:t>≠0</m:t>
                             </m:r>
                           </m:e>
                           <m:e>
                             <m:r>
-                              <a:rPr lang="es-AR" sz="3000"/>
+                              <a:rPr lang="es-AR" sz="3000">
+                                <a:latin typeface="Cambria Math" panose="02040503050406030204" pitchFamily="18" charset="0"/>
+                              </a:rPr>
                               <m:t>𝜇</m:t>
                             </m:r>
                             <m:r>
-                              <a:rPr lang="es-AR" sz="3000"/>
+                              <a:rPr lang="es-AR" sz="3000">
+                                <a:latin typeface="Cambria Math" panose="02040503050406030204" pitchFamily="18" charset="0"/>
+                              </a:rPr>
                               <m:t>−</m:t>
                             </m:r>
                             <m:r>
-                              <a:rPr lang="es-AR" sz="3000"/>
+                              <a:rPr lang="es-AR" sz="3000">
+                                <a:latin typeface="Cambria Math" panose="02040503050406030204" pitchFamily="18" charset="0"/>
+                              </a:rPr>
                               <m:t>𝜎</m:t>
                             </m:r>
                             <m:func>
                               <m:funcPr>
                                 <m:ctrlPr>
-                                  <a:rPr lang="en-US" sz="3000"/>
+                                  <a:rPr lang="en-US" sz="3000" i="1">
+                                    <a:latin typeface="Cambria Math" panose="02040503050406030204" pitchFamily="18" charset="0"/>
+                                  </a:rPr>
                                 </m:ctrlPr>
                               </m:funcPr>
                               <m:fName>
@@ -9679,7 +9763,9 @@
                                   <m:rPr>
                                     <m:sty m:val="p"/>
                                   </m:rPr>
-                                  <a:rPr lang="es-AR" sz="3000"/>
+                                  <a:rPr lang="es-AR" sz="3000">
+                                    <a:latin typeface="Cambria Math" panose="02040503050406030204" pitchFamily="18" charset="0"/>
+                                  </a:rPr>
                                   <m:t>log</m:t>
                                 </m:r>
                               </m:fName>
@@ -9689,18 +9775,24 @@
                                     <m:begChr m:val="["/>
                                     <m:endChr m:val="]"/>
                                     <m:ctrlPr>
-                                      <a:rPr lang="en-US" sz="3000"/>
+                                      <a:rPr lang="en-US" sz="3000" i="1">
+                                        <a:latin typeface="Cambria Math" panose="02040503050406030204" pitchFamily="18" charset="0"/>
+                                      </a:rPr>
                                     </m:ctrlPr>
                                   </m:dPr>
                                   <m:e>
                                     <m:r>
-                                      <a:rPr lang="es-AR" sz="3000"/>
+                                      <a:rPr lang="es-AR" sz="3000">
+                                        <a:latin typeface="Cambria Math" panose="02040503050406030204" pitchFamily="18" charset="0"/>
+                                      </a:rPr>
                                       <m:t>−</m:t>
                                     </m:r>
                                     <m:func>
                                       <m:funcPr>
                                         <m:ctrlPr>
-                                          <a:rPr lang="en-US" sz="3000"/>
+                                          <a:rPr lang="en-US" sz="3000" i="1">
+                                            <a:latin typeface="Cambria Math" panose="02040503050406030204" pitchFamily="18" charset="0"/>
+                                          </a:rPr>
                                         </m:ctrlPr>
                                       </m:funcPr>
                                       <m:fName>
@@ -9708,37 +9800,51 @@
                                           <m:rPr>
                                             <m:sty m:val="p"/>
                                           </m:rPr>
-                                          <a:rPr lang="es-AR" sz="3000"/>
+                                          <a:rPr lang="es-AR" sz="3000">
+                                            <a:latin typeface="Cambria Math" panose="02040503050406030204" pitchFamily="18" charset="0"/>
+                                          </a:rPr>
                                           <m:t>log</m:t>
                                         </m:r>
                                       </m:fName>
                                       <m:e>
                                         <m:r>
-                                          <a:rPr lang="es-AR" sz="3000"/>
+                                          <a:rPr lang="es-AR" sz="3000">
+                                            <a:latin typeface="Cambria Math" panose="02040503050406030204" pitchFamily="18" charset="0"/>
+                                          </a:rPr>
                                           <m:t>(1−</m:t>
                                         </m:r>
                                         <m:r>
-                                          <a:rPr lang="es-AR" sz="3000"/>
+                                          <a:rPr lang="es-AR" sz="3000">
+                                            <a:latin typeface="Cambria Math" panose="02040503050406030204" pitchFamily="18" charset="0"/>
+                                          </a:rPr>
                                           <m:t>𝑝</m:t>
                                         </m:r>
                                       </m:e>
                                     </m:func>
                                     <m:r>
-                                      <a:rPr lang="es-AR" sz="3000"/>
+                                      <a:rPr lang="es-AR" sz="3000">
+                                        <a:latin typeface="Cambria Math" panose="02040503050406030204" pitchFamily="18" charset="0"/>
+                                      </a:rPr>
                                       <m:t>)</m:t>
                                     </m:r>
                                   </m:e>
                                 </m:d>
                                 <m:r>
-                                  <a:rPr lang="es-AR" sz="3000"/>
+                                  <a:rPr lang="es-AR" sz="3000">
+                                    <a:latin typeface="Cambria Math" panose="02040503050406030204" pitchFamily="18" charset="0"/>
+                                  </a:rPr>
                                   <m:t>                  </m:t>
                                 </m:r>
                                 <m:r>
-                                  <a:rPr lang="es-AR" sz="3000"/>
+                                  <a:rPr lang="es-AR" sz="3000">
+                                    <a:latin typeface="Cambria Math" panose="02040503050406030204" pitchFamily="18" charset="0"/>
+                                  </a:rPr>
                                   <m:t>𝜉</m:t>
                                 </m:r>
                                 <m:r>
-                                  <a:rPr lang="es-AR" sz="3000"/>
+                                  <a:rPr lang="es-AR" sz="3000">
+                                    <a:latin typeface="Cambria Math" panose="02040503050406030204" pitchFamily="18" charset="0"/>
+                                  </a:rPr>
                                   <m:t>=0</m:t>
                                 </m:r>
                               </m:e>
@@ -9761,30 +9867,40 @@
                     <m:sSub>
                       <m:sSubPr>
                         <m:ctrlPr>
-                          <a:rPr lang="en-US" sz="3000"/>
+                          <a:rPr lang="en-US" sz="3000" i="1">
+                            <a:latin typeface="Cambria Math" panose="02040503050406030204" pitchFamily="18" charset="0"/>
+                          </a:rPr>
                         </m:ctrlPr>
                       </m:sSubPr>
                       <m:e>
                         <m:r>
-                          <a:rPr lang="es-AR" sz="3000"/>
+                          <a:rPr lang="es-AR" sz="3000">
+                            <a:latin typeface="Cambria Math" panose="02040503050406030204" pitchFamily="18" charset="0"/>
+                          </a:rPr>
                           <m:t>𝑦</m:t>
                         </m:r>
                       </m:e>
                       <m:sub>
                         <m:r>
-                          <a:rPr lang="es-AR" sz="3000"/>
+                          <a:rPr lang="es-AR" sz="3000">
+                            <a:latin typeface="Cambria Math" panose="02040503050406030204" pitchFamily="18" charset="0"/>
+                          </a:rPr>
                           <m:t>𝑝</m:t>
                         </m:r>
                       </m:sub>
                     </m:sSub>
                     <m:r>
-                      <a:rPr lang="es-AR" sz="3000"/>
+                      <a:rPr lang="es-AR" sz="3000">
+                        <a:latin typeface="Cambria Math" panose="02040503050406030204" pitchFamily="18" charset="0"/>
+                      </a:rPr>
                       <m:t>=−</m:t>
                     </m:r>
                     <m:func>
                       <m:funcPr>
                         <m:ctrlPr>
-                          <a:rPr lang="en-US" sz="3000"/>
+                          <a:rPr lang="en-US" sz="3000" i="1">
+                            <a:latin typeface="Cambria Math" panose="02040503050406030204" pitchFamily="18" charset="0"/>
+                          </a:rPr>
                         </m:ctrlPr>
                       </m:funcPr>
                       <m:fName>
@@ -9792,21 +9908,29 @@
                           <m:rPr>
                             <m:sty m:val="p"/>
                           </m:rPr>
-                          <a:rPr lang="es-AR" sz="3000"/>
+                          <a:rPr lang="es-AR" sz="3000">
+                            <a:latin typeface="Cambria Math" panose="02040503050406030204" pitchFamily="18" charset="0"/>
+                          </a:rPr>
                           <m:t>log</m:t>
                         </m:r>
                       </m:fName>
                       <m:e>
                         <m:r>
-                          <a:rPr lang="es-AR" sz="3000"/>
+                          <a:rPr lang="es-AR" sz="3000">
+                            <a:latin typeface="Cambria Math" panose="02040503050406030204" pitchFamily="18" charset="0"/>
+                          </a:rPr>
                           <m:t>(1−</m:t>
                         </m:r>
                         <m:r>
-                          <a:rPr lang="es-AR" sz="3000"/>
+                          <a:rPr lang="es-AR" sz="3000">
+                            <a:latin typeface="Cambria Math" panose="02040503050406030204" pitchFamily="18" charset="0"/>
+                          </a:rPr>
                           <m:t>𝑝</m:t>
                         </m:r>
                         <m:r>
-                          <a:rPr lang="es-AR" sz="3000"/>
+                          <a:rPr lang="es-AR" sz="3000">
+                            <a:latin typeface="Cambria Math" panose="02040503050406030204" pitchFamily="18" charset="0"/>
+                          </a:rPr>
                           <m:t>)</m:t>
                         </m:r>
                       </m:e>
@@ -9832,24 +9956,32 @@
                     <m:sSub>
                       <m:sSubPr>
                         <m:ctrlPr>
-                          <a:rPr lang="en-US" sz="3000"/>
+                          <a:rPr lang="en-US" sz="3000" i="1">
+                            <a:latin typeface="Cambria Math" panose="02040503050406030204" pitchFamily="18" charset="0"/>
+                          </a:rPr>
                         </m:ctrlPr>
                       </m:sSubPr>
                       <m:e>
                         <m:r>
-                          <a:rPr lang="es-AR" sz="3000"/>
+                          <a:rPr lang="es-AR" sz="3000">
+                            <a:latin typeface="Cambria Math" panose="02040503050406030204" pitchFamily="18" charset="0"/>
+                          </a:rPr>
                           <m:t>𝑥</m:t>
                         </m:r>
                       </m:e>
                       <m:sub>
                         <m:r>
-                          <a:rPr lang="es-AR" sz="3000"/>
+                          <a:rPr lang="es-AR" sz="3000">
+                            <a:latin typeface="Cambria Math" panose="02040503050406030204" pitchFamily="18" charset="0"/>
+                          </a:rPr>
                           <m:t>𝑝</m:t>
                         </m:r>
                       </m:sub>
                     </m:sSub>
                     <m:r>
-                      <a:rPr lang="es-AR" sz="3000"/>
+                      <a:rPr lang="es-AR" sz="3000">
+                        <a:latin typeface="Cambria Math" panose="02040503050406030204" pitchFamily="18" charset="0"/>
+                      </a:rPr>
                       <m:t>=</m:t>
                     </m:r>
                     <m:d>
@@ -9857,40 +9989,54 @@
                         <m:begChr m:val="{"/>
                         <m:endChr m:val=""/>
                         <m:ctrlPr>
-                          <a:rPr lang="en-US" sz="3000"/>
+                          <a:rPr lang="en-US" sz="3000" i="1">
+                            <a:latin typeface="Cambria Math" panose="02040503050406030204" pitchFamily="18" charset="0"/>
+                          </a:rPr>
                         </m:ctrlPr>
                       </m:dPr>
                       <m:e>
                         <m:eqArr>
                           <m:eqArrPr>
                             <m:ctrlPr>
-                              <a:rPr lang="en-US" sz="3000"/>
+                              <a:rPr lang="en-US" sz="3000" i="1">
+                                <a:latin typeface="Cambria Math" panose="02040503050406030204" pitchFamily="18" charset="0"/>
+                              </a:rPr>
                             </m:ctrlPr>
                           </m:eqArrPr>
                           <m:e>
                             <m:r>
-                              <a:rPr lang="es-AR" sz="3000"/>
+                              <a:rPr lang="es-AR" sz="3000">
+                                <a:latin typeface="Cambria Math" panose="02040503050406030204" pitchFamily="18" charset="0"/>
+                              </a:rPr>
                               <m:t>𝜇</m:t>
                             </m:r>
                             <m:r>
-                              <a:rPr lang="es-AR" sz="3000"/>
+                              <a:rPr lang="es-AR" sz="3000">
+                                <a:latin typeface="Cambria Math" panose="02040503050406030204" pitchFamily="18" charset="0"/>
+                              </a:rPr>
                               <m:t>−</m:t>
                             </m:r>
                             <m:f>
                               <m:fPr>
                                 <m:ctrlPr>
-                                  <a:rPr lang="en-US" sz="3000"/>
+                                  <a:rPr lang="en-US" sz="3000" i="1">
+                                    <a:latin typeface="Cambria Math" panose="02040503050406030204" pitchFamily="18" charset="0"/>
+                                  </a:rPr>
                                 </m:ctrlPr>
                               </m:fPr>
                               <m:num>
                                 <m:r>
-                                  <a:rPr lang="es-AR" sz="3000"/>
+                                  <a:rPr lang="es-AR" sz="3000">
+                                    <a:latin typeface="Cambria Math" panose="02040503050406030204" pitchFamily="18" charset="0"/>
+                                  </a:rPr>
                                   <m:t>𝜎</m:t>
                                 </m:r>
                               </m:num>
                               <m:den>
                                 <m:r>
-                                  <a:rPr lang="es-AR" sz="3000"/>
+                                  <a:rPr lang="es-AR" sz="3000">
+                                    <a:latin typeface="Cambria Math" panose="02040503050406030204" pitchFamily="18" charset="0"/>
+                                  </a:rPr>
                                   <m:t>𝜉</m:t>
                                 </m:r>
                               </m:den>
@@ -9900,36 +10046,48 @@
                                 <m:begChr m:val="{"/>
                                 <m:endChr m:val="}"/>
                                 <m:ctrlPr>
-                                  <a:rPr lang="en-US" sz="3000"/>
+                                  <a:rPr lang="en-US" sz="3000" i="1">
+                                    <a:latin typeface="Cambria Math" panose="02040503050406030204" pitchFamily="18" charset="0"/>
+                                  </a:rPr>
                                 </m:ctrlPr>
                               </m:dPr>
                               <m:e>
                                 <m:r>
-                                  <a:rPr lang="es-AR" sz="3000"/>
+                                  <a:rPr lang="es-AR" sz="3000">
+                                    <a:latin typeface="Cambria Math" panose="02040503050406030204" pitchFamily="18" charset="0"/>
+                                  </a:rPr>
                                   <m:t>1−</m:t>
                                 </m:r>
                                 <m:sSup>
                                   <m:sSupPr>
                                     <m:ctrlPr>
-                                      <a:rPr lang="en-US" sz="3000"/>
+                                      <a:rPr lang="en-US" sz="3000" i="1">
+                                        <a:latin typeface="Cambria Math" panose="02040503050406030204" pitchFamily="18" charset="0"/>
+                                      </a:rPr>
                                     </m:ctrlPr>
                                   </m:sSupPr>
                                   <m:e>
                                     <m:sSub>
                                       <m:sSubPr>
                                         <m:ctrlPr>
-                                          <a:rPr lang="en-US" sz="3000"/>
+                                          <a:rPr lang="en-US" sz="3000" i="1">
+                                            <a:latin typeface="Cambria Math" panose="02040503050406030204" pitchFamily="18" charset="0"/>
+                                          </a:rPr>
                                         </m:ctrlPr>
                                       </m:sSubPr>
                                       <m:e>
                                         <m:r>
-                                          <a:rPr lang="es-AR" sz="3000"/>
+                                          <a:rPr lang="es-AR" sz="3000">
+                                            <a:latin typeface="Cambria Math" panose="02040503050406030204" pitchFamily="18" charset="0"/>
+                                          </a:rPr>
                                           <m:t>𝑦</m:t>
                                         </m:r>
                                       </m:e>
                                       <m:sub>
                                         <m:r>
-                                          <a:rPr lang="es-AR" sz="3000"/>
+                                          <a:rPr lang="es-AR" sz="3000">
+                                            <a:latin typeface="Cambria Math" panose="02040503050406030204" pitchFamily="18" charset="0"/>
+                                          </a:rPr>
                                           <m:t>𝑝</m:t>
                                         </m:r>
                                       </m:sub>
@@ -9937,11 +10095,15 @@
                                   </m:e>
                                   <m:sup>
                                     <m:r>
-                                      <a:rPr lang="es-AR" sz="3000"/>
+                                      <a:rPr lang="es-AR" sz="3000">
+                                        <a:latin typeface="Cambria Math" panose="02040503050406030204" pitchFamily="18" charset="0"/>
+                                      </a:rPr>
                                       <m:t>−</m:t>
                                     </m:r>
                                     <m:r>
-                                      <a:rPr lang="es-AR" sz="3000"/>
+                                      <a:rPr lang="es-AR" sz="3000">
+                                        <a:latin typeface="Cambria Math" panose="02040503050406030204" pitchFamily="18" charset="0"/>
+                                      </a:rPr>
                                       <m:t>𝜉</m:t>
                                     </m:r>
                                   </m:sup>
@@ -9949,35 +10111,49 @@
                               </m:e>
                             </m:d>
                             <m:r>
-                              <a:rPr lang="es-AR" sz="3000"/>
+                              <a:rPr lang="es-AR" sz="3000">
+                                <a:latin typeface="Cambria Math" panose="02040503050406030204" pitchFamily="18" charset="0"/>
+                              </a:rPr>
                               <m:t>                          </m:t>
                             </m:r>
                             <m:r>
-                              <a:rPr lang="es-AR" sz="3000"/>
+                              <a:rPr lang="es-AR" sz="3000">
+                                <a:latin typeface="Cambria Math" panose="02040503050406030204" pitchFamily="18" charset="0"/>
+                              </a:rPr>
                               <m:t>𝜉</m:t>
                             </m:r>
                             <m:r>
-                              <a:rPr lang="es-AR" sz="3000"/>
+                              <a:rPr lang="es-AR" sz="3000">
+                                <a:latin typeface="Cambria Math" panose="02040503050406030204" pitchFamily="18" charset="0"/>
+                              </a:rPr>
                               <m:t>≠0</m:t>
                             </m:r>
                           </m:e>
                           <m:e>
                             <m:r>
-                              <a:rPr lang="es-AR" sz="3000"/>
+                              <a:rPr lang="es-AR" sz="3000">
+                                <a:latin typeface="Cambria Math" panose="02040503050406030204" pitchFamily="18" charset="0"/>
+                              </a:rPr>
                               <m:t>𝜇</m:t>
                             </m:r>
                             <m:r>
-                              <a:rPr lang="es-AR" sz="3000"/>
+                              <a:rPr lang="es-AR" sz="3000">
+                                <a:latin typeface="Cambria Math" panose="02040503050406030204" pitchFamily="18" charset="0"/>
+                              </a:rPr>
                               <m:t>−</m:t>
                             </m:r>
                             <m:r>
-                              <a:rPr lang="es-AR" sz="3000"/>
+                              <a:rPr lang="es-AR" sz="3000">
+                                <a:latin typeface="Cambria Math" panose="02040503050406030204" pitchFamily="18" charset="0"/>
+                              </a:rPr>
                               <m:t>𝜎</m:t>
                             </m:r>
                             <m:func>
                               <m:funcPr>
                                 <m:ctrlPr>
-                                  <a:rPr lang="en-US" sz="3000"/>
+                                  <a:rPr lang="en-US" sz="3000" i="1">
+                                    <a:latin typeface="Cambria Math" panose="02040503050406030204" pitchFamily="18" charset="0"/>
+                                  </a:rPr>
                                 </m:ctrlPr>
                               </m:funcPr>
                               <m:fName>
@@ -9985,7 +10161,9 @@
                                   <m:rPr>
                                     <m:sty m:val="p"/>
                                   </m:rPr>
-                                  <a:rPr lang="es-AR" sz="3000"/>
+                                  <a:rPr lang="es-AR" sz="3000">
+                                    <a:latin typeface="Cambria Math" panose="02040503050406030204" pitchFamily="18" charset="0"/>
+                                  </a:rPr>
                                   <m:t>log</m:t>
                                 </m:r>
                               </m:fName>
@@ -9995,18 +10173,24 @@
                                     <m:begChr m:val="["/>
                                     <m:endChr m:val="]"/>
                                     <m:ctrlPr>
-                                      <a:rPr lang="en-US" sz="3000"/>
+                                      <a:rPr lang="en-US" sz="3000" i="1">
+                                        <a:latin typeface="Cambria Math" panose="02040503050406030204" pitchFamily="18" charset="0"/>
+                                      </a:rPr>
                                     </m:ctrlPr>
                                   </m:dPr>
                                   <m:e>
                                     <m:r>
-                                      <a:rPr lang="es-AR" sz="3000"/>
+                                      <a:rPr lang="es-AR" sz="3000">
+                                        <a:latin typeface="Cambria Math" panose="02040503050406030204" pitchFamily="18" charset="0"/>
+                                      </a:rPr>
                                       <m:t>−</m:t>
                                     </m:r>
                                     <m:func>
                                       <m:funcPr>
                                         <m:ctrlPr>
-                                          <a:rPr lang="en-US" sz="3000"/>
+                                          <a:rPr lang="en-US" sz="3000" i="1">
+                                            <a:latin typeface="Cambria Math" panose="02040503050406030204" pitchFamily="18" charset="0"/>
+                                          </a:rPr>
                                         </m:ctrlPr>
                                       </m:funcPr>
                                       <m:fName>
@@ -10014,13 +10198,17 @@
                                           <m:rPr>
                                             <m:sty m:val="p"/>
                                           </m:rPr>
-                                          <a:rPr lang="es-AR" sz="3000"/>
+                                          <a:rPr lang="es-AR" sz="3000">
+                                            <a:latin typeface="Cambria Math" panose="02040503050406030204" pitchFamily="18" charset="0"/>
+                                          </a:rPr>
                                           <m:t>log</m:t>
                                         </m:r>
                                       </m:fName>
                                       <m:e>
                                         <m:r>
-                                          <a:rPr lang="es-AR" sz="3000"/>
+                                          <a:rPr lang="es-AR" sz="3000">
+                                            <a:latin typeface="Cambria Math" panose="02040503050406030204" pitchFamily="18" charset="0"/>
+                                          </a:rPr>
                                           <m:t>(</m:t>
                                         </m:r>
                                       </m:e>
@@ -10028,38 +10216,52 @@
                                     <m:sSub>
                                       <m:sSubPr>
                                         <m:ctrlPr>
-                                          <a:rPr lang="en-US" sz="3000"/>
+                                          <a:rPr lang="en-US" sz="3000" i="1">
+                                            <a:latin typeface="Cambria Math" panose="02040503050406030204" pitchFamily="18" charset="0"/>
+                                          </a:rPr>
                                         </m:ctrlPr>
                                       </m:sSubPr>
                                       <m:e>
                                         <m:r>
-                                          <a:rPr lang="es-AR" sz="3000"/>
+                                          <a:rPr lang="es-AR" sz="3000">
+                                            <a:latin typeface="Cambria Math" panose="02040503050406030204" pitchFamily="18" charset="0"/>
+                                          </a:rPr>
                                           <m:t>𝑦</m:t>
                                         </m:r>
                                       </m:e>
                                       <m:sub>
                                         <m:r>
-                                          <a:rPr lang="es-AR" sz="3000"/>
+                                          <a:rPr lang="es-AR" sz="3000">
+                                            <a:latin typeface="Cambria Math" panose="02040503050406030204" pitchFamily="18" charset="0"/>
+                                          </a:rPr>
                                           <m:t>𝑝</m:t>
                                         </m:r>
                                       </m:sub>
                                     </m:sSub>
                                     <m:r>
-                                      <a:rPr lang="es-AR" sz="3000"/>
+                                      <a:rPr lang="es-AR" sz="3000">
+                                        <a:latin typeface="Cambria Math" panose="02040503050406030204" pitchFamily="18" charset="0"/>
+                                      </a:rPr>
                                       <m:t>)</m:t>
                                     </m:r>
                                   </m:e>
                                 </m:d>
                                 <m:r>
-                                  <a:rPr lang="es-AR" sz="3000"/>
+                                  <a:rPr lang="es-AR" sz="3000">
+                                    <a:latin typeface="Cambria Math" panose="02040503050406030204" pitchFamily="18" charset="0"/>
+                                  </a:rPr>
                                   <m:t>                  </m:t>
                                 </m:r>
                                 <m:r>
-                                  <a:rPr lang="es-AR" sz="3000"/>
+                                  <a:rPr lang="es-AR" sz="3000">
+                                    <a:latin typeface="Cambria Math" panose="02040503050406030204" pitchFamily="18" charset="0"/>
+                                  </a:rPr>
                                   <m:t>𝜉</m:t>
                                 </m:r>
                                 <m:r>
-                                  <a:rPr lang="es-AR" sz="3000"/>
+                                  <a:rPr lang="es-AR" sz="3000">
+                                    <a:latin typeface="Cambria Math" panose="02040503050406030204" pitchFamily="18" charset="0"/>
+                                  </a:rPr>
                                   <m:t>=0</m:t>
                                 </m:r>
                               </m:e>
@@ -10084,7 +10286,7 @@
             </p:txBody>
           </p:sp>
         </mc:Choice>
-        <mc:Fallback>
+        <mc:Fallback xmlns="">
           <p:sp>
             <p:nvSpPr>
               <p:cNvPr id="3" name="Marcador de contenido 2"/>
@@ -10395,10 +10597,6 @@
               </a:rPr>
               <a:t>50 </a:t>
             </a:r>
-            <a:endParaRPr lang="en-US" baseline="30000" dirty="0">
-              <a:latin typeface="Times New Roman" panose="02020603050405020304" pitchFamily="18" charset="0"/>
-              <a:cs typeface="Times New Roman" panose="02020603050405020304" pitchFamily="18" charset="0"/>
-            </a:endParaRPr>
           </a:p>
           <a:p>
             <a:endParaRPr lang="en-US" dirty="0"/>
@@ -10467,18 +10665,14 @@
           <a:p>
             <a:r>
               <a:rPr lang="es-AR" dirty="0" smtClean="0"/>
-              <a:t>Niveles de </a:t>
-            </a:r>
-            <a:r>
-              <a:rPr lang="es-AR" dirty="0" smtClean="0"/>
-              <a:t>retorno- GPD</a:t>
+              <a:t>Niveles de retorno- GPD</a:t>
             </a:r>
             <a:endParaRPr lang="en-US" dirty="0"/>
           </a:p>
         </p:txBody>
       </p:sp>
-      <mc:AlternateContent xmlns:mc="http://schemas.openxmlformats.org/markup-compatibility/2006">
-        <mc:Choice xmlns:a14="http://schemas.microsoft.com/office/drawing/2010/main" Requires="a14">
+      <mc:AlternateContent xmlns:mc="http://schemas.openxmlformats.org/markup-compatibility/2006" xmlns:a14="http://schemas.microsoft.com/office/drawing/2010/main">
+        <mc:Choice Requires="a14">
           <p:sp>
             <p:nvSpPr>
               <p:cNvPr id="3" name="Marcador de contenido 2"/>
@@ -10505,52 +10699,72 @@
                 <a14:m>
                   <m:oMath xmlns:m="http://schemas.openxmlformats.org/officeDocument/2006/math">
                     <m:r>
-                      <a:rPr lang="es-AR" sz="3000" smtClean="0"/>
+                      <a:rPr lang="es-AR" sz="3000" smtClean="0">
+                        <a:latin typeface="Cambria Math" panose="02040503050406030204" pitchFamily="18" charset="0"/>
+                      </a:rPr>
                       <m:t>𝑃</m:t>
                     </m:r>
                     <m:d>
                       <m:dPr>
                         <m:ctrlPr>
-                          <a:rPr lang="en-US" sz="3000"/>
+                          <a:rPr lang="en-US" sz="3000" i="1">
+                            <a:latin typeface="Cambria Math" panose="02040503050406030204" pitchFamily="18" charset="0"/>
+                          </a:rPr>
                         </m:ctrlPr>
                       </m:dPr>
                       <m:e>
                         <m:r>
-                          <a:rPr lang="es-AR" sz="3000"/>
+                          <a:rPr lang="es-AR" sz="3000">
+                            <a:latin typeface="Cambria Math" panose="02040503050406030204" pitchFamily="18" charset="0"/>
+                          </a:rPr>
                           <m:t>𝑋</m:t>
                         </m:r>
                         <m:r>
-                          <a:rPr lang="es-AR" sz="3000"/>
+                          <a:rPr lang="es-AR" sz="3000">
+                            <a:latin typeface="Cambria Math" panose="02040503050406030204" pitchFamily="18" charset="0"/>
+                          </a:rPr>
                           <m:t>&gt;</m:t>
                         </m:r>
                         <m:r>
-                          <a:rPr lang="es-AR" sz="3000"/>
+                          <a:rPr lang="es-AR" sz="3000">
+                            <a:latin typeface="Cambria Math" panose="02040503050406030204" pitchFamily="18" charset="0"/>
+                          </a:rPr>
                           <m:t>𝑥</m:t>
                         </m:r>
                       </m:e>
                       <m:e>
                         <m:r>
-                          <a:rPr lang="es-AR" sz="3000"/>
+                          <a:rPr lang="es-AR" sz="3000">
+                            <a:latin typeface="Cambria Math" panose="02040503050406030204" pitchFamily="18" charset="0"/>
+                          </a:rPr>
                           <m:t>𝑋</m:t>
                         </m:r>
                         <m:r>
-                          <a:rPr lang="es-AR" sz="3000"/>
+                          <a:rPr lang="es-AR" sz="3000">
+                            <a:latin typeface="Cambria Math" panose="02040503050406030204" pitchFamily="18" charset="0"/>
+                          </a:rPr>
                           <m:t>&gt;</m:t>
                         </m:r>
                         <m:r>
-                          <a:rPr lang="es-AR" sz="3000"/>
+                          <a:rPr lang="es-AR" sz="3000">
+                            <a:latin typeface="Cambria Math" panose="02040503050406030204" pitchFamily="18" charset="0"/>
+                          </a:rPr>
                           <m:t>𝑢</m:t>
                         </m:r>
                       </m:e>
                     </m:d>
                     <m:r>
-                      <a:rPr lang="es-AR" sz="3000"/>
+                      <a:rPr lang="es-AR" sz="3000">
+                        <a:latin typeface="Cambria Math" panose="02040503050406030204" pitchFamily="18" charset="0"/>
+                      </a:rPr>
                       <m:t>=</m:t>
                     </m:r>
                     <m:sSup>
                       <m:sSupPr>
                         <m:ctrlPr>
-                          <a:rPr lang="en-US" sz="3000"/>
+                          <a:rPr lang="en-US" sz="3000" i="1">
+                            <a:latin typeface="Cambria Math" panose="02040503050406030204" pitchFamily="18" charset="0"/>
+                          </a:rPr>
                         </m:ctrlPr>
                       </m:sSupPr>
                       <m:e>
@@ -10559,48 +10773,66 @@
                             <m:begChr m:val="["/>
                             <m:endChr m:val="]"/>
                             <m:ctrlPr>
-                              <a:rPr lang="en-US" sz="3000"/>
+                              <a:rPr lang="en-US" sz="3000" i="1">
+                                <a:latin typeface="Cambria Math" panose="02040503050406030204" pitchFamily="18" charset="0"/>
+                              </a:rPr>
                             </m:ctrlPr>
                           </m:dPr>
                           <m:e>
                             <m:r>
-                              <a:rPr lang="es-AR" sz="3000"/>
+                              <a:rPr lang="es-AR" sz="3000">
+                                <a:latin typeface="Cambria Math" panose="02040503050406030204" pitchFamily="18" charset="0"/>
+                              </a:rPr>
                               <m:t>1+</m:t>
                             </m:r>
                             <m:r>
-                              <a:rPr lang="es-AR" sz="3000"/>
+                              <a:rPr lang="es-AR" sz="3000">
+                                <a:latin typeface="Cambria Math" panose="02040503050406030204" pitchFamily="18" charset="0"/>
+                              </a:rPr>
                               <m:t>𝜉</m:t>
                             </m:r>
                             <m:d>
                               <m:dPr>
                                 <m:ctrlPr>
-                                  <a:rPr lang="en-US" sz="3000"/>
+                                  <a:rPr lang="en-US" sz="3000" i="1">
+                                    <a:latin typeface="Cambria Math" panose="02040503050406030204" pitchFamily="18" charset="0"/>
+                                  </a:rPr>
                                 </m:ctrlPr>
                               </m:dPr>
                               <m:e>
                                 <m:f>
                                   <m:fPr>
                                     <m:ctrlPr>
-                                      <a:rPr lang="en-US" sz="3000"/>
+                                      <a:rPr lang="en-US" sz="3000" i="1">
+                                        <a:latin typeface="Cambria Math" panose="02040503050406030204" pitchFamily="18" charset="0"/>
+                                      </a:rPr>
                                     </m:ctrlPr>
                                   </m:fPr>
                                   <m:num>
                                     <m:r>
-                                      <a:rPr lang="es-AR" sz="3000"/>
+                                      <a:rPr lang="es-AR" sz="3000">
+                                        <a:latin typeface="Cambria Math" panose="02040503050406030204" pitchFamily="18" charset="0"/>
+                                      </a:rPr>
                                       <m:t>𝑥</m:t>
                                     </m:r>
                                     <m:r>
-                                      <a:rPr lang="es-AR" sz="3000"/>
+                                      <a:rPr lang="es-AR" sz="3000">
+                                        <a:latin typeface="Cambria Math" panose="02040503050406030204" pitchFamily="18" charset="0"/>
+                                      </a:rPr>
                                       <m:t>−</m:t>
                                     </m:r>
                                     <m:r>
-                                      <a:rPr lang="es-AR" sz="3000"/>
+                                      <a:rPr lang="es-AR" sz="3000">
+                                        <a:latin typeface="Cambria Math" panose="02040503050406030204" pitchFamily="18" charset="0"/>
+                                      </a:rPr>
                                       <m:t>𝑢</m:t>
                                     </m:r>
                                   </m:num>
                                   <m:den>
                                     <m:r>
-                                      <a:rPr lang="es-AR" sz="3000"/>
+                                      <a:rPr lang="es-AR" sz="3000">
+                                        <a:latin typeface="Cambria Math" panose="02040503050406030204" pitchFamily="18" charset="0"/>
+                                      </a:rPr>
                                       <m:t>𝜎</m:t>
                                     </m:r>
                                   </m:den>
@@ -10612,24 +10844,32 @@
                       </m:e>
                       <m:sup>
                         <m:r>
-                          <a:rPr lang="es-AR" sz="3000"/>
+                          <a:rPr lang="es-AR" sz="3000">
+                            <a:latin typeface="Cambria Math" panose="02040503050406030204" pitchFamily="18" charset="0"/>
+                          </a:rPr>
                           <m:t>−</m:t>
                         </m:r>
                         <m:f>
                           <m:fPr>
                             <m:ctrlPr>
-                              <a:rPr lang="en-US" sz="3000"/>
+                              <a:rPr lang="en-US" sz="3000" i="1">
+                                <a:latin typeface="Cambria Math" panose="02040503050406030204" pitchFamily="18" charset="0"/>
+                              </a:rPr>
                             </m:ctrlPr>
                           </m:fPr>
                           <m:num>
                             <m:r>
-                              <a:rPr lang="es-AR" sz="3000"/>
+                              <a:rPr lang="es-AR" sz="3000">
+                                <a:latin typeface="Cambria Math" panose="02040503050406030204" pitchFamily="18" charset="0"/>
+                              </a:rPr>
                               <m:t>1</m:t>
                             </m:r>
                           </m:num>
                           <m:den>
                             <m:r>
-                              <a:rPr lang="es-AR" sz="3000"/>
+                              <a:rPr lang="es-AR" sz="3000">
+                                <a:latin typeface="Cambria Math" panose="02040503050406030204" pitchFamily="18" charset="0"/>
+                              </a:rPr>
                               <m:t>𝜉</m:t>
                             </m:r>
                           </m:den>
@@ -10644,11 +10884,7 @@
                 <a:pPr algn="just"/>
                 <a:r>
                   <a:rPr lang="es-AR" sz="3000" dirty="0"/>
-                  <a:t>S</a:t>
-                </a:r>
-                <a:r>
-                  <a:rPr lang="es-AR" sz="3000" dirty="0"/>
-                  <a:t>i </a:t>
+                  <a:t>Si </a:t>
                 </a:r>
                 <a14:m>
                   <m:oMath xmlns:m="http://schemas.openxmlformats.org/officeDocument/2006/math">
@@ -10656,24 +10892,32 @@
                       <m:rPr>
                         <m:sty m:val="p"/>
                       </m:rPr>
-                      <a:rPr lang="es-AR" sz="3000"/>
+                      <a:rPr lang="es-AR" sz="3000">
+                        <a:latin typeface="Cambria Math" panose="02040503050406030204" pitchFamily="18" charset="0"/>
+                      </a:rPr>
                       <m:t>ζ</m:t>
                     </m:r>
                     <m:r>
-                      <a:rPr lang="es-AR" sz="3000"/>
+                      <a:rPr lang="es-AR" sz="3000">
+                        <a:latin typeface="Cambria Math" panose="02040503050406030204" pitchFamily="18" charset="0"/>
+                      </a:rPr>
                       <m:t>=</m:t>
                     </m:r>
                     <m:r>
                       <m:rPr>
                         <m:sty m:val="p"/>
                       </m:rPr>
-                      <a:rPr lang="es-AR" sz="3000"/>
+                      <a:rPr lang="es-AR" sz="3000">
+                        <a:latin typeface="Cambria Math" panose="02040503050406030204" pitchFamily="18" charset="0"/>
+                      </a:rPr>
                       <m:t>P</m:t>
                     </m:r>
                     <m:d>
                       <m:dPr>
                         <m:ctrlPr>
-                          <a:rPr lang="es-AR" sz="3000"/>
+                          <a:rPr lang="es-AR" sz="3000" i="1">
+                            <a:latin typeface="Cambria Math" panose="02040503050406030204" pitchFamily="18" charset="0"/>
+                          </a:rPr>
                         </m:ctrlPr>
                       </m:dPr>
                       <m:e>
@@ -10681,18 +10925,24 @@
                           <m:rPr>
                             <m:sty m:val="p"/>
                           </m:rPr>
-                          <a:rPr lang="es-AR" sz="3000"/>
+                          <a:rPr lang="es-AR" sz="3000">
+                            <a:latin typeface="Cambria Math" panose="02040503050406030204" pitchFamily="18" charset="0"/>
+                          </a:rPr>
                           <m:t>X</m:t>
                         </m:r>
                         <m:r>
-                          <a:rPr lang="es-AR" sz="3000"/>
+                          <a:rPr lang="es-AR" sz="3000">
+                            <a:latin typeface="Cambria Math" panose="02040503050406030204" pitchFamily="18" charset="0"/>
+                          </a:rPr>
                           <m:t>&gt;</m:t>
                         </m:r>
                         <m:r>
                           <m:rPr>
                             <m:sty m:val="p"/>
                           </m:rPr>
-                          <a:rPr lang="es-AR" sz="3000"/>
+                          <a:rPr lang="es-AR" sz="3000">
+                            <a:latin typeface="Cambria Math" panose="02040503050406030204" pitchFamily="18" charset="0"/>
+                          </a:rPr>
                           <m:t>u</m:t>
                         </m:r>
                       </m:e>
@@ -10716,38 +10966,52 @@
                 <a14:m>
                   <m:oMath xmlns:m="http://schemas.openxmlformats.org/officeDocument/2006/math">
                     <m:r>
-                      <a:rPr lang="es-AR" sz="3000"/>
+                      <a:rPr lang="es-AR" sz="3000">
+                        <a:latin typeface="Cambria Math" panose="02040503050406030204" pitchFamily="18" charset="0"/>
+                      </a:rPr>
                       <m:t>𝑃</m:t>
                     </m:r>
                     <m:d>
                       <m:dPr>
                         <m:ctrlPr>
-                          <a:rPr lang="en-US" sz="3000"/>
+                          <a:rPr lang="en-US" sz="3000" i="1">
+                            <a:latin typeface="Cambria Math" panose="02040503050406030204" pitchFamily="18" charset="0"/>
+                          </a:rPr>
                         </m:ctrlPr>
                       </m:dPr>
                       <m:e>
                         <m:r>
-                          <a:rPr lang="es-AR" sz="3000"/>
+                          <a:rPr lang="es-AR" sz="3000">
+                            <a:latin typeface="Cambria Math" panose="02040503050406030204" pitchFamily="18" charset="0"/>
+                          </a:rPr>
                           <m:t>𝑋</m:t>
                         </m:r>
                         <m:r>
-                          <a:rPr lang="es-AR" sz="3000"/>
+                          <a:rPr lang="es-AR" sz="3000">
+                            <a:latin typeface="Cambria Math" panose="02040503050406030204" pitchFamily="18" charset="0"/>
+                          </a:rPr>
                           <m:t>&gt;</m:t>
                         </m:r>
                         <m:r>
-                          <a:rPr lang="es-AR" sz="3000"/>
+                          <a:rPr lang="es-AR" sz="3000">
+                            <a:latin typeface="Cambria Math" panose="02040503050406030204" pitchFamily="18" charset="0"/>
+                          </a:rPr>
                           <m:t>𝑥</m:t>
                         </m:r>
                       </m:e>
                     </m:d>
                     <m:r>
-                      <a:rPr lang="es-AR" sz="3000"/>
+                      <a:rPr lang="es-AR" sz="3000">
+                        <a:latin typeface="Cambria Math" panose="02040503050406030204" pitchFamily="18" charset="0"/>
+                      </a:rPr>
                       <m:t>=</m:t>
                     </m:r>
                     <m:sSub>
                       <m:sSubPr>
                         <m:ctrlPr>
-                          <a:rPr lang="en-US" sz="3000"/>
+                          <a:rPr lang="en-US" sz="3000" i="1">
+                            <a:latin typeface="Cambria Math" panose="02040503050406030204" pitchFamily="18" charset="0"/>
+                          </a:rPr>
                         </m:ctrlPr>
                       </m:sSubPr>
                       <m:e>
@@ -10755,13 +11019,17 @@
                           <m:rPr>
                             <m:sty m:val="p"/>
                           </m:rPr>
-                          <a:rPr lang="es-AR" sz="3000"/>
+                          <a:rPr lang="es-AR" sz="3000">
+                            <a:latin typeface="Cambria Math" panose="02040503050406030204" pitchFamily="18" charset="0"/>
+                          </a:rPr>
                           <m:t>ζ</m:t>
                         </m:r>
                       </m:e>
                       <m:sub>
                         <m:r>
-                          <a:rPr lang="es-AR" sz="3000"/>
+                          <a:rPr lang="es-AR" sz="3000">
+                            <a:latin typeface="Cambria Math" panose="02040503050406030204" pitchFamily="18" charset="0"/>
+                          </a:rPr>
                           <m:t>𝑢</m:t>
                         </m:r>
                       </m:sub>
@@ -10769,7 +11037,9 @@
                     <m:sSup>
                       <m:sSupPr>
                         <m:ctrlPr>
-                          <a:rPr lang="en-US" sz="3000"/>
+                          <a:rPr lang="en-US" sz="3000" i="1">
+                            <a:latin typeface="Cambria Math" panose="02040503050406030204" pitchFamily="18" charset="0"/>
+                          </a:rPr>
                         </m:ctrlPr>
                       </m:sSupPr>
                       <m:e>
@@ -10778,48 +11048,66 @@
                             <m:begChr m:val="["/>
                             <m:endChr m:val="]"/>
                             <m:ctrlPr>
-                              <a:rPr lang="en-US" sz="3000"/>
+                              <a:rPr lang="en-US" sz="3000" i="1">
+                                <a:latin typeface="Cambria Math" panose="02040503050406030204" pitchFamily="18" charset="0"/>
+                              </a:rPr>
                             </m:ctrlPr>
                           </m:dPr>
                           <m:e>
                             <m:r>
-                              <a:rPr lang="es-AR" sz="3000"/>
+                              <a:rPr lang="es-AR" sz="3000">
+                                <a:latin typeface="Cambria Math" panose="02040503050406030204" pitchFamily="18" charset="0"/>
+                              </a:rPr>
                               <m:t>1+</m:t>
                             </m:r>
                             <m:r>
-                              <a:rPr lang="es-AR" sz="3000"/>
+                              <a:rPr lang="es-AR" sz="3000">
+                                <a:latin typeface="Cambria Math" panose="02040503050406030204" pitchFamily="18" charset="0"/>
+                              </a:rPr>
                               <m:t>𝜉</m:t>
                             </m:r>
                             <m:d>
                               <m:dPr>
                                 <m:ctrlPr>
-                                  <a:rPr lang="en-US" sz="3000"/>
+                                  <a:rPr lang="en-US" sz="3000" i="1">
+                                    <a:latin typeface="Cambria Math" panose="02040503050406030204" pitchFamily="18" charset="0"/>
+                                  </a:rPr>
                                 </m:ctrlPr>
                               </m:dPr>
                               <m:e>
                                 <m:f>
                                   <m:fPr>
                                     <m:ctrlPr>
-                                      <a:rPr lang="en-US" sz="3000"/>
+                                      <a:rPr lang="en-US" sz="3000" i="1">
+                                        <a:latin typeface="Cambria Math" panose="02040503050406030204" pitchFamily="18" charset="0"/>
+                                      </a:rPr>
                                     </m:ctrlPr>
                                   </m:fPr>
                                   <m:num>
                                     <m:r>
-                                      <a:rPr lang="es-AR" sz="3000"/>
+                                      <a:rPr lang="es-AR" sz="3000">
+                                        <a:latin typeface="Cambria Math" panose="02040503050406030204" pitchFamily="18" charset="0"/>
+                                      </a:rPr>
                                       <m:t>𝑥</m:t>
                                     </m:r>
                                     <m:r>
-                                      <a:rPr lang="es-AR" sz="3000"/>
+                                      <a:rPr lang="es-AR" sz="3000">
+                                        <a:latin typeface="Cambria Math" panose="02040503050406030204" pitchFamily="18" charset="0"/>
+                                      </a:rPr>
                                       <m:t>−</m:t>
                                     </m:r>
                                     <m:r>
-                                      <a:rPr lang="es-AR" sz="3000"/>
+                                      <a:rPr lang="es-AR" sz="3000">
+                                        <a:latin typeface="Cambria Math" panose="02040503050406030204" pitchFamily="18" charset="0"/>
+                                      </a:rPr>
                                       <m:t>𝑢</m:t>
                                     </m:r>
                                   </m:num>
                                   <m:den>
                                     <m:r>
-                                      <a:rPr lang="es-AR" sz="3000"/>
+                                      <a:rPr lang="es-AR" sz="3000">
+                                        <a:latin typeface="Cambria Math" panose="02040503050406030204" pitchFamily="18" charset="0"/>
+                                      </a:rPr>
                                       <m:t>𝜎</m:t>
                                     </m:r>
                                   </m:den>
@@ -10831,24 +11119,32 @@
                       </m:e>
                       <m:sup>
                         <m:r>
-                          <a:rPr lang="es-AR" sz="3000"/>
+                          <a:rPr lang="es-AR" sz="3000">
+                            <a:latin typeface="Cambria Math" panose="02040503050406030204" pitchFamily="18" charset="0"/>
+                          </a:rPr>
                           <m:t>−</m:t>
                         </m:r>
                         <m:f>
                           <m:fPr>
                             <m:ctrlPr>
-                              <a:rPr lang="en-US" sz="3000"/>
+                              <a:rPr lang="en-US" sz="3000" i="1">
+                                <a:latin typeface="Cambria Math" panose="02040503050406030204" pitchFamily="18" charset="0"/>
+                              </a:rPr>
                             </m:ctrlPr>
                           </m:fPr>
                           <m:num>
                             <m:r>
-                              <a:rPr lang="es-AR" sz="3000"/>
+                              <a:rPr lang="es-AR" sz="3000">
+                                <a:latin typeface="Cambria Math" panose="02040503050406030204" pitchFamily="18" charset="0"/>
+                              </a:rPr>
                               <m:t>1</m:t>
                             </m:r>
                           </m:num>
                           <m:den>
                             <m:r>
-                              <a:rPr lang="es-AR" sz="3000"/>
+                              <a:rPr lang="es-AR" sz="3000">
+                                <a:latin typeface="Cambria Math" panose="02040503050406030204" pitchFamily="18" charset="0"/>
+                              </a:rPr>
                               <m:t>𝜉</m:t>
                             </m:r>
                           </m:den>
@@ -10874,18 +11170,24 @@
                     <m:sSub>
                       <m:sSubPr>
                         <m:ctrlPr>
-                          <a:rPr lang="en-US" sz="3000"/>
+                          <a:rPr lang="en-US" sz="3000" i="1">
+                            <a:latin typeface="Cambria Math" panose="02040503050406030204" pitchFamily="18" charset="0"/>
+                          </a:rPr>
                         </m:ctrlPr>
                       </m:sSubPr>
                       <m:e>
                         <m:r>
-                          <a:rPr lang="es-AR" sz="3000"/>
+                          <a:rPr lang="es-AR" sz="3000">
+                            <a:latin typeface="Cambria Math" panose="02040503050406030204" pitchFamily="18" charset="0"/>
+                          </a:rPr>
                           <m:t>𝜁</m:t>
                         </m:r>
                       </m:e>
                       <m:sub>
                         <m:r>
-                          <a:rPr lang="es-AR" sz="3000"/>
+                          <a:rPr lang="es-AR" sz="3000">
+                            <a:latin typeface="Cambria Math" panose="02040503050406030204" pitchFamily="18" charset="0"/>
+                          </a:rPr>
                           <m:t>𝑢</m:t>
                         </m:r>
                       </m:sub>
@@ -10893,7 +11195,9 @@
                     <m:sSup>
                       <m:sSupPr>
                         <m:ctrlPr>
-                          <a:rPr lang="en-US" sz="3000"/>
+                          <a:rPr lang="en-US" sz="3000" i="1">
+                            <a:latin typeface="Cambria Math" panose="02040503050406030204" pitchFamily="18" charset="0"/>
+                          </a:rPr>
                         </m:ctrlPr>
                       </m:sSupPr>
                       <m:e>
@@ -10902,63 +11206,85 @@
                             <m:begChr m:val="["/>
                             <m:endChr m:val="]"/>
                             <m:ctrlPr>
-                              <a:rPr lang="en-US" sz="3000"/>
+                              <a:rPr lang="en-US" sz="3000" i="1">
+                                <a:latin typeface="Cambria Math" panose="02040503050406030204" pitchFamily="18" charset="0"/>
+                              </a:rPr>
                             </m:ctrlPr>
                           </m:dPr>
                           <m:e>
                             <m:r>
-                              <a:rPr lang="es-AR" sz="3000"/>
+                              <a:rPr lang="es-AR" sz="3000">
+                                <a:latin typeface="Cambria Math" panose="02040503050406030204" pitchFamily="18" charset="0"/>
+                              </a:rPr>
                               <m:t>1+</m:t>
                             </m:r>
                             <m:r>
-                              <a:rPr lang="es-AR" sz="3000"/>
+                              <a:rPr lang="es-AR" sz="3000">
+                                <a:latin typeface="Cambria Math" panose="02040503050406030204" pitchFamily="18" charset="0"/>
+                              </a:rPr>
                               <m:t>𝜉</m:t>
                             </m:r>
                             <m:d>
                               <m:dPr>
                                 <m:ctrlPr>
-                                  <a:rPr lang="en-US" sz="3000"/>
+                                  <a:rPr lang="en-US" sz="3000" i="1">
+                                    <a:latin typeface="Cambria Math" panose="02040503050406030204" pitchFamily="18" charset="0"/>
+                                  </a:rPr>
                                 </m:ctrlPr>
                               </m:dPr>
                               <m:e>
                                 <m:f>
                                   <m:fPr>
                                     <m:ctrlPr>
-                                      <a:rPr lang="en-US" sz="3000"/>
+                                      <a:rPr lang="en-US" sz="3000" i="1">
+                                        <a:latin typeface="Cambria Math" panose="02040503050406030204" pitchFamily="18" charset="0"/>
+                                      </a:rPr>
                                     </m:ctrlPr>
                                   </m:fPr>
                                   <m:num>
                                     <m:sSub>
                                       <m:sSubPr>
                                         <m:ctrlPr>
-                                          <a:rPr lang="en-US" sz="3000"/>
+                                          <a:rPr lang="en-US" sz="3000" i="1">
+                                            <a:latin typeface="Cambria Math" panose="02040503050406030204" pitchFamily="18" charset="0"/>
+                                          </a:rPr>
                                         </m:ctrlPr>
                                       </m:sSubPr>
                                       <m:e>
                                         <m:r>
-                                          <a:rPr lang="es-AR" sz="3000"/>
+                                          <a:rPr lang="es-AR" sz="3000">
+                                            <a:latin typeface="Cambria Math" panose="02040503050406030204" pitchFamily="18" charset="0"/>
+                                          </a:rPr>
                                           <m:t>𝑥</m:t>
                                         </m:r>
                                       </m:e>
                                       <m:sub>
                                         <m:r>
-                                          <a:rPr lang="es-AR" sz="3000"/>
+                                          <a:rPr lang="es-AR" sz="3000">
+                                            <a:latin typeface="Cambria Math" panose="02040503050406030204" pitchFamily="18" charset="0"/>
+                                          </a:rPr>
                                           <m:t>𝑚</m:t>
                                         </m:r>
                                       </m:sub>
                                     </m:sSub>
                                     <m:r>
-                                      <a:rPr lang="es-AR" sz="3000"/>
+                                      <a:rPr lang="es-AR" sz="3000">
+                                        <a:latin typeface="Cambria Math" panose="02040503050406030204" pitchFamily="18" charset="0"/>
+                                      </a:rPr>
                                       <m:t>−</m:t>
                                     </m:r>
                                     <m:r>
-                                      <a:rPr lang="es-AR" sz="3000"/>
+                                      <a:rPr lang="es-AR" sz="3000">
+                                        <a:latin typeface="Cambria Math" panose="02040503050406030204" pitchFamily="18" charset="0"/>
+                                      </a:rPr>
                                       <m:t>𝑢</m:t>
                                     </m:r>
                                   </m:num>
                                   <m:den>
                                     <m:r>
-                                      <a:rPr lang="es-AR" sz="3000"/>
+                                      <a:rPr lang="es-AR" sz="3000">
+                                        <a:latin typeface="Cambria Math" panose="02040503050406030204" pitchFamily="18" charset="0"/>
+                                      </a:rPr>
                                       <m:t>𝜎</m:t>
                                     </m:r>
                                   </m:den>
@@ -10970,24 +11296,32 @@
                       </m:e>
                       <m:sup>
                         <m:r>
-                          <a:rPr lang="es-AR" sz="3000"/>
+                          <a:rPr lang="es-AR" sz="3000">
+                            <a:latin typeface="Cambria Math" panose="02040503050406030204" pitchFamily="18" charset="0"/>
+                          </a:rPr>
                           <m:t>−</m:t>
                         </m:r>
                         <m:f>
                           <m:fPr>
                             <m:ctrlPr>
-                              <a:rPr lang="en-US" sz="3000"/>
+                              <a:rPr lang="en-US" sz="3000" i="1">
+                                <a:latin typeface="Cambria Math" panose="02040503050406030204" pitchFamily="18" charset="0"/>
+                              </a:rPr>
                             </m:ctrlPr>
                           </m:fPr>
                           <m:num>
                             <m:r>
-                              <a:rPr lang="es-AR" sz="3000"/>
+                              <a:rPr lang="es-AR" sz="3000">
+                                <a:latin typeface="Cambria Math" panose="02040503050406030204" pitchFamily="18" charset="0"/>
+                              </a:rPr>
                               <m:t>1</m:t>
                             </m:r>
                           </m:num>
                           <m:den>
                             <m:r>
-                              <a:rPr lang="es-AR" sz="3000"/>
+                              <a:rPr lang="es-AR" sz="3000">
+                                <a:latin typeface="Cambria Math" panose="02040503050406030204" pitchFamily="18" charset="0"/>
+                              </a:rPr>
                               <m:t>𝜉</m:t>
                             </m:r>
                           </m:den>
@@ -10995,24 +11329,32 @@
                       </m:sup>
                     </m:sSup>
                     <m:r>
-                      <a:rPr lang="es-AR" sz="3000"/>
+                      <a:rPr lang="es-AR" sz="3000">
+                        <a:latin typeface="Cambria Math" panose="02040503050406030204" pitchFamily="18" charset="0"/>
+                      </a:rPr>
                       <m:t>=</m:t>
                     </m:r>
                     <m:f>
                       <m:fPr>
                         <m:ctrlPr>
-                          <a:rPr lang="en-US" sz="3000"/>
+                          <a:rPr lang="en-US" sz="3000" i="1">
+                            <a:latin typeface="Cambria Math" panose="02040503050406030204" pitchFamily="18" charset="0"/>
+                          </a:rPr>
                         </m:ctrlPr>
                       </m:fPr>
                       <m:num>
                         <m:r>
-                          <a:rPr lang="es-AR" sz="3000"/>
+                          <a:rPr lang="es-AR" sz="3000">
+                            <a:latin typeface="Cambria Math" panose="02040503050406030204" pitchFamily="18" charset="0"/>
+                          </a:rPr>
                           <m:t>1</m:t>
                         </m:r>
                       </m:num>
                       <m:den>
                         <m:r>
-                          <a:rPr lang="es-AR" sz="3000"/>
+                          <a:rPr lang="es-AR" sz="3000">
+                            <a:latin typeface="Cambria Math" panose="02040503050406030204" pitchFamily="18" charset="0"/>
+                          </a:rPr>
                           <m:t>𝑚</m:t>
                         </m:r>
                       </m:den>
@@ -11037,7 +11379,7 @@
             </p:txBody>
           </p:sp>
         </mc:Choice>
-        <mc:Fallback>
+        <mc:Fallback xmlns="">
           <p:sp>
             <p:nvSpPr>
               <p:cNvPr id="3" name="Marcador de contenido 2"/>
@@ -11137,18 +11479,14 @@
           <a:p>
             <a:r>
               <a:rPr lang="es-AR" dirty="0" smtClean="0"/>
-              <a:t>Niveles de </a:t>
-            </a:r>
-            <a:r>
-              <a:rPr lang="es-AR" dirty="0" smtClean="0"/>
-              <a:t>retorno- GPD</a:t>
+              <a:t>Niveles de retorno- GPD</a:t>
             </a:r>
             <a:endParaRPr lang="en-US" dirty="0"/>
           </a:p>
         </p:txBody>
       </p:sp>
-      <mc:AlternateContent xmlns:mc="http://schemas.openxmlformats.org/markup-compatibility/2006">
-        <mc:Choice xmlns:a14="http://schemas.microsoft.com/office/drawing/2010/main" Requires="a14">
+      <mc:AlternateContent xmlns:mc="http://schemas.openxmlformats.org/markup-compatibility/2006" xmlns:a14="http://schemas.microsoft.com/office/drawing/2010/main">
+        <mc:Choice Requires="a14">
           <p:sp>
             <p:nvSpPr>
               <p:cNvPr id="3" name="Marcador de contenido 2"/>
@@ -11176,49 +11514,67 @@
                     <m:sSub>
                       <m:sSubPr>
                         <m:ctrlPr>
-                          <a:rPr lang="en-US" sz="3000"/>
+                          <a:rPr lang="en-US" sz="3000" i="1">
+                            <a:latin typeface="Cambria Math" panose="02040503050406030204" pitchFamily="18" charset="0"/>
+                          </a:rPr>
                         </m:ctrlPr>
                       </m:sSubPr>
                       <m:e>
                         <m:r>
-                          <a:rPr lang="es-AR" sz="3000"/>
+                          <a:rPr lang="es-AR" sz="3000">
+                            <a:latin typeface="Cambria Math" panose="02040503050406030204" pitchFamily="18" charset="0"/>
+                          </a:rPr>
                           <m:t>𝑥</m:t>
                         </m:r>
                       </m:e>
                       <m:sub>
                         <m:r>
-                          <a:rPr lang="es-AR" sz="3000"/>
+                          <a:rPr lang="es-AR" sz="3000">
+                            <a:latin typeface="Cambria Math" panose="02040503050406030204" pitchFamily="18" charset="0"/>
+                          </a:rPr>
                           <m:t>𝑚</m:t>
                         </m:r>
                       </m:sub>
                     </m:sSub>
                     <m:r>
-                      <a:rPr lang="es-AR" sz="3000"/>
+                      <a:rPr lang="es-AR" sz="3000">
+                        <a:latin typeface="Cambria Math" panose="02040503050406030204" pitchFamily="18" charset="0"/>
+                      </a:rPr>
                       <m:t>=</m:t>
                     </m:r>
                     <m:r>
-                      <a:rPr lang="es-AR" sz="3000"/>
+                      <a:rPr lang="es-AR" sz="3000">
+                        <a:latin typeface="Cambria Math" panose="02040503050406030204" pitchFamily="18" charset="0"/>
+                      </a:rPr>
                       <m:t>𝑢</m:t>
                     </m:r>
                     <m:r>
-                      <a:rPr lang="es-AR" sz="3000"/>
+                      <a:rPr lang="es-AR" sz="3000">
+                        <a:latin typeface="Cambria Math" panose="02040503050406030204" pitchFamily="18" charset="0"/>
+                      </a:rPr>
                       <m:t>+</m:t>
                     </m:r>
                     <m:f>
                       <m:fPr>
                         <m:ctrlPr>
-                          <a:rPr lang="en-US" sz="3000"/>
+                          <a:rPr lang="en-US" sz="3000" i="1">
+                            <a:latin typeface="Cambria Math" panose="02040503050406030204" pitchFamily="18" charset="0"/>
+                          </a:rPr>
                         </m:ctrlPr>
                       </m:fPr>
                       <m:num>
                         <m:r>
-                          <a:rPr lang="es-AR" sz="3000"/>
+                          <a:rPr lang="es-AR" sz="3000">
+                            <a:latin typeface="Cambria Math" panose="02040503050406030204" pitchFamily="18" charset="0"/>
+                          </a:rPr>
                           <m:t>𝜎</m:t>
                         </m:r>
                       </m:num>
                       <m:den>
                         <m:r>
-                          <a:rPr lang="es-AR" sz="3000"/>
+                          <a:rPr lang="es-AR" sz="3000">
+                            <a:latin typeface="Cambria Math" panose="02040503050406030204" pitchFamily="18" charset="0"/>
+                          </a:rPr>
                           <m:t>𝜉</m:t>
                         </m:r>
                       </m:den>
@@ -11228,43 +11584,57 @@
                         <m:begChr m:val="["/>
                         <m:endChr m:val="]"/>
                         <m:ctrlPr>
-                          <a:rPr lang="en-US" sz="3000"/>
+                          <a:rPr lang="en-US" sz="3000" i="1">
+                            <a:latin typeface="Cambria Math" panose="02040503050406030204" pitchFamily="18" charset="0"/>
+                          </a:rPr>
                         </m:ctrlPr>
                       </m:dPr>
                       <m:e>
                         <m:sSup>
                           <m:sSupPr>
                             <m:ctrlPr>
-                              <a:rPr lang="en-US" sz="3000"/>
+                              <a:rPr lang="en-US" sz="3000" i="1">
+                                <a:latin typeface="Cambria Math" panose="02040503050406030204" pitchFamily="18" charset="0"/>
+                              </a:rPr>
                             </m:ctrlPr>
                           </m:sSupPr>
                           <m:e>
                             <m:d>
                               <m:dPr>
                                 <m:ctrlPr>
-                                  <a:rPr lang="en-US" sz="3000"/>
+                                  <a:rPr lang="en-US" sz="3000" i="1">
+                                    <a:latin typeface="Cambria Math" panose="02040503050406030204" pitchFamily="18" charset="0"/>
+                                  </a:rPr>
                                 </m:ctrlPr>
                               </m:dPr>
                               <m:e>
                                 <m:r>
-                                  <a:rPr lang="es-AR" sz="3000"/>
+                                  <a:rPr lang="es-AR" sz="3000">
+                                    <a:latin typeface="Cambria Math" panose="02040503050406030204" pitchFamily="18" charset="0"/>
+                                  </a:rPr>
                                   <m:t>𝑚</m:t>
                                 </m:r>
                                 <m:sSub>
                                   <m:sSubPr>
                                     <m:ctrlPr>
-                                      <a:rPr lang="en-US" sz="3000"/>
+                                      <a:rPr lang="en-US" sz="3000" i="1">
+                                        <a:latin typeface="Cambria Math" panose="02040503050406030204" pitchFamily="18" charset="0"/>
+                                      </a:rPr>
                                     </m:ctrlPr>
                                   </m:sSubPr>
                                   <m:e>
                                     <m:r>
-                                      <a:rPr lang="es-AR" sz="3000"/>
+                                      <a:rPr lang="es-AR" sz="3000">
+                                        <a:latin typeface="Cambria Math" panose="02040503050406030204" pitchFamily="18" charset="0"/>
+                                      </a:rPr>
                                       <m:t>𝜁</m:t>
                                     </m:r>
                                   </m:e>
                                   <m:sub>
                                     <m:r>
-                                      <a:rPr lang="es-AR" sz="3000"/>
+                                      <a:rPr lang="es-AR" sz="3000">
+                                        <a:latin typeface="Cambria Math" panose="02040503050406030204" pitchFamily="18" charset="0"/>
+                                      </a:rPr>
                                       <m:t>𝑢</m:t>
                                     </m:r>
                                   </m:sub>
@@ -11274,13 +11644,17 @@
                           </m:e>
                           <m:sup>
                             <m:r>
-                              <a:rPr lang="es-AR" sz="3000"/>
+                              <a:rPr lang="es-AR" sz="3000">
+                                <a:latin typeface="Cambria Math" panose="02040503050406030204" pitchFamily="18" charset="0"/>
+                              </a:rPr>
                               <m:t>𝜉</m:t>
                             </m:r>
                           </m:sup>
                         </m:sSup>
                         <m:r>
-                          <a:rPr lang="es-AR" sz="3000"/>
+                          <a:rPr lang="es-AR" sz="3000">
+                            <a:latin typeface="Cambria Math" panose="02040503050406030204" pitchFamily="18" charset="0"/>
+                          </a:rPr>
                           <m:t>−1</m:t>
                         </m:r>
                       </m:e>
@@ -11369,11 +11743,15 @@
                       <m:rPr>
                         <m:sty m:val="p"/>
                       </m:rPr>
-                      <a:rPr lang="es-AR" sz="3000"/>
+                      <a:rPr lang="es-AR" sz="3000">
+                        <a:latin typeface="Cambria Math" panose="02040503050406030204" pitchFamily="18" charset="0"/>
+                      </a:rPr>
                       <m:t>ξ</m:t>
                     </m:r>
                     <m:r>
-                      <a:rPr lang="es-AR" sz="3000"/>
+                      <a:rPr lang="es-AR" sz="3000">
+                        <a:latin typeface="Cambria Math" panose="02040503050406030204" pitchFamily="18" charset="0"/>
+                      </a:rPr>
                       <m:t>=0,</m:t>
                     </m:r>
                     <m:r>
@@ -11431,42 +11809,58 @@
                     <m:sSub>
                       <m:sSubPr>
                         <m:ctrlPr>
-                          <a:rPr lang="en-US" sz="3000"/>
+                          <a:rPr lang="en-US" sz="3000" i="1">
+                            <a:latin typeface="Cambria Math" panose="02040503050406030204" pitchFamily="18" charset="0"/>
+                          </a:rPr>
                         </m:ctrlPr>
                       </m:sSubPr>
                       <m:e>
                         <m:r>
-                          <a:rPr lang="es-AR" sz="3000"/>
+                          <a:rPr lang="es-AR" sz="3000">
+                            <a:latin typeface="Cambria Math" panose="02040503050406030204" pitchFamily="18" charset="0"/>
+                          </a:rPr>
                           <m:t>𝑥</m:t>
                         </m:r>
                       </m:e>
                       <m:sub>
                         <m:r>
-                          <a:rPr lang="es-AR" sz="3000"/>
+                          <a:rPr lang="es-AR" sz="3000">
+                            <a:latin typeface="Cambria Math" panose="02040503050406030204" pitchFamily="18" charset="0"/>
+                          </a:rPr>
                           <m:t>𝑚</m:t>
                         </m:r>
                       </m:sub>
                     </m:sSub>
                     <m:r>
-                      <a:rPr lang="es-AR" sz="3000"/>
+                      <a:rPr lang="es-AR" sz="3000">
+                        <a:latin typeface="Cambria Math" panose="02040503050406030204" pitchFamily="18" charset="0"/>
+                      </a:rPr>
                       <m:t>=</m:t>
                     </m:r>
                     <m:r>
-                      <a:rPr lang="es-AR" sz="3000"/>
+                      <a:rPr lang="es-AR" sz="3000">
+                        <a:latin typeface="Cambria Math" panose="02040503050406030204" pitchFamily="18" charset="0"/>
+                      </a:rPr>
                       <m:t>𝑢</m:t>
                     </m:r>
                     <m:r>
-                      <a:rPr lang="es-AR" sz="3000"/>
+                      <a:rPr lang="es-AR" sz="3000">
+                        <a:latin typeface="Cambria Math" panose="02040503050406030204" pitchFamily="18" charset="0"/>
+                      </a:rPr>
                       <m:t>+</m:t>
                     </m:r>
                     <m:r>
-                      <a:rPr lang="es-AR" sz="3000"/>
+                      <a:rPr lang="es-AR" sz="3000">
+                        <a:latin typeface="Cambria Math" panose="02040503050406030204" pitchFamily="18" charset="0"/>
+                      </a:rPr>
                       <m:t>𝜎</m:t>
                     </m:r>
                     <m:func>
                       <m:funcPr>
                         <m:ctrlPr>
-                          <a:rPr lang="en-US" sz="3000"/>
+                          <a:rPr lang="en-US" sz="3000" i="1">
+                            <a:latin typeface="Cambria Math" panose="02040503050406030204" pitchFamily="18" charset="0"/>
+                          </a:rPr>
                         </m:ctrlPr>
                       </m:funcPr>
                       <m:fName>
@@ -11474,7 +11868,9 @@
                           <m:rPr>
                             <m:sty m:val="p"/>
                           </m:rPr>
-                          <a:rPr lang="es-AR" sz="3000"/>
+                          <a:rPr lang="es-AR" sz="3000">
+                            <a:latin typeface="Cambria Math" panose="02040503050406030204" pitchFamily="18" charset="0"/>
+                          </a:rPr>
                           <m:t>log</m:t>
                         </m:r>
                       </m:fName>
@@ -11482,29 +11878,39 @@
                         <m:d>
                           <m:dPr>
                             <m:ctrlPr>
-                              <a:rPr lang="en-US" sz="3000"/>
+                              <a:rPr lang="en-US" sz="3000" i="1">
+                                <a:latin typeface="Cambria Math" panose="02040503050406030204" pitchFamily="18" charset="0"/>
+                              </a:rPr>
                             </m:ctrlPr>
                           </m:dPr>
                           <m:e>
                             <m:r>
-                              <a:rPr lang="es-AR" sz="3000"/>
+                              <a:rPr lang="es-AR" sz="3000">
+                                <a:latin typeface="Cambria Math" panose="02040503050406030204" pitchFamily="18" charset="0"/>
+                              </a:rPr>
                               <m:t>𝑚</m:t>
                             </m:r>
                             <m:sSub>
                               <m:sSubPr>
                                 <m:ctrlPr>
-                                  <a:rPr lang="en-US" sz="3000"/>
+                                  <a:rPr lang="en-US" sz="3000" i="1">
+                                    <a:latin typeface="Cambria Math" panose="02040503050406030204" pitchFamily="18" charset="0"/>
+                                  </a:rPr>
                                 </m:ctrlPr>
                               </m:sSubPr>
                               <m:e>
                                 <m:r>
-                                  <a:rPr lang="es-AR" sz="3000"/>
+                                  <a:rPr lang="es-AR" sz="3000">
+                                    <a:latin typeface="Cambria Math" panose="02040503050406030204" pitchFamily="18" charset="0"/>
+                                  </a:rPr>
                                   <m:t>𝜁</m:t>
                                 </m:r>
                               </m:e>
                               <m:sub>
                                 <m:r>
-                                  <a:rPr lang="es-AR" sz="3000"/>
+                                  <a:rPr lang="es-AR" sz="3000">
+                                    <a:latin typeface="Cambria Math" panose="02040503050406030204" pitchFamily="18" charset="0"/>
+                                  </a:rPr>
                                   <m:t>𝑢</m:t>
                                 </m:r>
                               </m:sub>
@@ -11533,7 +11939,7 @@
             </p:txBody>
           </p:sp>
         </mc:Choice>
-        <mc:Fallback>
+        <mc:Fallback xmlns="">
           <p:sp>
             <p:nvSpPr>
               <p:cNvPr id="3" name="Marcador de contenido 2"/>
@@ -11830,11 +12236,7 @@
           <a:p>
             <a:r>
               <a:rPr lang="es-AR" dirty="0" smtClean="0"/>
-              <a:t>Niveles de </a:t>
-            </a:r>
-            <a:r>
-              <a:rPr lang="es-AR" dirty="0" smtClean="0"/>
-              <a:t>retorno</a:t>
+              <a:t>Niveles de retorno</a:t>
             </a:r>
             <a:endParaRPr lang="en-US" dirty="0"/>
           </a:p>
@@ -12493,18 +12895,14 @@
           <a:p>
             <a:r>
               <a:rPr lang="es-AR" dirty="0" smtClean="0"/>
-              <a:t>Niveles de </a:t>
-            </a:r>
-            <a:r>
-              <a:rPr lang="es-AR" dirty="0" smtClean="0"/>
-              <a:t>retorno- Varianza e IC</a:t>
+              <a:t>Niveles de retorno- Varianza e IC</a:t>
             </a:r>
             <a:endParaRPr lang="en-US" dirty="0"/>
           </a:p>
         </p:txBody>
       </p:sp>
-      <mc:AlternateContent xmlns:mc="http://schemas.openxmlformats.org/markup-compatibility/2006">
-        <mc:Choice xmlns:a14="http://schemas.microsoft.com/office/drawing/2010/main" Requires="a14">
+      <mc:AlternateContent xmlns:mc="http://schemas.openxmlformats.org/markup-compatibility/2006" xmlns:a14="http://schemas.microsoft.com/office/drawing/2010/main">
+        <mc:Choice Requires="a14">
           <p:sp>
             <p:nvSpPr>
               <p:cNvPr id="3" name="Marcador de contenido 2"/>
@@ -12531,36 +12929,48 @@
                 <a14:m>
                   <m:oMath xmlns:m="http://schemas.openxmlformats.org/officeDocument/2006/math">
                     <m:r>
-                      <a:rPr lang="es-AR" i="1" smtClean="0"/>
+                      <a:rPr lang="es-AR" i="1" smtClean="0">
+                        <a:latin typeface="Cambria Math" panose="02040503050406030204" pitchFamily="18" charset="0"/>
+                      </a:rPr>
                       <m:t>𝑉𝑎𝑟</m:t>
                     </m:r>
                     <m:r>
-                      <a:rPr lang="es-AR" i="1" smtClean="0"/>
+                      <a:rPr lang="es-AR" i="1" smtClean="0">
+                        <a:latin typeface="Cambria Math" panose="02040503050406030204" pitchFamily="18" charset="0"/>
+                      </a:rPr>
                       <m:t>(</m:t>
                     </m:r>
                     <m:acc>
                       <m:accPr>
                         <m:chr m:val="̂"/>
                         <m:ctrlPr>
-                          <a:rPr lang="en-US" i="1"/>
+                          <a:rPr lang="en-US" i="1">
+                            <a:latin typeface="Cambria Math" panose="02040503050406030204" pitchFamily="18" charset="0"/>
+                          </a:rPr>
                         </m:ctrlPr>
                       </m:accPr>
                       <m:e>
                         <m:sSub>
                           <m:sSubPr>
                             <m:ctrlPr>
-                              <a:rPr lang="en-US" i="1"/>
+                              <a:rPr lang="en-US" i="1">
+                                <a:latin typeface="Cambria Math" panose="02040503050406030204" pitchFamily="18" charset="0"/>
+                              </a:rPr>
                             </m:ctrlPr>
                           </m:sSubPr>
                           <m:e>
                             <m:r>
-                              <a:rPr lang="es-AR" i="1"/>
+                              <a:rPr lang="es-AR" i="1">
+                                <a:latin typeface="Cambria Math" panose="02040503050406030204" pitchFamily="18" charset="0"/>
+                              </a:rPr>
                               <m:t>𝜁</m:t>
                             </m:r>
                           </m:e>
                           <m:sub>
                             <m:r>
-                              <a:rPr lang="es-AR" i="1"/>
+                              <a:rPr lang="es-AR" i="1">
+                                <a:latin typeface="Cambria Math" panose="02040503050406030204" pitchFamily="18" charset="0"/>
+                              </a:rPr>
                               <m:t>𝑢</m:t>
                             </m:r>
                           </m:sub>
@@ -12568,32 +12978,42 @@
                       </m:e>
                     </m:acc>
                     <m:r>
-                      <a:rPr lang="es-AR" i="1"/>
+                      <a:rPr lang="es-AR" i="1">
+                        <a:latin typeface="Cambria Math" panose="02040503050406030204" pitchFamily="18" charset="0"/>
+                      </a:rPr>
                       <m:t>)≈</m:t>
                     </m:r>
                     <m:acc>
                       <m:accPr>
                         <m:chr m:val="̂"/>
                         <m:ctrlPr>
-                          <a:rPr lang="en-US" i="1"/>
+                          <a:rPr lang="en-US" i="1">
+                            <a:latin typeface="Cambria Math" panose="02040503050406030204" pitchFamily="18" charset="0"/>
+                          </a:rPr>
                         </m:ctrlPr>
                       </m:accPr>
                       <m:e>
                         <m:sSub>
                           <m:sSubPr>
                             <m:ctrlPr>
-                              <a:rPr lang="en-US" i="1"/>
+                              <a:rPr lang="en-US" i="1">
+                                <a:latin typeface="Cambria Math" panose="02040503050406030204" pitchFamily="18" charset="0"/>
+                              </a:rPr>
                             </m:ctrlPr>
                           </m:sSubPr>
                           <m:e>
                             <m:r>
-                              <a:rPr lang="es-AR" i="1"/>
+                              <a:rPr lang="es-AR" i="1">
+                                <a:latin typeface="Cambria Math" panose="02040503050406030204" pitchFamily="18" charset="0"/>
+                              </a:rPr>
                               <m:t>𝜁</m:t>
                             </m:r>
                           </m:e>
                           <m:sub>
                             <m:r>
-                              <a:rPr lang="es-AR" i="1"/>
+                              <a:rPr lang="es-AR" i="1">
+                                <a:latin typeface="Cambria Math" panose="02040503050406030204" pitchFamily="18" charset="0"/>
+                              </a:rPr>
                               <m:t>𝑢</m:t>
                             </m:r>
                           </m:sub>
@@ -12601,32 +13021,42 @@
                       </m:e>
                     </m:acc>
                     <m:r>
-                      <a:rPr lang="es-AR" i="1"/>
+                      <a:rPr lang="es-AR" i="1">
+                        <a:latin typeface="Cambria Math" panose="02040503050406030204" pitchFamily="18" charset="0"/>
+                      </a:rPr>
                       <m:t>(1−</m:t>
                     </m:r>
                     <m:acc>
                       <m:accPr>
                         <m:chr m:val="̂"/>
                         <m:ctrlPr>
-                          <a:rPr lang="en-US" i="1"/>
+                          <a:rPr lang="en-US" i="1">
+                            <a:latin typeface="Cambria Math" panose="02040503050406030204" pitchFamily="18" charset="0"/>
+                          </a:rPr>
                         </m:ctrlPr>
                       </m:accPr>
                       <m:e>
                         <m:sSub>
                           <m:sSubPr>
                             <m:ctrlPr>
-                              <a:rPr lang="en-US" i="1"/>
+                              <a:rPr lang="en-US" i="1">
+                                <a:latin typeface="Cambria Math" panose="02040503050406030204" pitchFamily="18" charset="0"/>
+                              </a:rPr>
                             </m:ctrlPr>
                           </m:sSubPr>
                           <m:e>
                             <m:r>
-                              <a:rPr lang="es-AR" i="1"/>
+                              <a:rPr lang="es-AR" i="1">
+                                <a:latin typeface="Cambria Math" panose="02040503050406030204" pitchFamily="18" charset="0"/>
+                              </a:rPr>
                               <m:t>𝜁</m:t>
                             </m:r>
                           </m:e>
                           <m:sub>
                             <m:r>
-                              <a:rPr lang="es-AR" i="1"/>
+                              <a:rPr lang="es-AR" i="1">
+                                <a:latin typeface="Cambria Math" panose="02040503050406030204" pitchFamily="18" charset="0"/>
+                              </a:rPr>
                               <m:t>𝑢</m:t>
                             </m:r>
                           </m:sub>
@@ -12634,11 +13064,15 @@
                       </m:e>
                     </m:acc>
                     <m:r>
-                      <a:rPr lang="es-AR" i="1"/>
+                      <a:rPr lang="es-AR" i="1">
+                        <a:latin typeface="Cambria Math" panose="02040503050406030204" pitchFamily="18" charset="0"/>
+                      </a:rPr>
                       <m:t>)/</m:t>
                     </m:r>
                     <m:r>
-                      <a:rPr lang="es-AR" i="1"/>
+                      <a:rPr lang="es-AR" i="1">
+                        <a:latin typeface="Cambria Math" panose="02040503050406030204" pitchFamily="18" charset="0"/>
+                      </a:rPr>
                       <m:t>𝑛</m:t>
                     </m:r>
                   </m:oMath>
@@ -12650,13 +13084,17 @@
                 <a14:m>
                   <m:oMath xmlns:m="http://schemas.openxmlformats.org/officeDocument/2006/math">
                     <m:r>
-                      <a:rPr lang="es-AR" i="1"/>
+                      <a:rPr lang="es-AR" i="1">
+                        <a:latin typeface="Cambria Math" panose="02040503050406030204" pitchFamily="18" charset="0"/>
+                      </a:rPr>
                       <m:t>𝑉𝑎𝑟</m:t>
                     </m:r>
                     <m:d>
                       <m:dPr>
                         <m:ctrlPr>
-                          <a:rPr lang="en-US" i="1"/>
+                          <a:rPr lang="en-US" i="1">
+                            <a:latin typeface="Cambria Math" panose="02040503050406030204" pitchFamily="18" charset="0"/>
+                          </a:rPr>
                         </m:ctrlPr>
                       </m:dPr>
                       <m:e>
@@ -12664,25 +13102,33 @@
                           <m:accPr>
                             <m:chr m:val="̂"/>
                             <m:ctrlPr>
-                              <a:rPr lang="en-US" i="1"/>
+                              <a:rPr lang="en-US" i="1">
+                                <a:latin typeface="Cambria Math" panose="02040503050406030204" pitchFamily="18" charset="0"/>
+                              </a:rPr>
                             </m:ctrlPr>
                           </m:accPr>
                           <m:e>
                             <m:sSub>
                               <m:sSubPr>
                                 <m:ctrlPr>
-                                  <a:rPr lang="en-US" i="1"/>
+                                  <a:rPr lang="en-US" i="1">
+                                    <a:latin typeface="Cambria Math" panose="02040503050406030204" pitchFamily="18" charset="0"/>
+                                  </a:rPr>
                                 </m:ctrlPr>
                               </m:sSubPr>
                               <m:e>
                                 <m:r>
-                                  <a:rPr lang="es-AR" i="1"/>
+                                  <a:rPr lang="es-AR" i="1">
+                                    <a:latin typeface="Cambria Math" panose="02040503050406030204" pitchFamily="18" charset="0"/>
+                                  </a:rPr>
                                   <m:t>𝑥</m:t>
                                 </m:r>
                               </m:e>
                               <m:sub>
                                 <m:r>
-                                  <a:rPr lang="es-AR" i="1"/>
+                                  <a:rPr lang="es-AR" i="1">
+                                    <a:latin typeface="Cambria Math" panose="02040503050406030204" pitchFamily="18" charset="0"/>
+                                  </a:rPr>
                                   <m:t>𝑚</m:t>
                                 </m:r>
                               </m:sub>
@@ -12692,69 +13138,95 @@
                       </m:e>
                     </m:d>
                     <m:r>
-                      <a:rPr lang="es-AR" i="1"/>
+                      <a:rPr lang="es-AR" i="1">
+                        <a:latin typeface="Cambria Math" panose="02040503050406030204" pitchFamily="18" charset="0"/>
+                      </a:rPr>
                       <m:t>≈</m:t>
                     </m:r>
                     <m:r>
-                      <a:rPr lang="es-AR"/>
-                      <m:t>∇</m:t>
+                      <a:rPr lang="es-AR">
+                        <a:latin typeface="Cambria Math" panose="02040503050406030204" pitchFamily="18" charset="0"/>
+                      </a:rPr>
+                      <m:t>𝛻</m:t>
                     </m:r>
                     <m:sSubSup>
                       <m:sSubSupPr>
                         <m:ctrlPr>
-                          <a:rPr lang="en-US" i="1"/>
+                          <a:rPr lang="en-US" i="1">
+                            <a:latin typeface="Cambria Math" panose="02040503050406030204" pitchFamily="18" charset="0"/>
+                          </a:rPr>
                         </m:ctrlPr>
                       </m:sSubSupPr>
                       <m:e>
                         <m:r>
-                          <a:rPr lang="es-AR" i="1"/>
+                          <a:rPr lang="es-AR" i="1">
+                            <a:latin typeface="Cambria Math" panose="02040503050406030204" pitchFamily="18" charset="0"/>
+                          </a:rPr>
                           <m:t>𝑥</m:t>
                         </m:r>
                       </m:e>
                       <m:sub>
                         <m:r>
-                          <a:rPr lang="es-AR" i="1"/>
+                          <a:rPr lang="es-AR" i="1">
+                            <a:latin typeface="Cambria Math" panose="02040503050406030204" pitchFamily="18" charset="0"/>
+                          </a:rPr>
                           <m:t>𝑚</m:t>
                         </m:r>
                       </m:sub>
                       <m:sup>
                         <m:r>
-                          <a:rPr lang="es-AR" i="1"/>
+                          <a:rPr lang="es-AR" i="1">
+                            <a:latin typeface="Cambria Math" panose="02040503050406030204" pitchFamily="18" charset="0"/>
+                          </a:rPr>
                           <m:t>𝑇</m:t>
                         </m:r>
                       </m:sup>
                     </m:sSubSup>
                     <m:r>
-                      <a:rPr lang="es-AR" i="1"/>
+                      <a:rPr lang="es-AR" i="1">
+                        <a:latin typeface="Cambria Math" panose="02040503050406030204" pitchFamily="18" charset="0"/>
+                      </a:rPr>
                       <m:t> </m:t>
                     </m:r>
                     <m:r>
-                      <a:rPr lang="es-AR" i="1"/>
+                      <a:rPr lang="es-AR" i="1">
+                        <a:latin typeface="Cambria Math" panose="02040503050406030204" pitchFamily="18" charset="0"/>
+                      </a:rPr>
                       <m:t>𝑉</m:t>
                     </m:r>
                     <m:r>
-                      <a:rPr lang="es-AR" i="1"/>
+                      <a:rPr lang="es-AR" i="1">
+                        <a:latin typeface="Cambria Math" panose="02040503050406030204" pitchFamily="18" charset="0"/>
+                      </a:rPr>
                       <m:t> </m:t>
                     </m:r>
                     <m:r>
-                      <a:rPr lang="es-AR"/>
-                      <m:t>∇</m:t>
+                      <a:rPr lang="es-AR">
+                        <a:latin typeface="Cambria Math" panose="02040503050406030204" pitchFamily="18" charset="0"/>
+                      </a:rPr>
+                      <m:t>𝛻</m:t>
                     </m:r>
                     <m:sSub>
                       <m:sSubPr>
                         <m:ctrlPr>
-                          <a:rPr lang="en-US" i="1"/>
+                          <a:rPr lang="en-US" i="1">
+                            <a:latin typeface="Cambria Math" panose="02040503050406030204" pitchFamily="18" charset="0"/>
+                          </a:rPr>
                         </m:ctrlPr>
                       </m:sSubPr>
                       <m:e>
                         <m:r>
-                          <a:rPr lang="es-AR" i="1"/>
+                          <a:rPr lang="es-AR" i="1">
+                            <a:latin typeface="Cambria Math" panose="02040503050406030204" pitchFamily="18" charset="0"/>
+                          </a:rPr>
                           <m:t>𝑥</m:t>
                         </m:r>
                       </m:e>
                       <m:sub>
                         <m:r>
-                          <a:rPr lang="es-AR" i="1"/>
+                          <a:rPr lang="es-AR" i="1">
+                            <a:latin typeface="Cambria Math" panose="02040503050406030204" pitchFamily="18" charset="0"/>
+                          </a:rPr>
                           <m:t>𝑚</m:t>
                         </m:r>
                       </m:sub>
@@ -12927,7 +13399,7 @@
             </p:txBody>
           </p:sp>
         </mc:Choice>
-        <mc:Fallback>
+        <mc:Fallback xmlns="">
           <p:sp>
             <p:nvSpPr>
               <p:cNvPr id="3" name="Marcador de contenido 2"/>
@@ -13660,6 +14132,63 @@
           <a:p>
             <a:pPr algn="ctr"/>
             <a:endParaRPr lang="en-US"/>
+          </a:p>
+        </p:txBody>
+      </p:sp>
+      <p:sp>
+        <p:nvSpPr>
+          <p:cNvPr id="2" name="CuadroTexto 1"/>
+          <p:cNvSpPr txBox="1"/>
+          <p:nvPr/>
+        </p:nvSpPr>
+        <p:spPr>
+          <a:xfrm>
+            <a:off x="8115981" y="6009661"/>
+            <a:ext cx="5704114" cy="307777"/>
+          </a:xfrm>
+          <a:prstGeom prst="rect">
+            <a:avLst/>
+          </a:prstGeom>
+          <a:noFill/>
+        </p:spPr>
+        <p:txBody>
+          <a:bodyPr wrap="square" rtlCol="0">
+            <a:spAutoFit/>
+          </a:bodyPr>
+          <a:lstStyle/>
+          <a:p>
+            <a:r>
+              <a:rPr lang="es-AR" sz="1400" dirty="0">
+                <a:latin typeface="Times New Roman" panose="02020603050405020304" pitchFamily="18" charset="0"/>
+                <a:cs typeface="Times New Roman" panose="02020603050405020304" pitchFamily="18" charset="0"/>
+              </a:rPr>
+              <a:t>D</a:t>
+            </a:r>
+            <a:r>
+              <a:rPr lang="es-AR" sz="1400" dirty="0" smtClean="0">
+                <a:latin typeface="Times New Roman" panose="02020603050405020304" pitchFamily="18" charset="0"/>
+                <a:cs typeface="Times New Roman" panose="02020603050405020304" pitchFamily="18" charset="0"/>
+              </a:rPr>
+              <a:t>atos extraídos del </a:t>
+            </a:r>
+            <a:r>
+              <a:rPr lang="es-AR" sz="1400" dirty="0">
+                <a:latin typeface="Times New Roman" panose="02020603050405020304" pitchFamily="18" charset="0"/>
+                <a:cs typeface="Times New Roman" panose="02020603050405020304" pitchFamily="18" charset="0"/>
+              </a:rPr>
+              <a:t>paquete </a:t>
+            </a:r>
+            <a:r>
+              <a:rPr lang="es-AR" sz="1400" dirty="0" err="1" smtClean="0">
+                <a:latin typeface="Times New Roman" panose="02020603050405020304" pitchFamily="18" charset="0"/>
+                <a:cs typeface="Times New Roman" panose="02020603050405020304" pitchFamily="18" charset="0"/>
+              </a:rPr>
+              <a:t>heatwaveR</a:t>
+            </a:r>
+            <a:endParaRPr lang="en-US" sz="1400" dirty="0">
+              <a:latin typeface="Times New Roman" panose="02020603050405020304" pitchFamily="18" charset="0"/>
+              <a:cs typeface="Times New Roman" panose="02020603050405020304" pitchFamily="18" charset="0"/>
+            </a:endParaRPr>
           </a:p>
         </p:txBody>
       </p:sp>
@@ -13999,7 +14528,6 @@
               <a:rPr lang="es-AR" sz="3000" dirty="0" smtClean="0"/>
               <a:t>mínimos</a:t>
             </a:r>
-            <a:endParaRPr lang="es-AR" sz="3000" dirty="0" smtClean="0"/>
           </a:p>
           <a:p>
             <a:pPr marL="457200" indent="-457200">
@@ -14025,7 +14553,6 @@
               <a:rPr lang="es-AR" sz="3000" dirty="0" smtClean="0"/>
               <a:t>umbral</a:t>
             </a:r>
-            <a:endParaRPr lang="es-AR" sz="3000" dirty="0" smtClean="0"/>
           </a:p>
           <a:p>
             <a:pPr marL="0" indent="0">
@@ -14113,8 +14640,8 @@
           </a:p>
         </p:txBody>
       </p:sp>
-      <mc:AlternateContent xmlns:mc="http://schemas.openxmlformats.org/markup-compatibility/2006">
-        <mc:Choice xmlns:a14="http://schemas.microsoft.com/office/drawing/2010/main" Requires="a14">
+      <mc:AlternateContent xmlns:mc="http://schemas.openxmlformats.org/markup-compatibility/2006" xmlns:a14="http://schemas.microsoft.com/office/drawing/2010/main">
+        <mc:Choice Requires="a14">
           <p:sp>
             <p:nvSpPr>
               <p:cNvPr id="3" name="Marcador de contenido 2"/>
@@ -14867,7 +15394,7 @@
             </p:txBody>
           </p:sp>
         </mc:Choice>
-        <mc:Fallback>
+        <mc:Fallback xmlns="">
           <p:sp>
             <p:nvSpPr>
               <p:cNvPr id="3" name="Marcador de contenido 2"/>
@@ -14977,8 +15504,8 @@
           </a:p>
         </p:txBody>
       </p:sp>
-      <mc:AlternateContent xmlns:mc="http://schemas.openxmlformats.org/markup-compatibility/2006">
-        <mc:Choice xmlns:a14="http://schemas.microsoft.com/office/drawing/2010/main" Requires="a14">
+      <mc:AlternateContent xmlns:mc="http://schemas.openxmlformats.org/markup-compatibility/2006" xmlns:a14="http://schemas.microsoft.com/office/drawing/2010/main">
+        <mc:Choice Requires="a14">
           <p:sp>
             <p:nvSpPr>
               <p:cNvPr id="3" name="Marcador de contenido 2"/>
@@ -15466,13 +15993,7 @@
                   <a:rPr lang="es-AR" dirty="0" smtClean="0">
                     <a:effectLst/>
                   </a:rPr>
-                  <a:t>	</a:t>
-                </a:r>
-                <a:r>
-                  <a:rPr lang="es-AR" dirty="0" smtClean="0">
-                    <a:effectLst/>
-                  </a:rPr>
-                  <a:t>  </a:t>
+                  <a:t>	  </a:t>
                 </a:r>
                 <a:r>
                   <a:rPr lang="es-AR" sz="3100" dirty="0" err="1" smtClean="0"/>
@@ -15771,7 +16292,7 @@
             </p:txBody>
           </p:sp>
         </mc:Choice>
-        <mc:Fallback>
+        <mc:Fallback xmlns="">
           <p:sp>
             <p:nvSpPr>
               <p:cNvPr id="3" name="Marcador de contenido 2"/>
@@ -15905,8 +16426,8 @@
           </a:p>
         </p:txBody>
       </p:sp>
-      <mc:AlternateContent xmlns:mc="http://schemas.openxmlformats.org/markup-compatibility/2006">
-        <mc:Choice xmlns:a14="http://schemas.microsoft.com/office/drawing/2010/main" Requires="a14">
+      <mc:AlternateContent xmlns:mc="http://schemas.openxmlformats.org/markup-compatibility/2006" xmlns:a14="http://schemas.microsoft.com/office/drawing/2010/main">
+        <mc:Choice Requires="a14">
           <p:sp>
             <p:nvSpPr>
               <p:cNvPr id="3" name="Marcador de contenido 2"/>
@@ -16338,7 +16859,7 @@
             </p:txBody>
           </p:sp>
         </mc:Choice>
-        <mc:Fallback>
+        <mc:Fallback xmlns="">
           <p:sp>
             <p:nvSpPr>
               <p:cNvPr id="3" name="Marcador de contenido 2"/>
@@ -17424,6 +17945,14 @@
 </file>
 
 <file path=customXml/item1.xml><?xml version="1.0" encoding="utf-8"?>
+<p:properties xmlns:p="http://schemas.microsoft.com/office/2006/metadata/properties" xmlns:xsi="http://www.w3.org/2001/XMLSchema-instance" xmlns:pc="http://schemas.microsoft.com/office/infopath/2007/PartnerControls">
+  <documentManagement>
+    <MediaServiceKeyPoints xmlns="71af3243-3dd4-4a8d-8c0d-dd76da1f02a5" xsi:nil="true"/>
+  </documentManagement>
+</p:properties>
+</file>
+
+<file path=customXml/item2.xml><?xml version="1.0" encoding="utf-8"?>
 <ct:contentTypeSchema xmlns:ct="http://schemas.microsoft.com/office/2006/metadata/contentType" xmlns:ma="http://schemas.microsoft.com/office/2006/metadata/properties/metaAttributes" ct:_="" ma:_="" ma:contentTypeName="Document" ma:contentTypeID="0x01010079F111ED35F8CC479449609E8A0923A6" ma:contentTypeVersion="11" ma:contentTypeDescription="Create a new document." ma:contentTypeScope="" ma:versionID="9677210f24a1be23c92c90fd886aa0aa">
   <xsd:schema xmlns:xsd="http://www.w3.org/2001/XMLSchema" xmlns:xs="http://www.w3.org/2001/XMLSchema" xmlns:p="http://schemas.microsoft.com/office/2006/metadata/properties" xmlns:ns2="71af3243-3dd4-4a8d-8c0d-dd76da1f02a5" xmlns:ns3="16c05727-aa75-4e4a-9b5f-8a80a1165891" targetNamespace="http://schemas.microsoft.com/office/2006/metadata/properties" ma:root="true" ma:fieldsID="60e05723c5c1908df1a1a4ebf11d344e" ns2:_="" ns3:_="">
     <xsd:import namespace="71af3243-3dd4-4a8d-8c0d-dd76da1f02a5"/>
@@ -17634,14 +18163,6 @@
 </ct:contentTypeSchema>
 </file>
 
-<file path=customXml/item2.xml><?xml version="1.0" encoding="utf-8"?>
-<p:properties xmlns:p="http://schemas.microsoft.com/office/2006/metadata/properties" xmlns:xsi="http://www.w3.org/2001/XMLSchema-instance" xmlns:pc="http://schemas.microsoft.com/office/infopath/2007/PartnerControls">
-  <documentManagement>
-    <MediaServiceKeyPoints xmlns="71af3243-3dd4-4a8d-8c0d-dd76da1f02a5" xsi:nil="true"/>
-  </documentManagement>
-</p:properties>
-</file>
-
 <file path=customXml/item3.xml><?xml version="1.0" encoding="utf-8"?>
 <?mso-contentType ?>
 <FormTemplates xmlns="http://schemas.microsoft.com/sharepoint/v3/contenttype/forms">
@@ -17652,6 +18173,23 @@
 </file>
 
 <file path=customXml/itemProps1.xml><?xml version="1.0" encoding="utf-8"?>
+<ds:datastoreItem xmlns:ds="http://schemas.openxmlformats.org/officeDocument/2006/customXml" ds:itemID="{079290C9-6505-4B77-B628-A44276CB9D85}">
+  <ds:schemaRefs>
+    <ds:schemaRef ds:uri="http://purl.org/dc/elements/1.1/"/>
+    <ds:schemaRef ds:uri="http://purl.org/dc/terms/"/>
+    <ds:schemaRef ds:uri="http://www.w3.org/XML/1998/namespace"/>
+    <ds:schemaRef ds:uri="http://schemas.microsoft.com/office/2006/metadata/properties"/>
+    <ds:schemaRef ds:uri="http://schemas.microsoft.com/office/infopath/2007/PartnerControls"/>
+    <ds:schemaRef ds:uri="71af3243-3dd4-4a8d-8c0d-dd76da1f02a5"/>
+    <ds:schemaRef ds:uri="http://purl.org/dc/dcmitype/"/>
+    <ds:schemaRef ds:uri="http://schemas.microsoft.com/office/2006/documentManagement/types"/>
+    <ds:schemaRef ds:uri="http://schemas.openxmlformats.org/package/2006/metadata/core-properties"/>
+    <ds:schemaRef ds:uri="16c05727-aa75-4e4a-9b5f-8a80a1165891"/>
+  </ds:schemaRefs>
+</ds:datastoreItem>
+</file>
+
+<file path=customXml/itemProps2.xml><?xml version="1.0" encoding="utf-8"?>
 <ds:datastoreItem xmlns:ds="http://schemas.openxmlformats.org/officeDocument/2006/customXml" ds:itemID="{47B8899B-5794-42FB-9137-8220A73767FB}">
   <ds:schemaRefs>
     <ds:schemaRef ds:uri="http://schemas.microsoft.com/office/2006/metadata/contentType"/>
@@ -17670,23 +18208,6 @@
 </ds:datastoreItem>
 </file>
 
-<file path=customXml/itemProps2.xml><?xml version="1.0" encoding="utf-8"?>
-<ds:datastoreItem xmlns:ds="http://schemas.openxmlformats.org/officeDocument/2006/customXml" ds:itemID="{079290C9-6505-4B77-B628-A44276CB9D85}">
-  <ds:schemaRefs>
-    <ds:schemaRef ds:uri="http://purl.org/dc/elements/1.1/"/>
-    <ds:schemaRef ds:uri="http://purl.org/dc/terms/"/>
-    <ds:schemaRef ds:uri="http://www.w3.org/XML/1998/namespace"/>
-    <ds:schemaRef ds:uri="http://schemas.microsoft.com/office/2006/metadata/properties"/>
-    <ds:schemaRef ds:uri="http://schemas.microsoft.com/office/infopath/2007/PartnerControls"/>
-    <ds:schemaRef ds:uri="71af3243-3dd4-4a8d-8c0d-dd76da1f02a5"/>
-    <ds:schemaRef ds:uri="http://purl.org/dc/dcmitype/"/>
-    <ds:schemaRef ds:uri="http://schemas.microsoft.com/office/2006/documentManagement/types"/>
-    <ds:schemaRef ds:uri="http://schemas.openxmlformats.org/package/2006/metadata/core-properties"/>
-    <ds:schemaRef ds:uri="16c05727-aa75-4e4a-9b5f-8a80a1165891"/>
-  </ds:schemaRefs>
-</ds:datastoreItem>
-</file>
-
 <file path=customXml/itemProps3.xml><?xml version="1.0" encoding="utf-8"?>
 <ds:datastoreItem xmlns:ds="http://schemas.openxmlformats.org/officeDocument/2006/customXml" ds:itemID="{5728C3E1-D10B-4426-B05E-8E1CAFF03C24}">
   <ds:schemaRefs>

--- a/TeoriaDeModelos/Teoría.pptx
+++ b/TeoriaDeModelos/Teoría.pptx
@@ -225,7 +225,7 @@
             <a:pPr rtl="0"/>
             <a:fld id="{A4EE1597-BA8D-477C-BC8D-06622426F1B8}" type="datetime1">
               <a:rPr lang="es-ES" smtClean="0"/>
-              <a:t>22/08/2020</a:t>
+              <a:t>23/08/2020</a:t>
             </a:fld>
             <a:endParaRPr lang="es-ES"/>
           </a:p>
@@ -395,7 +395,7 @@
             <a:pPr rtl="0"/>
             <a:fld id="{FBB8FD01-5DB9-4A0E-83AF-656C7FE35756}" type="datetime1">
               <a:rPr lang="es-ES" noProof="0" smtClean="0"/>
-              <a:t>22/08/2020</a:t>
+              <a:t>23/08/2020</a:t>
             </a:fld>
             <a:endParaRPr lang="es-ES" noProof="0"/>
           </a:p>
@@ -2699,7 +2699,7 @@
             <a:pPr rtl="0"/>
             <a:fld id="{5318812A-3EB5-4C72-A471-A2411F3A2976}" type="datetime1">
               <a:rPr lang="es-ES" noProof="0" smtClean="0"/>
-              <a:t>22/08/2020</a:t>
+              <a:t>23/08/2020</a:t>
             </a:fld>
             <a:endParaRPr lang="es-ES" noProof="0"/>
           </a:p>
@@ -2916,7 +2916,7 @@
             <a:pPr rtl="0"/>
             <a:fld id="{AA4FF5BE-597F-4771-85FB-F9671A7D5D10}" type="datetime1">
               <a:rPr lang="es-ES" noProof="0" smtClean="0"/>
-              <a:t>22/08/2020</a:t>
+              <a:t>23/08/2020</a:t>
             </a:fld>
             <a:endParaRPr lang="es-ES" noProof="0"/>
           </a:p>
@@ -3175,7 +3175,7 @@
             <a:pPr rtl="0"/>
             <a:fld id="{35C0B9C8-DC25-47F0-944D-522491D99E52}" type="datetime1">
               <a:rPr lang="es-ES" noProof="0" smtClean="0"/>
-              <a:t>22/08/2020</a:t>
+              <a:t>23/08/2020</a:t>
             </a:fld>
             <a:endParaRPr lang="es-ES" noProof="0"/>
           </a:p>
@@ -3353,7 +3353,7 @@
             <a:pPr rtl="0"/>
             <a:fld id="{B8496F03-FD64-4297-B76C-A4AD3E11C919}" type="datetime1">
               <a:rPr lang="es-ES" noProof="0" smtClean="0"/>
-              <a:t>22/08/2020</a:t>
+              <a:t>23/08/2020</a:t>
             </a:fld>
             <a:endParaRPr lang="es-ES" noProof="0"/>
           </a:p>
@@ -3701,7 +3701,7 @@
             <a:pPr rtl="0"/>
             <a:fld id="{3840CA2F-7FE5-4F04-99F6-D500EDAC649B}" type="datetime1">
               <a:rPr lang="es-ES" noProof="0" smtClean="0"/>
-              <a:t>22/08/2020</a:t>
+              <a:t>23/08/2020</a:t>
             </a:fld>
             <a:endParaRPr lang="es-ES" noProof="0"/>
           </a:p>
@@ -3980,7 +3980,7 @@
             <a:pPr rtl="0"/>
             <a:fld id="{26B6D807-47AA-44ED-999B-06C2CDE0C23F}" type="datetime1">
               <a:rPr lang="es-ES" noProof="0" smtClean="0"/>
-              <a:t>22/08/2020</a:t>
+              <a:t>23/08/2020</a:t>
             </a:fld>
             <a:endParaRPr lang="es-ES" noProof="0"/>
           </a:p>
@@ -4362,7 +4362,7 @@
             <a:pPr rtl="0"/>
             <a:fld id="{DC6BC4C7-D15A-465B-9D66-1939648F1B1F}" type="datetime1">
               <a:rPr lang="es-ES" noProof="0" smtClean="0"/>
-              <a:t>22/08/2020</a:t>
+              <a:t>23/08/2020</a:t>
             </a:fld>
             <a:endParaRPr lang="es-ES" noProof="0"/>
           </a:p>
@@ -4483,7 +4483,7 @@
             <a:pPr rtl="0"/>
             <a:fld id="{5C628DDE-090C-4047-8194-2AF6FE321D4F}" type="datetime1">
               <a:rPr lang="es-ES" noProof="0" smtClean="0"/>
-              <a:t>22/08/2020</a:t>
+              <a:t>23/08/2020</a:t>
             </a:fld>
             <a:endParaRPr lang="es-ES" noProof="0"/>
           </a:p>
@@ -4657,7 +4657,7 @@
             <a:pPr rtl="0"/>
             <a:fld id="{901B5E05-83B0-4CAE-BDC1-DA37AA6A2F30}" type="datetime1">
               <a:rPr lang="es-ES" noProof="0" smtClean="0"/>
-              <a:t>22/08/2020</a:t>
+              <a:t>23/08/2020</a:t>
             </a:fld>
             <a:endParaRPr lang="es-ES" noProof="0"/>
           </a:p>
@@ -5019,7 +5019,7 @@
             <a:pPr rtl="0"/>
             <a:fld id="{1F9B0ACA-E051-4A6C-8501-4FE72EA49BB6}" type="datetime1">
               <a:rPr lang="es-ES" noProof="0" smtClean="0"/>
-              <a:t>22/08/2020</a:t>
+              <a:t>23/08/2020</a:t>
             </a:fld>
             <a:endParaRPr lang="es-ES" noProof="0"/>
           </a:p>
@@ -5410,7 +5410,7 @@
             <a:pPr rtl="0"/>
             <a:fld id="{B8496F03-FD64-4297-B76C-A4AD3E11C919}" type="datetime1">
               <a:rPr lang="es-ES" noProof="0" smtClean="0"/>
-              <a:t>22/08/2020</a:t>
+              <a:t>23/08/2020</a:t>
             </a:fld>
             <a:endParaRPr lang="es-ES" noProof="0"/>
           </a:p>
@@ -5702,7 +5702,7 @@
             <a:pPr rtl="0"/>
             <a:fld id="{B8496F03-FD64-4297-B76C-A4AD3E11C919}" type="datetime1">
               <a:rPr lang="es-ES" noProof="0" smtClean="0"/>
-              <a:t>22/08/2020</a:t>
+              <a:t>23/08/2020</a:t>
             </a:fld>
             <a:endParaRPr lang="es-ES" noProof="0"/>
           </a:p>
@@ -8846,6 +8846,54 @@
           </a:p>
         </p:txBody>
       </p:sp>
+      <p:pic>
+        <p:nvPicPr>
+          <p:cNvPr id="2" name="Imagen 1"/>
+          <p:cNvPicPr>
+            <a:picLocks noChangeAspect="1"/>
+          </p:cNvPicPr>
+          <p:nvPr/>
+        </p:nvPicPr>
+        <p:blipFill>
+          <a:blip r:embed="rId5"/>
+          <a:stretch>
+            <a:fillRect/>
+          </a:stretch>
+        </p:blipFill>
+        <p:spPr>
+          <a:xfrm>
+            <a:off x="1223962" y="832586"/>
+            <a:ext cx="9744075" cy="5180782"/>
+          </a:xfrm>
+          <a:prstGeom prst="rect">
+            <a:avLst/>
+          </a:prstGeom>
+        </p:spPr>
+      </p:pic>
+      <p:pic>
+        <p:nvPicPr>
+          <p:cNvPr id="3" name="Imagen 2"/>
+          <p:cNvPicPr>
+            <a:picLocks noChangeAspect="1"/>
+          </p:cNvPicPr>
+          <p:nvPr/>
+        </p:nvPicPr>
+        <p:blipFill>
+          <a:blip r:embed="rId6"/>
+          <a:stretch>
+            <a:fillRect/>
+          </a:stretch>
+        </p:blipFill>
+        <p:spPr>
+          <a:xfrm>
+            <a:off x="1223962" y="844633"/>
+            <a:ext cx="9744075" cy="5174758"/>
+          </a:xfrm>
+          <a:prstGeom prst="rect">
+            <a:avLst/>
+          </a:prstGeom>
+        </p:spPr>
+      </p:pic>
     </p:spTree>
     <p:extLst>
       <p:ext uri="{BB962C8B-B14F-4D97-AF65-F5344CB8AC3E}">
@@ -8981,6 +9029,96 @@
                                         </p:cTn>
                                         <p:tgtEl>
                                           <p:spTgt spid="14"/>
+                                        </p:tgtEl>
+                                        <p:attrNameLst>
+                                          <p:attrName>style.visibility</p:attrName>
+                                        </p:attrNameLst>
+                                      </p:cBhvr>
+                                      <p:to>
+                                        <p:strVal val="visible"/>
+                                      </p:to>
+                                    </p:set>
+                                  </p:childTnLst>
+                                </p:cTn>
+                              </p:par>
+                            </p:childTnLst>
+                          </p:cTn>
+                        </p:par>
+                      </p:childTnLst>
+                    </p:cTn>
+                  </p:par>
+                  <p:par>
+                    <p:cTn id="15" fill="hold">
+                      <p:stCondLst>
+                        <p:cond delay="indefinite"/>
+                      </p:stCondLst>
+                      <p:childTnLst>
+                        <p:par>
+                          <p:cTn id="16" fill="hold">
+                            <p:stCondLst>
+                              <p:cond delay="0"/>
+                            </p:stCondLst>
+                            <p:childTnLst>
+                              <p:par>
+                                <p:cTn id="17" presetID="1" presetClass="entr" presetSubtype="0" fill="hold" nodeType="clickEffect">
+                                  <p:stCondLst>
+                                    <p:cond delay="0"/>
+                                  </p:stCondLst>
+                                  <p:childTnLst>
+                                    <p:set>
+                                      <p:cBhvr>
+                                        <p:cTn id="18" dur="1" fill="hold">
+                                          <p:stCondLst>
+                                            <p:cond delay="0"/>
+                                          </p:stCondLst>
+                                        </p:cTn>
+                                        <p:tgtEl>
+                                          <p:spTgt spid="2"/>
+                                        </p:tgtEl>
+                                        <p:attrNameLst>
+                                          <p:attrName>style.visibility</p:attrName>
+                                        </p:attrNameLst>
+                                      </p:cBhvr>
+                                      <p:to>
+                                        <p:strVal val="visible"/>
+                                      </p:to>
+                                    </p:set>
+                                  </p:childTnLst>
+                                </p:cTn>
+                              </p:par>
+                            </p:childTnLst>
+                          </p:cTn>
+                        </p:par>
+                      </p:childTnLst>
+                    </p:cTn>
+                  </p:par>
+                  <p:par>
+                    <p:cTn id="19" fill="hold">
+                      <p:stCondLst>
+                        <p:cond delay="indefinite"/>
+                      </p:stCondLst>
+                      <p:childTnLst>
+                        <p:par>
+                          <p:cTn id="20" fill="hold">
+                            <p:stCondLst>
+                              <p:cond delay="0"/>
+                            </p:stCondLst>
+                            <p:childTnLst>
+                              <p:par>
+                                <p:cTn id="21" presetID="1" presetClass="entr" presetSubtype="0" fill="hold" nodeType="clickEffect">
+                                  <p:stCondLst>
+                                    <p:cond delay="0"/>
+                                  </p:stCondLst>
+                                  <p:childTnLst>
+                                    <p:set>
+                                      <p:cBhvr>
+                                        <p:cTn id="22" dur="1" fill="hold">
+                                          <p:stCondLst>
+                                            <p:cond delay="0"/>
+                                          </p:stCondLst>
+                                        </p:cTn>
+                                        <p:tgtEl>
+                                          <p:spTgt spid="3"/>
                                         </p:tgtEl>
                                         <p:attrNameLst>
                                           <p:attrName>style.visibility</p:attrName>
@@ -17945,14 +18083,6 @@
 </file>
 
 <file path=customXml/item1.xml><?xml version="1.0" encoding="utf-8"?>
-<p:properties xmlns:p="http://schemas.microsoft.com/office/2006/metadata/properties" xmlns:xsi="http://www.w3.org/2001/XMLSchema-instance" xmlns:pc="http://schemas.microsoft.com/office/infopath/2007/PartnerControls">
-  <documentManagement>
-    <MediaServiceKeyPoints xmlns="71af3243-3dd4-4a8d-8c0d-dd76da1f02a5" xsi:nil="true"/>
-  </documentManagement>
-</p:properties>
-</file>
-
-<file path=customXml/item2.xml><?xml version="1.0" encoding="utf-8"?>
 <ct:contentTypeSchema xmlns:ct="http://schemas.microsoft.com/office/2006/metadata/contentType" xmlns:ma="http://schemas.microsoft.com/office/2006/metadata/properties/metaAttributes" ct:_="" ma:_="" ma:contentTypeName="Document" ma:contentTypeID="0x01010079F111ED35F8CC479449609E8A0923A6" ma:contentTypeVersion="11" ma:contentTypeDescription="Create a new document." ma:contentTypeScope="" ma:versionID="9677210f24a1be23c92c90fd886aa0aa">
   <xsd:schema xmlns:xsd="http://www.w3.org/2001/XMLSchema" xmlns:xs="http://www.w3.org/2001/XMLSchema" xmlns:p="http://schemas.microsoft.com/office/2006/metadata/properties" xmlns:ns2="71af3243-3dd4-4a8d-8c0d-dd76da1f02a5" xmlns:ns3="16c05727-aa75-4e4a-9b5f-8a80a1165891" targetNamespace="http://schemas.microsoft.com/office/2006/metadata/properties" ma:root="true" ma:fieldsID="60e05723c5c1908df1a1a4ebf11d344e" ns2:_="" ns3:_="">
     <xsd:import namespace="71af3243-3dd4-4a8d-8c0d-dd76da1f02a5"/>
@@ -18163,6 +18293,14 @@
 </ct:contentTypeSchema>
 </file>
 
+<file path=customXml/item2.xml><?xml version="1.0" encoding="utf-8"?>
+<p:properties xmlns:p="http://schemas.microsoft.com/office/2006/metadata/properties" xmlns:xsi="http://www.w3.org/2001/XMLSchema-instance" xmlns:pc="http://schemas.microsoft.com/office/infopath/2007/PartnerControls">
+  <documentManagement>
+    <MediaServiceKeyPoints xmlns="71af3243-3dd4-4a8d-8c0d-dd76da1f02a5" xsi:nil="true"/>
+  </documentManagement>
+</p:properties>
+</file>
+
 <file path=customXml/item3.xml><?xml version="1.0" encoding="utf-8"?>
 <?mso-contentType ?>
 <FormTemplates xmlns="http://schemas.microsoft.com/sharepoint/v3/contenttype/forms">
@@ -18173,23 +18311,6 @@
 </file>
 
 <file path=customXml/itemProps1.xml><?xml version="1.0" encoding="utf-8"?>
-<ds:datastoreItem xmlns:ds="http://schemas.openxmlformats.org/officeDocument/2006/customXml" ds:itemID="{079290C9-6505-4B77-B628-A44276CB9D85}">
-  <ds:schemaRefs>
-    <ds:schemaRef ds:uri="http://purl.org/dc/elements/1.1/"/>
-    <ds:schemaRef ds:uri="http://purl.org/dc/terms/"/>
-    <ds:schemaRef ds:uri="http://www.w3.org/XML/1998/namespace"/>
-    <ds:schemaRef ds:uri="http://schemas.microsoft.com/office/2006/metadata/properties"/>
-    <ds:schemaRef ds:uri="http://schemas.microsoft.com/office/infopath/2007/PartnerControls"/>
-    <ds:schemaRef ds:uri="71af3243-3dd4-4a8d-8c0d-dd76da1f02a5"/>
-    <ds:schemaRef ds:uri="http://purl.org/dc/dcmitype/"/>
-    <ds:schemaRef ds:uri="http://schemas.microsoft.com/office/2006/documentManagement/types"/>
-    <ds:schemaRef ds:uri="http://schemas.openxmlformats.org/package/2006/metadata/core-properties"/>
-    <ds:schemaRef ds:uri="16c05727-aa75-4e4a-9b5f-8a80a1165891"/>
-  </ds:schemaRefs>
-</ds:datastoreItem>
-</file>
-
-<file path=customXml/itemProps2.xml><?xml version="1.0" encoding="utf-8"?>
 <ds:datastoreItem xmlns:ds="http://schemas.openxmlformats.org/officeDocument/2006/customXml" ds:itemID="{47B8899B-5794-42FB-9137-8220A73767FB}">
   <ds:schemaRefs>
     <ds:schemaRef ds:uri="http://schemas.microsoft.com/office/2006/metadata/contentType"/>
@@ -18208,6 +18329,23 @@
 </ds:datastoreItem>
 </file>
 
+<file path=customXml/itemProps2.xml><?xml version="1.0" encoding="utf-8"?>
+<ds:datastoreItem xmlns:ds="http://schemas.openxmlformats.org/officeDocument/2006/customXml" ds:itemID="{079290C9-6505-4B77-B628-A44276CB9D85}">
+  <ds:schemaRefs>
+    <ds:schemaRef ds:uri="http://purl.org/dc/elements/1.1/"/>
+    <ds:schemaRef ds:uri="http://purl.org/dc/terms/"/>
+    <ds:schemaRef ds:uri="http://www.w3.org/XML/1998/namespace"/>
+    <ds:schemaRef ds:uri="http://schemas.microsoft.com/office/2006/metadata/properties"/>
+    <ds:schemaRef ds:uri="http://schemas.microsoft.com/office/infopath/2007/PartnerControls"/>
+    <ds:schemaRef ds:uri="71af3243-3dd4-4a8d-8c0d-dd76da1f02a5"/>
+    <ds:schemaRef ds:uri="http://purl.org/dc/dcmitype/"/>
+    <ds:schemaRef ds:uri="http://schemas.microsoft.com/office/2006/documentManagement/types"/>
+    <ds:schemaRef ds:uri="http://schemas.openxmlformats.org/package/2006/metadata/core-properties"/>
+    <ds:schemaRef ds:uri="16c05727-aa75-4e4a-9b5f-8a80a1165891"/>
+  </ds:schemaRefs>
+</ds:datastoreItem>
+</file>
+
 <file path=customXml/itemProps3.xml><?xml version="1.0" encoding="utf-8"?>
 <ds:datastoreItem xmlns:ds="http://schemas.openxmlformats.org/officeDocument/2006/customXml" ds:itemID="{5728C3E1-D10B-4426-B05E-8E1CAFF03C24}">
   <ds:schemaRefs>

--- a/TeoriaDeModelos/Teoría.pptx
+++ b/TeoriaDeModelos/Teoría.pptx
@@ -225,7 +225,7 @@
             <a:pPr rtl="0"/>
             <a:fld id="{A4EE1597-BA8D-477C-BC8D-06622426F1B8}" type="datetime1">
               <a:rPr lang="es-ES" smtClean="0"/>
-              <a:t>23/08/2020</a:t>
+              <a:t>25/08/2020</a:t>
             </a:fld>
             <a:endParaRPr lang="es-ES"/>
           </a:p>
@@ -395,7 +395,7 @@
             <a:pPr rtl="0"/>
             <a:fld id="{FBB8FD01-5DB9-4A0E-83AF-656C7FE35756}" type="datetime1">
               <a:rPr lang="es-ES" noProof="0" smtClean="0"/>
-              <a:t>23/08/2020</a:t>
+              <a:t>25/08/2020</a:t>
             </a:fld>
             <a:endParaRPr lang="es-ES" noProof="0"/>
           </a:p>
@@ -2699,7 +2699,7 @@
             <a:pPr rtl="0"/>
             <a:fld id="{5318812A-3EB5-4C72-A471-A2411F3A2976}" type="datetime1">
               <a:rPr lang="es-ES" noProof="0" smtClean="0"/>
-              <a:t>23/08/2020</a:t>
+              <a:t>25/08/2020</a:t>
             </a:fld>
             <a:endParaRPr lang="es-ES" noProof="0"/>
           </a:p>
@@ -2916,7 +2916,7 @@
             <a:pPr rtl="0"/>
             <a:fld id="{AA4FF5BE-597F-4771-85FB-F9671A7D5D10}" type="datetime1">
               <a:rPr lang="es-ES" noProof="0" smtClean="0"/>
-              <a:t>23/08/2020</a:t>
+              <a:t>25/08/2020</a:t>
             </a:fld>
             <a:endParaRPr lang="es-ES" noProof="0"/>
           </a:p>
@@ -3175,7 +3175,7 @@
             <a:pPr rtl="0"/>
             <a:fld id="{35C0B9C8-DC25-47F0-944D-522491D99E52}" type="datetime1">
               <a:rPr lang="es-ES" noProof="0" smtClean="0"/>
-              <a:t>23/08/2020</a:t>
+              <a:t>25/08/2020</a:t>
             </a:fld>
             <a:endParaRPr lang="es-ES" noProof="0"/>
           </a:p>
@@ -3353,7 +3353,7 @@
             <a:pPr rtl="0"/>
             <a:fld id="{B8496F03-FD64-4297-B76C-A4AD3E11C919}" type="datetime1">
               <a:rPr lang="es-ES" noProof="0" smtClean="0"/>
-              <a:t>23/08/2020</a:t>
+              <a:t>25/08/2020</a:t>
             </a:fld>
             <a:endParaRPr lang="es-ES" noProof="0"/>
           </a:p>
@@ -3701,7 +3701,7 @@
             <a:pPr rtl="0"/>
             <a:fld id="{3840CA2F-7FE5-4F04-99F6-D500EDAC649B}" type="datetime1">
               <a:rPr lang="es-ES" noProof="0" smtClean="0"/>
-              <a:t>23/08/2020</a:t>
+              <a:t>25/08/2020</a:t>
             </a:fld>
             <a:endParaRPr lang="es-ES" noProof="0"/>
           </a:p>
@@ -3980,7 +3980,7 @@
             <a:pPr rtl="0"/>
             <a:fld id="{26B6D807-47AA-44ED-999B-06C2CDE0C23F}" type="datetime1">
               <a:rPr lang="es-ES" noProof="0" smtClean="0"/>
-              <a:t>23/08/2020</a:t>
+              <a:t>25/08/2020</a:t>
             </a:fld>
             <a:endParaRPr lang="es-ES" noProof="0"/>
           </a:p>
@@ -4362,7 +4362,7 @@
             <a:pPr rtl="0"/>
             <a:fld id="{DC6BC4C7-D15A-465B-9D66-1939648F1B1F}" type="datetime1">
               <a:rPr lang="es-ES" noProof="0" smtClean="0"/>
-              <a:t>23/08/2020</a:t>
+              <a:t>25/08/2020</a:t>
             </a:fld>
             <a:endParaRPr lang="es-ES" noProof="0"/>
           </a:p>
@@ -4483,7 +4483,7 @@
             <a:pPr rtl="0"/>
             <a:fld id="{5C628DDE-090C-4047-8194-2AF6FE321D4F}" type="datetime1">
               <a:rPr lang="es-ES" noProof="0" smtClean="0"/>
-              <a:t>23/08/2020</a:t>
+              <a:t>25/08/2020</a:t>
             </a:fld>
             <a:endParaRPr lang="es-ES" noProof="0"/>
           </a:p>
@@ -4657,7 +4657,7 @@
             <a:pPr rtl="0"/>
             <a:fld id="{901B5E05-83B0-4CAE-BDC1-DA37AA6A2F30}" type="datetime1">
               <a:rPr lang="es-ES" noProof="0" smtClean="0"/>
-              <a:t>23/08/2020</a:t>
+              <a:t>25/08/2020</a:t>
             </a:fld>
             <a:endParaRPr lang="es-ES" noProof="0"/>
           </a:p>
@@ -5019,7 +5019,7 @@
             <a:pPr rtl="0"/>
             <a:fld id="{1F9B0ACA-E051-4A6C-8501-4FE72EA49BB6}" type="datetime1">
               <a:rPr lang="es-ES" noProof="0" smtClean="0"/>
-              <a:t>23/08/2020</a:t>
+              <a:t>25/08/2020</a:t>
             </a:fld>
             <a:endParaRPr lang="es-ES" noProof="0"/>
           </a:p>
@@ -5410,7 +5410,7 @@
             <a:pPr rtl="0"/>
             <a:fld id="{B8496F03-FD64-4297-B76C-A4AD3E11C919}" type="datetime1">
               <a:rPr lang="es-ES" noProof="0" smtClean="0"/>
-              <a:t>23/08/2020</a:t>
+              <a:t>25/08/2020</a:t>
             </a:fld>
             <a:endParaRPr lang="es-ES" noProof="0"/>
           </a:p>
@@ -5702,7 +5702,7 @@
             <a:pPr rtl="0"/>
             <a:fld id="{B8496F03-FD64-4297-B76C-A4AD3E11C919}" type="datetime1">
               <a:rPr lang="es-ES" noProof="0" smtClean="0"/>
-              <a:t>23/08/2020</a:t>
+              <a:t>25/08/2020</a:t>
             </a:fld>
             <a:endParaRPr lang="es-ES" noProof="0"/>
           </a:p>
@@ -13039,8 +13039,8 @@
           </a:p>
         </p:txBody>
       </p:sp>
-      <mc:AlternateContent xmlns:mc="http://schemas.openxmlformats.org/markup-compatibility/2006" xmlns:a14="http://schemas.microsoft.com/office/drawing/2010/main">
-        <mc:Choice Requires="a14">
+      <mc:AlternateContent xmlns:mc="http://schemas.openxmlformats.org/markup-compatibility/2006">
+        <mc:Choice xmlns:a14="http://schemas.microsoft.com/office/drawing/2010/main" Requires="a14">
           <p:sp>
             <p:nvSpPr>
               <p:cNvPr id="3" name="Marcador de contenido 2"/>
@@ -13053,338 +13053,442 @@
             </p:nvSpPr>
             <p:spPr>
               <a:xfrm>
-                <a:off x="1097280" y="2071716"/>
-                <a:ext cx="10058400" cy="3736902"/>
+                <a:off x="1097280" y="2071715"/>
+                <a:ext cx="10058400" cy="4329085"/>
               </a:xfrm>
             </p:spPr>
             <p:txBody>
               <a:bodyPr>
-                <a:normAutofit/>
+                <a:normAutofit fontScale="70000" lnSpcReduction="20000"/>
               </a:bodyPr>
               <a:lstStyle/>
               <a:p>
-                <a:pPr algn="ctr"/>
+                <a:pPr marL="0" indent="0" algn="ctr">
+                  <a:buNone/>
+                </a:pPr>
                 <a14:m>
                   <m:oMath xmlns:m="http://schemas.openxmlformats.org/officeDocument/2006/math">
-                    <m:r>
-                      <a:rPr lang="es-AR" i="1" smtClean="0">
-                        <a:latin typeface="Cambria Math" panose="02040503050406030204" pitchFamily="18" charset="0"/>
-                      </a:rPr>
-                      <m:t>𝑉𝑎𝑟</m:t>
-                    </m:r>
-                    <m:r>
-                      <a:rPr lang="es-AR" i="1" smtClean="0">
-                        <a:latin typeface="Cambria Math" panose="02040503050406030204" pitchFamily="18" charset="0"/>
-                      </a:rPr>
-                      <m:t>(</m:t>
-                    </m:r>
-                    <m:acc>
-                      <m:accPr>
-                        <m:chr m:val="̂"/>
+                    <m:sSub>
+                      <m:sSubPr>
                         <m:ctrlPr>
-                          <a:rPr lang="en-US" i="1">
-                            <a:latin typeface="Cambria Math" panose="02040503050406030204" pitchFamily="18" charset="0"/>
-                          </a:rPr>
+                          <a:rPr lang="en-US" sz="3200"/>
                         </m:ctrlPr>
-                      </m:accPr>
-                      <m:e>
-                        <m:sSub>
-                          <m:sSubPr>
-                            <m:ctrlPr>
-                              <a:rPr lang="en-US" i="1">
-                                <a:latin typeface="Cambria Math" panose="02040503050406030204" pitchFamily="18" charset="0"/>
-                              </a:rPr>
-                            </m:ctrlPr>
-                          </m:sSubPr>
-                          <m:e>
-                            <m:r>
-                              <a:rPr lang="es-AR" i="1">
-                                <a:latin typeface="Cambria Math" panose="02040503050406030204" pitchFamily="18" charset="0"/>
-                              </a:rPr>
-                              <m:t>𝜁</m:t>
-                            </m:r>
-                          </m:e>
-                          <m:sub>
-                            <m:r>
-                              <a:rPr lang="es-AR" i="1">
-                                <a:latin typeface="Cambria Math" panose="02040503050406030204" pitchFamily="18" charset="0"/>
-                              </a:rPr>
-                              <m:t>𝑢</m:t>
-                            </m:r>
-                          </m:sub>
-                        </m:sSub>
-                      </m:e>
-                    </m:acc>
-                    <m:r>
-                      <a:rPr lang="es-AR" i="1">
-                        <a:latin typeface="Cambria Math" panose="02040503050406030204" pitchFamily="18" charset="0"/>
-                      </a:rPr>
-                      <m:t>)≈</m:t>
-                    </m:r>
-                    <m:acc>
-                      <m:accPr>
-                        <m:chr m:val="̂"/>
-                        <m:ctrlPr>
-                          <a:rPr lang="en-US" i="1">
-                            <a:latin typeface="Cambria Math" panose="02040503050406030204" pitchFamily="18" charset="0"/>
-                          </a:rPr>
-                        </m:ctrlPr>
-                      </m:accPr>
-                      <m:e>
-                        <m:sSub>
-                          <m:sSubPr>
-                            <m:ctrlPr>
-                              <a:rPr lang="en-US" i="1">
-                                <a:latin typeface="Cambria Math" panose="02040503050406030204" pitchFamily="18" charset="0"/>
-                              </a:rPr>
-                            </m:ctrlPr>
-                          </m:sSubPr>
-                          <m:e>
-                            <m:r>
-                              <a:rPr lang="es-AR" i="1">
-                                <a:latin typeface="Cambria Math" panose="02040503050406030204" pitchFamily="18" charset="0"/>
-                              </a:rPr>
-                              <m:t>𝜁</m:t>
-                            </m:r>
-                          </m:e>
-                          <m:sub>
-                            <m:r>
-                              <a:rPr lang="es-AR" i="1">
-                                <a:latin typeface="Cambria Math" panose="02040503050406030204" pitchFamily="18" charset="0"/>
-                              </a:rPr>
-                              <m:t>𝑢</m:t>
-                            </m:r>
-                          </m:sub>
-                        </m:sSub>
-                      </m:e>
-                    </m:acc>
-                    <m:r>
-                      <a:rPr lang="es-AR" i="1">
-                        <a:latin typeface="Cambria Math" panose="02040503050406030204" pitchFamily="18" charset="0"/>
-                      </a:rPr>
-                      <m:t>(1−</m:t>
-                    </m:r>
-                    <m:acc>
-                      <m:accPr>
-                        <m:chr m:val="̂"/>
-                        <m:ctrlPr>
-                          <a:rPr lang="en-US" i="1">
-                            <a:latin typeface="Cambria Math" panose="02040503050406030204" pitchFamily="18" charset="0"/>
-                          </a:rPr>
-                        </m:ctrlPr>
-                      </m:accPr>
-                      <m:e>
-                        <m:sSub>
-                          <m:sSubPr>
-                            <m:ctrlPr>
-                              <a:rPr lang="en-US" i="1">
-                                <a:latin typeface="Cambria Math" panose="02040503050406030204" pitchFamily="18" charset="0"/>
-                              </a:rPr>
-                            </m:ctrlPr>
-                          </m:sSubPr>
-                          <m:e>
-                            <m:r>
-                              <a:rPr lang="es-AR" i="1">
-                                <a:latin typeface="Cambria Math" panose="02040503050406030204" pitchFamily="18" charset="0"/>
-                              </a:rPr>
-                              <m:t>𝜁</m:t>
-                            </m:r>
-                          </m:e>
-                          <m:sub>
-                            <m:r>
-                              <a:rPr lang="es-AR" i="1">
-                                <a:latin typeface="Cambria Math" panose="02040503050406030204" pitchFamily="18" charset="0"/>
-                              </a:rPr>
-                              <m:t>𝑢</m:t>
-                            </m:r>
-                          </m:sub>
-                        </m:sSub>
-                      </m:e>
-                    </m:acc>
-                    <m:r>
-                      <a:rPr lang="es-AR" i="1">
-                        <a:latin typeface="Cambria Math" panose="02040503050406030204" pitchFamily="18" charset="0"/>
-                      </a:rPr>
-                      <m:t>)/</m:t>
-                    </m:r>
-                    <m:r>
-                      <a:rPr lang="es-AR" i="1">
-                        <a:latin typeface="Cambria Math" panose="02040503050406030204" pitchFamily="18" charset="0"/>
-                      </a:rPr>
-                      <m:t>𝑛</m:t>
-                    </m:r>
-                  </m:oMath>
-                </a14:m>
-                <a:endParaRPr lang="en-US" dirty="0"/>
-              </a:p>
-              <a:p>
-                <a:pPr algn="ctr"/>
-                <a14:m>
-                  <m:oMath xmlns:m="http://schemas.openxmlformats.org/officeDocument/2006/math">
-                    <m:r>
-                      <a:rPr lang="es-AR" i="1">
-                        <a:latin typeface="Cambria Math" panose="02040503050406030204" pitchFamily="18" charset="0"/>
-                      </a:rPr>
-                      <m:t>𝑉𝑎𝑟</m:t>
-                    </m:r>
-                    <m:d>
-                      <m:dPr>
-                        <m:ctrlPr>
-                          <a:rPr lang="en-US" i="1">
-                            <a:latin typeface="Cambria Math" panose="02040503050406030204" pitchFamily="18" charset="0"/>
-                          </a:rPr>
-                        </m:ctrlPr>
-                      </m:dPr>
-                      <m:e>
-                        <m:acc>
-                          <m:accPr>
-                            <m:chr m:val="̂"/>
-                            <m:ctrlPr>
-                              <a:rPr lang="en-US" i="1">
-                                <a:latin typeface="Cambria Math" panose="02040503050406030204" pitchFamily="18" charset="0"/>
-                              </a:rPr>
-                            </m:ctrlPr>
-                          </m:accPr>
-                          <m:e>
-                            <m:sSub>
-                              <m:sSubPr>
-                                <m:ctrlPr>
-                                  <a:rPr lang="en-US" i="1">
-                                    <a:latin typeface="Cambria Math" panose="02040503050406030204" pitchFamily="18" charset="0"/>
-                                  </a:rPr>
-                                </m:ctrlPr>
-                              </m:sSubPr>
-                              <m:e>
-                                <m:r>
-                                  <a:rPr lang="es-AR" i="1">
-                                    <a:latin typeface="Cambria Math" panose="02040503050406030204" pitchFamily="18" charset="0"/>
-                                  </a:rPr>
-                                  <m:t>𝑥</m:t>
-                                </m:r>
-                              </m:e>
-                              <m:sub>
-                                <m:r>
-                                  <a:rPr lang="es-AR" i="1">
-                                    <a:latin typeface="Cambria Math" panose="02040503050406030204" pitchFamily="18" charset="0"/>
-                                  </a:rPr>
-                                  <m:t>𝑚</m:t>
-                                </m:r>
-                              </m:sub>
-                            </m:sSub>
-                          </m:e>
-                        </m:acc>
-                      </m:e>
-                    </m:d>
-                    <m:r>
-                      <a:rPr lang="es-AR" i="1">
-                        <a:latin typeface="Cambria Math" panose="02040503050406030204" pitchFamily="18" charset="0"/>
-                      </a:rPr>
-                      <m:t>≈</m:t>
-                    </m:r>
-                    <m:r>
-                      <a:rPr lang="es-AR">
-                        <a:latin typeface="Cambria Math" panose="02040503050406030204" pitchFamily="18" charset="0"/>
-                      </a:rPr>
-                      <m:t>𝛻</m:t>
-                    </m:r>
-                    <m:sSubSup>
-                      <m:sSubSupPr>
-                        <m:ctrlPr>
-                          <a:rPr lang="en-US" i="1">
-                            <a:latin typeface="Cambria Math" panose="02040503050406030204" pitchFamily="18" charset="0"/>
-                          </a:rPr>
-                        </m:ctrlPr>
-                      </m:sSubSupPr>
+                      </m:sSubPr>
                       <m:e>
                         <m:r>
-                          <a:rPr lang="es-AR" i="1">
-                            <a:latin typeface="Cambria Math" panose="02040503050406030204" pitchFamily="18" charset="0"/>
-                          </a:rPr>
+                          <a:rPr lang="es-AR" sz="3200"/>
                           <m:t>𝑥</m:t>
                         </m:r>
                       </m:e>
                       <m:sub>
                         <m:r>
-                          <a:rPr lang="es-AR" i="1">
-                            <a:latin typeface="Cambria Math" panose="02040503050406030204" pitchFamily="18" charset="0"/>
-                          </a:rPr>
-                          <m:t>𝑚</m:t>
-                        </m:r>
-                      </m:sub>
-                      <m:sup>
-                        <m:r>
-                          <a:rPr lang="es-AR" i="1">
-                            <a:latin typeface="Cambria Math" panose="02040503050406030204" pitchFamily="18" charset="0"/>
-                          </a:rPr>
-                          <m:t>𝑇</m:t>
-                        </m:r>
-                      </m:sup>
-                    </m:sSubSup>
-                    <m:r>
-                      <a:rPr lang="es-AR" i="1">
-                        <a:latin typeface="Cambria Math" panose="02040503050406030204" pitchFamily="18" charset="0"/>
-                      </a:rPr>
-                      <m:t> </m:t>
-                    </m:r>
-                    <m:r>
-                      <a:rPr lang="es-AR" i="1">
-                        <a:latin typeface="Cambria Math" panose="02040503050406030204" pitchFamily="18" charset="0"/>
-                      </a:rPr>
-                      <m:t>𝑉</m:t>
-                    </m:r>
-                    <m:r>
-                      <a:rPr lang="es-AR" i="1">
-                        <a:latin typeface="Cambria Math" panose="02040503050406030204" pitchFamily="18" charset="0"/>
-                      </a:rPr>
-                      <m:t> </m:t>
-                    </m:r>
-                    <m:r>
-                      <a:rPr lang="es-AR">
-                        <a:latin typeface="Cambria Math" panose="02040503050406030204" pitchFamily="18" charset="0"/>
-                      </a:rPr>
-                      <m:t>𝛻</m:t>
-                    </m:r>
-                    <m:sSub>
-                      <m:sSubPr>
-                        <m:ctrlPr>
-                          <a:rPr lang="en-US" i="1">
-                            <a:latin typeface="Cambria Math" panose="02040503050406030204" pitchFamily="18" charset="0"/>
-                          </a:rPr>
-                        </m:ctrlPr>
-                      </m:sSubPr>
-                      <m:e>
-                        <m:r>
-                          <a:rPr lang="es-AR" i="1">
-                            <a:latin typeface="Cambria Math" panose="02040503050406030204" pitchFamily="18" charset="0"/>
-                          </a:rPr>
-                          <m:t>𝑥</m:t>
-                        </m:r>
-                      </m:e>
-                      <m:sub>
-                        <m:r>
-                          <a:rPr lang="es-AR" i="1">
-                            <a:latin typeface="Cambria Math" panose="02040503050406030204" pitchFamily="18" charset="0"/>
-                          </a:rPr>
-                          <m:t>𝑚</m:t>
+                          <a:rPr lang="es-AR" sz="3200"/>
+                          <m:t>𝑝</m:t>
                         </m:r>
                       </m:sub>
                     </m:sSub>
+                    <m:r>
+                      <a:rPr lang="es-AR" sz="3200"/>
+                      <m:t>=</m:t>
+                    </m:r>
+                    <m:r>
+                      <a:rPr lang="es-AR" sz="3200"/>
+                      <m:t>𝜇</m:t>
+                    </m:r>
+                    <m:r>
+                      <a:rPr lang="es-AR" sz="3200"/>
+                      <m:t>−</m:t>
+                    </m:r>
+                    <m:r>
+                      <a:rPr lang="es-AR" sz="3200"/>
+                      <m:t>𝜎</m:t>
+                    </m:r>
+                    <m:r>
+                      <a:rPr lang="es-AR" sz="3200"/>
+                      <m:t> </m:t>
+                    </m:r>
+                    <m:func>
+                      <m:funcPr>
+                        <m:ctrlPr>
+                          <a:rPr lang="en-US" sz="3200"/>
+                        </m:ctrlPr>
+                      </m:funcPr>
+                      <m:fName>
+                        <m:r>
+                          <m:rPr>
+                            <m:sty m:val="p"/>
+                          </m:rPr>
+                          <a:rPr lang="es-AR" sz="3200"/>
+                          <m:t>log</m:t>
+                        </m:r>
+                      </m:fName>
+                      <m:e>
+                        <m:d>
+                          <m:dPr>
+                            <m:ctrlPr>
+                              <a:rPr lang="en-US" sz="3200"/>
+                            </m:ctrlPr>
+                          </m:dPr>
+                          <m:e>
+                            <m:r>
+                              <a:rPr lang="es-AR" sz="3200"/>
+                              <m:t>−</m:t>
+                            </m:r>
+                            <m:func>
+                              <m:funcPr>
+                                <m:ctrlPr>
+                                  <a:rPr lang="en-US" sz="3200"/>
+                                </m:ctrlPr>
+                              </m:funcPr>
+                              <m:fName>
+                                <m:r>
+                                  <m:rPr>
+                                    <m:sty m:val="p"/>
+                                  </m:rPr>
+                                  <a:rPr lang="es-AR" sz="3200"/>
+                                  <m:t>log</m:t>
+                                </m:r>
+                              </m:fName>
+                              <m:e>
+                                <m:d>
+                                  <m:dPr>
+                                    <m:ctrlPr>
+                                      <a:rPr lang="en-US" sz="3200"/>
+                                    </m:ctrlPr>
+                                  </m:dPr>
+                                  <m:e>
+                                    <m:r>
+                                      <a:rPr lang="es-AR" sz="3200"/>
+                                      <m:t>1−</m:t>
+                                    </m:r>
+                                    <m:r>
+                                      <a:rPr lang="es-AR" sz="3200"/>
+                                      <m:t>𝑝</m:t>
+                                    </m:r>
+                                  </m:e>
+                                </m:d>
+                              </m:e>
+                            </m:func>
+                          </m:e>
+                        </m:d>
+                      </m:e>
+                    </m:func>
                   </m:oMath>
                 </a14:m>
-                <a:endParaRPr lang="en-US" dirty="0" smtClean="0"/>
+                <a:r>
+                  <a:rPr lang="en-US" sz="3200" dirty="0"/>
+                  <a:t> </a:t>
+                </a:r>
+                <a:r>
+                  <a:rPr lang="en-US" sz="3200" dirty="0" err="1"/>
+                  <a:t>si</a:t>
+                </a:r>
+                <a:r>
+                  <a:rPr lang="en-US" sz="3200" dirty="0"/>
+                  <a:t> la </a:t>
+                </a:r>
+                <a:r>
+                  <a:rPr lang="en-US" sz="3200" dirty="0" err="1"/>
+                  <a:t>familia</a:t>
+                </a:r>
+                <a:r>
+                  <a:rPr lang="en-US" sz="3200" dirty="0"/>
+                  <a:t> </a:t>
+                </a:r>
+                <a:r>
+                  <a:rPr lang="en-US" sz="3200" dirty="0" err="1"/>
+                  <a:t>es</a:t>
+                </a:r>
+                <a:r>
+                  <a:rPr lang="en-US" sz="3200" dirty="0"/>
+                  <a:t> de Gumbel</a:t>
+                </a:r>
+                <a:endParaRPr lang="en-US" sz="3200" dirty="0"/>
+              </a:p>
+              <a:p>
+                <a:pPr marL="0" indent="0" algn="ctr">
+                  <a:buNone/>
+                </a:pPr>
+                <a:endParaRPr lang="es-AR" sz="3200" dirty="0" smtClean="0"/>
+              </a:p>
+              <a:p>
+                <a:pPr marL="0" indent="0" algn="ctr">
+                  <a:buNone/>
+                </a:pPr>
+                <a14:m>
+                  <m:oMathPara xmlns:m="http://schemas.openxmlformats.org/officeDocument/2006/math">
+                    <m:oMathParaPr>
+                      <m:jc m:val="centerGroup"/>
+                    </m:oMathParaPr>
+                    <m:oMath xmlns:m="http://schemas.openxmlformats.org/officeDocument/2006/math">
+                      <m:r>
+                        <a:rPr lang="es-AR" sz="3200"/>
+                        <m:t>𝑉𝑎𝑟</m:t>
+                      </m:r>
+                      <m:d>
+                        <m:dPr>
+                          <m:ctrlPr>
+                            <a:rPr lang="en-US" sz="3200"/>
+                          </m:ctrlPr>
+                        </m:dPr>
+                        <m:e>
+                          <m:acc>
+                            <m:accPr>
+                              <m:chr m:val="̂"/>
+                              <m:ctrlPr>
+                                <a:rPr lang="en-US" sz="3200"/>
+                              </m:ctrlPr>
+                            </m:accPr>
+                            <m:e>
+                              <m:sSub>
+                                <m:sSubPr>
+                                  <m:ctrlPr>
+                                    <a:rPr lang="en-US" sz="3200"/>
+                                  </m:ctrlPr>
+                                </m:sSubPr>
+                                <m:e>
+                                  <m:r>
+                                    <a:rPr lang="es-AR" sz="3200"/>
+                                    <m:t>𝑥</m:t>
+                                  </m:r>
+                                </m:e>
+                                <m:sub>
+                                  <m:r>
+                                    <a:rPr lang="es-AR" sz="3200"/>
+                                    <m:t>𝑝</m:t>
+                                  </m:r>
+                                </m:sub>
+                              </m:sSub>
+                            </m:e>
+                          </m:acc>
+                        </m:e>
+                      </m:d>
+                      <m:r>
+                        <a:rPr lang="es-AR" sz="3200"/>
+                        <m:t>≈</m:t>
+                      </m:r>
+                      <m:r>
+                        <a:rPr lang="es-AR" sz="3200"/>
+                        <m:t>𝛻</m:t>
+                      </m:r>
+                      <m:sSubSup>
+                        <m:sSubSupPr>
+                          <m:ctrlPr>
+                            <a:rPr lang="en-US" sz="3200"/>
+                          </m:ctrlPr>
+                        </m:sSubSupPr>
+                        <m:e>
+                          <m:r>
+                            <a:rPr lang="es-AR" sz="3200"/>
+                            <m:t>𝑥</m:t>
+                          </m:r>
+                        </m:e>
+                        <m:sub>
+                          <m:r>
+                            <a:rPr lang="es-AR" sz="3200"/>
+                            <m:t>𝑝</m:t>
+                          </m:r>
+                        </m:sub>
+                        <m:sup>
+                          <m:r>
+                            <a:rPr lang="es-AR" sz="3200"/>
+                            <m:t>𝑇</m:t>
+                          </m:r>
+                        </m:sup>
+                      </m:sSubSup>
+                      <m:r>
+                        <a:rPr lang="es-AR" sz="3200"/>
+                        <m:t> </m:t>
+                      </m:r>
+                      <m:r>
+                        <a:rPr lang="es-AR" sz="3200"/>
+                        <m:t>𝑉</m:t>
+                      </m:r>
+                      <m:r>
+                        <a:rPr lang="es-AR" sz="3200"/>
+                        <m:t> </m:t>
+                      </m:r>
+                      <m:r>
+                        <a:rPr lang="es-AR" sz="3200"/>
+                        <m:t>𝛻</m:t>
+                      </m:r>
+                      <m:sSub>
+                        <m:sSubPr>
+                          <m:ctrlPr>
+                            <a:rPr lang="en-US" sz="3200"/>
+                          </m:ctrlPr>
+                        </m:sSubPr>
+                        <m:e>
+                          <m:r>
+                            <a:rPr lang="es-AR" sz="3200"/>
+                            <m:t>𝑥</m:t>
+                          </m:r>
+                        </m:e>
+                        <m:sub>
+                          <m:r>
+                            <a:rPr lang="es-AR" sz="3200"/>
+                            <m:t>𝑝</m:t>
+                          </m:r>
+                        </m:sub>
+                      </m:sSub>
+                    </m:oMath>
+                  </m:oMathPara>
+                </a14:m>
+                <a:endParaRPr lang="en-US" sz="3200" dirty="0"/>
+              </a:p>
+              <a:p>
+                <a:pPr marL="0" indent="0" algn="ctr">
+                  <a:buNone/>
+                </a:pPr>
+                <a:endParaRPr lang="es-AR" sz="3200" dirty="0"/>
+              </a:p>
+              <a:p>
+                <a:pPr marL="0" indent="0" algn="ctr">
+                  <a:buNone/>
+                </a:pPr>
+                <a:endParaRPr lang="es-AR" sz="3200" dirty="0"/>
+              </a:p>
+              <a:p>
+                <a:pPr marL="0" indent="0" algn="ctr">
+                  <a:buNone/>
+                </a:pPr>
+                <a14:m>
+                  <m:oMathPara xmlns:m="http://schemas.openxmlformats.org/officeDocument/2006/math">
+                    <m:oMathParaPr>
+                      <m:jc m:val="centerGroup"/>
+                    </m:oMathParaPr>
+                    <m:oMath xmlns:m="http://schemas.openxmlformats.org/officeDocument/2006/math">
+                      <m:r>
+                        <a:rPr lang="es-AR" sz="3200"/>
+                        <m:t>𝐼𝐶</m:t>
+                      </m:r>
+                      <m:r>
+                        <a:rPr lang="es-AR" sz="3200"/>
+                        <m:t>:[</m:t>
+                      </m:r>
+                      <m:r>
+                        <a:rPr lang="es-AR" sz="3200"/>
+                        <m:t>𝑣𝑎𝑙𝑜𝑟</m:t>
+                      </m:r>
+                      <m:r>
+                        <a:rPr lang="es-AR" sz="3200"/>
+                        <m:t> </m:t>
+                      </m:r>
+                      <m:r>
+                        <a:rPr lang="es-AR" sz="3200"/>
+                        <m:t>𝑝𝑢𝑛𝑡𝑢𝑎𝑙</m:t>
+                      </m:r>
+                      <m:r>
+                        <a:rPr lang="es-AR" sz="3200"/>
+                        <m:t> </m:t>
+                      </m:r>
+                      <m:r>
+                        <a:rPr lang="es-AR" sz="3200"/>
+                        <m:t>𝑒𝑠𝑡𝑖𝑚𝑎𝑑𝑜</m:t>
+                      </m:r>
+                      <m:r>
+                        <a:rPr lang="es-AR" sz="3200"/>
+                        <m:t>−∆, </m:t>
+                      </m:r>
+                      <m:r>
+                        <a:rPr lang="es-AR" sz="3200"/>
+                        <m:t>𝑣𝑎𝑙𝑜𝑟</m:t>
+                      </m:r>
+                      <m:r>
+                        <a:rPr lang="es-AR" sz="3200"/>
+                        <m:t> </m:t>
+                      </m:r>
+                      <m:r>
+                        <a:rPr lang="es-AR" sz="3200"/>
+                        <m:t>𝑝𝑢𝑛𝑡𝑢𝑎𝑙</m:t>
+                      </m:r>
+                      <m:r>
+                        <a:rPr lang="es-AR" sz="3200"/>
+                        <m:t> </m:t>
+                      </m:r>
+                      <m:r>
+                        <a:rPr lang="es-AR" sz="3200"/>
+                        <m:t>𝑒𝑠𝑡𝑖𝑚𝑎𝑑𝑜</m:t>
+                      </m:r>
+                      <m:r>
+                        <a:rPr lang="es-AR" sz="3200"/>
+                        <m:t>+ ∆]</m:t>
+                      </m:r>
+                    </m:oMath>
+                  </m:oMathPara>
+                </a14:m>
+                <a:endParaRPr lang="en-US" sz="3200" dirty="0"/>
+              </a:p>
+              <a:p>
+                <a:pPr marL="0" indent="0" algn="ctr">
+                  <a:buNone/>
+                </a:pPr>
+                <a14:m>
+                  <m:oMathPara xmlns:m="http://schemas.openxmlformats.org/officeDocument/2006/math">
+                    <m:oMathParaPr>
+                      <m:jc m:val="centerGroup"/>
+                    </m:oMathParaPr>
+                    <m:oMath xmlns:m="http://schemas.openxmlformats.org/officeDocument/2006/math">
+                      <m:r>
+                        <a:rPr lang="es-AR" sz="3200"/>
+                        <m:t>∆ = </m:t>
+                      </m:r>
+                      <m:sSub>
+                        <m:sSubPr>
+                          <m:ctrlPr>
+                            <a:rPr lang="en-US" sz="3200"/>
+                          </m:ctrlPr>
+                        </m:sSubPr>
+                        <m:e>
+                          <m:r>
+                            <a:rPr lang="es-AR" sz="3200"/>
+                            <m:t>𝑠</m:t>
+                          </m:r>
+                        </m:e>
+                        <m:sub>
+                          <m:r>
+                            <a:rPr lang="es-AR" sz="3200"/>
+                            <m:t>𝑝</m:t>
+                          </m:r>
+                        </m:sub>
+                      </m:sSub>
+                      <m:r>
+                        <a:rPr lang="es-AR" sz="3200"/>
+                        <m:t>  </m:t>
+                      </m:r>
+                      <m:r>
+                        <a:rPr lang="es-AR" sz="3200"/>
+                        <m:t>𝑠𝑡𝑑𝑣</m:t>
+                      </m:r>
+                      <m:r>
+                        <a:rPr lang="es-AR" sz="3200"/>
+                        <m:t>(</m:t>
+                      </m:r>
+                      <m:r>
+                        <a:rPr lang="es-AR" sz="3200"/>
+                        <m:t>𝑒𝑠𝑡𝑖𝑚𝑎𝑑𝑜𝑟</m:t>
+                      </m:r>
+                      <m:r>
+                        <a:rPr lang="es-AR" sz="3200"/>
+                        <m:t>)</m:t>
+                      </m:r>
+                    </m:oMath>
+                  </m:oMathPara>
+                </a14:m>
+                <a:endParaRPr lang="en-US" sz="3200" dirty="0"/>
               </a:p>
               <a:p>
                 <a:pPr algn="ctr"/>
                 <a:r>
-                  <a:rPr lang="es-AR" dirty="0" smtClean="0"/>
+                  <a:rPr lang="es-AR" sz="3200" dirty="0"/>
                   <a:t>Promesa de campaña 1: vamos a poder hacer gráficos que muestren esta varianza en nuestros </a:t>
                 </a:r>
                 <a:r>
-                  <a:rPr lang="es-AR" dirty="0" err="1" smtClean="0"/>
+                  <a:rPr lang="es-AR" sz="3200" dirty="0" err="1"/>
                   <a:t>ploteos</a:t>
                 </a:r>
                 <a:r>
-                  <a:rPr lang="es-AR" dirty="0" smtClean="0"/>
+                  <a:rPr lang="es-AR" sz="3200" dirty="0"/>
                   <a:t> de, por ejemplo, </a:t>
                 </a:r>
                 <a14:m>
@@ -13392,24 +13496,18 @@
                     <m:sSub>
                       <m:sSubPr>
                         <m:ctrlPr>
-                          <a:rPr lang="en-US" i="1">
-                            <a:latin typeface="Cambria Math" panose="02040503050406030204" pitchFamily="18" charset="0"/>
-                          </a:rPr>
+                          <a:rPr lang="en-US" sz="3200"/>
                         </m:ctrlPr>
                       </m:sSubPr>
                       <m:e>
                         <m:r>
-                          <a:rPr lang="es-AR" i="1">
-                            <a:latin typeface="Cambria Math" panose="02040503050406030204" pitchFamily="18" charset="0"/>
-                          </a:rPr>
+                          <a:rPr lang="es-AR" sz="3200"/>
                           <m:t>𝑥</m:t>
                         </m:r>
                       </m:e>
                       <m:sub>
                         <m:r>
-                          <a:rPr lang="es-AR" i="1">
-                            <a:latin typeface="Cambria Math" panose="02040503050406030204" pitchFamily="18" charset="0"/>
-                          </a:rPr>
+                          <a:rPr lang="es-AR" sz="3200"/>
                           <m:t>𝑚</m:t>
                         </m:r>
                       </m:sub>
@@ -13417,15 +13515,15 @@
                   </m:oMath>
                 </a14:m>
                 <a:r>
-                  <a:rPr lang="es-ES" dirty="0" smtClean="0"/>
+                  <a:rPr lang="es-ES" sz="3200" dirty="0"/>
                   <a:t> en </a:t>
                 </a:r>
                 <a:r>
-                  <a:rPr lang="es-ES" dirty="0"/>
+                  <a:rPr lang="es-ES" sz="3200" dirty="0"/>
                   <a:t>función </a:t>
                 </a:r>
                 <a:r>
-                  <a:rPr lang="es-ES" dirty="0" smtClean="0"/>
+                  <a:rPr lang="es-ES" sz="3200" dirty="0"/>
                   <a:t>de </a:t>
                 </a:r>
                 <a14:m>
@@ -13434,80 +13532,68 @@
                       <m:rPr>
                         <m:sty m:val="p"/>
                       </m:rPr>
-                      <a:rPr lang="es-AR" b="0" i="0" smtClean="0">
-                        <a:latin typeface="Cambria Math" panose="02040503050406030204" pitchFamily="18" charset="0"/>
-                      </a:rPr>
+                      <a:rPr lang="es-AR" sz="3200"/>
                       <m:t>log</m:t>
                     </m:r>
                     <m:r>
-                      <a:rPr lang="es-AR" b="0" i="0" smtClean="0">
-                        <a:latin typeface="Cambria Math" panose="02040503050406030204" pitchFamily="18" charset="0"/>
-                      </a:rPr>
+                      <a:rPr lang="es-AR" sz="3200"/>
                       <m:t>(</m:t>
                     </m:r>
                     <m:sSub>
                       <m:sSubPr>
                         <m:ctrlPr>
-                          <a:rPr lang="en-US" i="1">
-                            <a:latin typeface="Cambria Math" panose="02040503050406030204" pitchFamily="18" charset="0"/>
-                          </a:rPr>
+                          <a:rPr lang="en-US" sz="3200"/>
                         </m:ctrlPr>
                       </m:sSubPr>
                       <m:e>
                         <m:r>
-                          <a:rPr lang="es-AR" b="0" i="1" smtClean="0">
-                            <a:latin typeface="Cambria Math" panose="02040503050406030204" pitchFamily="18" charset="0"/>
-                          </a:rPr>
+                          <a:rPr lang="es-AR" sz="3200"/>
                           <m:t>𝑦</m:t>
                         </m:r>
                       </m:e>
                       <m:sub>
                         <m:r>
-                          <a:rPr lang="es-AR" i="1">
-                            <a:latin typeface="Cambria Math" panose="02040503050406030204" pitchFamily="18" charset="0"/>
-                          </a:rPr>
+                          <a:rPr lang="es-AR" sz="3200"/>
                           <m:t>𝑚</m:t>
                         </m:r>
                       </m:sub>
                     </m:sSub>
                     <m:r>
-                      <a:rPr lang="es-AR" b="0" i="1" smtClean="0">
-                        <a:latin typeface="Cambria Math" panose="02040503050406030204" pitchFamily="18" charset="0"/>
-                      </a:rPr>
+                      <a:rPr lang="es-AR" sz="3200"/>
                       <m:t>)</m:t>
                     </m:r>
                   </m:oMath>
                 </a14:m>
                 <a:r>
-                  <a:rPr lang="en-US" dirty="0" smtClean="0"/>
+                  <a:rPr lang="en-US" sz="3200" dirty="0"/>
                   <a:t> con </a:t>
                 </a:r>
                 <a:r>
-                  <a:rPr lang="en-US" dirty="0" err="1" smtClean="0"/>
+                  <a:rPr lang="en-US" sz="3200" dirty="0" err="1"/>
                   <a:t>su</a:t>
                 </a:r>
                 <a:r>
-                  <a:rPr lang="en-US" dirty="0" smtClean="0"/>
+                  <a:rPr lang="en-US" sz="3200" dirty="0"/>
                   <a:t> </a:t>
                 </a:r>
                 <a:r>
-                  <a:rPr lang="en-US" dirty="0" err="1" smtClean="0"/>
+                  <a:rPr lang="en-US" sz="3200" dirty="0" err="1"/>
                   <a:t>desvío</a:t>
                 </a:r>
                 <a:r>
-                  <a:rPr lang="en-US" dirty="0" smtClean="0"/>
+                  <a:rPr lang="en-US" sz="3200" dirty="0"/>
                   <a:t> </a:t>
                 </a:r>
                 <a:r>
-                  <a:rPr lang="en-US" dirty="0" err="1" smtClean="0"/>
+                  <a:rPr lang="en-US" sz="3200" dirty="0" err="1"/>
                   <a:t>correspondiente</a:t>
                 </a:r>
-                <a:endParaRPr lang="en-US" dirty="0" smtClean="0"/>
+                <a:endParaRPr lang="en-US" sz="3200" dirty="0"/>
               </a:p>
               <a:p>
                 <a:pPr algn="ctr"/>
                 <a:r>
-                  <a:rPr lang="es-AR" dirty="0" smtClean="0"/>
+                  <a:rPr lang="es-AR" sz="3200" dirty="0"/>
                   <a:t>Promesa de campaña 2: vamos a poder determinar un intervalo de confianza para un nivel de retorno dado.</a:t>
                 </a:r>
               </a:p>
@@ -13537,7 +13623,7 @@
             </p:txBody>
           </p:sp>
         </mc:Choice>
-        <mc:Fallback xmlns="">
+        <mc:Fallback>
           <p:sp>
             <p:nvSpPr>
               <p:cNvPr id="3" name="Marcador de contenido 2"/>
@@ -13550,13 +13636,13 @@
             </p:nvSpPr>
             <p:spPr>
               <a:xfrm>
-                <a:off x="1097280" y="2071716"/>
-                <a:ext cx="10058400" cy="3736902"/>
+                <a:off x="1097280" y="2071715"/>
+                <a:ext cx="10058400" cy="4329085"/>
               </a:xfrm>
               <a:blipFill>
                 <a:blip r:embed="rId3"/>
                 <a:stretch>
-                  <a:fillRect t="-1794" r="-788"/>
+                  <a:fillRect t="-2817" r="-606"/>
                 </a:stretch>
               </a:blipFill>
             </p:spPr>
@@ -13575,6 +13661,46 @@
           </p:sp>
         </mc:Fallback>
       </mc:AlternateContent>
+      <p:sp>
+        <p:nvSpPr>
+          <p:cNvPr id="4" name="Flecha abajo 3"/>
+          <p:cNvSpPr/>
+          <p:nvPr/>
+        </p:nvSpPr>
+        <p:spPr>
+          <a:xfrm>
+            <a:off x="5970494" y="3240741"/>
+            <a:ext cx="363071" cy="497541"/>
+          </a:xfrm>
+          <a:prstGeom prst="downArrow">
+            <a:avLst/>
+          </a:prstGeom>
+        </p:spPr>
+        <p:style>
+          <a:lnRef idx="2">
+            <a:schemeClr val="accent1">
+              <a:shade val="50000"/>
+            </a:schemeClr>
+          </a:lnRef>
+          <a:fillRef idx="1">
+            <a:schemeClr val="accent1"/>
+          </a:fillRef>
+          <a:effectRef idx="0">
+            <a:schemeClr val="accent1"/>
+          </a:effectRef>
+          <a:fontRef idx="minor">
+            <a:schemeClr val="lt1"/>
+          </a:fontRef>
+        </p:style>
+        <p:txBody>
+          <a:bodyPr rtlCol="0" anchor="ctr"/>
+          <a:lstStyle/>
+          <a:p>
+            <a:pPr algn="ctr"/>
+            <a:endParaRPr lang="en-US"/>
+          </a:p>
+        </p:txBody>
+      </p:sp>
     </p:spTree>
     <p:extLst>
       <p:ext uri="{BB962C8B-B14F-4D97-AF65-F5344CB8AC3E}">
@@ -13621,7 +13747,7 @@
                                         <p:tgtEl>
                                           <p:spTgt spid="3">
                                             <p:txEl>
-                                              <p:pRg st="2" end="2"/>
+                                              <p:pRg st="0" end="0"/>
                                             </p:txEl>
                                           </p:spTgt>
                                         </p:tgtEl>
@@ -13670,7 +13796,212 @@
                                         <p:tgtEl>
                                           <p:spTgt spid="3">
                                             <p:txEl>
-                                              <p:pRg st="3" end="3"/>
+                                              <p:pRg st="2" end="2"/>
+                                            </p:txEl>
+                                          </p:spTgt>
+                                        </p:tgtEl>
+                                        <p:attrNameLst>
+                                          <p:attrName>style.visibility</p:attrName>
+                                        </p:attrNameLst>
+                                      </p:cBhvr>
+                                      <p:to>
+                                        <p:strVal val="visible"/>
+                                      </p:to>
+                                    </p:set>
+                                  </p:childTnLst>
+                                </p:cTn>
+                              </p:par>
+                            </p:childTnLst>
+                          </p:cTn>
+                        </p:par>
+                      </p:childTnLst>
+                    </p:cTn>
+                  </p:par>
+                  <p:par>
+                    <p:cTn id="11" fill="hold">
+                      <p:stCondLst>
+                        <p:cond delay="indefinite"/>
+                      </p:stCondLst>
+                      <p:childTnLst>
+                        <p:par>
+                          <p:cTn id="12" fill="hold">
+                            <p:stCondLst>
+                              <p:cond delay="0"/>
+                            </p:stCondLst>
+                            <p:childTnLst>
+                              <p:par>
+                                <p:cTn id="13" presetID="1" presetClass="entr" presetSubtype="0" fill="hold" grpId="0" nodeType="clickEffect">
+                                  <p:stCondLst>
+                                    <p:cond delay="0"/>
+                                  </p:stCondLst>
+                                  <p:childTnLst>
+                                    <p:set>
+                                      <p:cBhvr>
+                                        <p:cTn id="14" dur="1" fill="hold">
+                                          <p:stCondLst>
+                                            <p:cond delay="0"/>
+                                          </p:stCondLst>
+                                        </p:cTn>
+                                        <p:tgtEl>
+                                          <p:spTgt spid="4"/>
+                                        </p:tgtEl>
+                                        <p:attrNameLst>
+                                          <p:attrName>style.visibility</p:attrName>
+                                        </p:attrNameLst>
+                                      </p:cBhvr>
+                                      <p:to>
+                                        <p:strVal val="visible"/>
+                                      </p:to>
+                                    </p:set>
+                                  </p:childTnLst>
+                                </p:cTn>
+                              </p:par>
+                            </p:childTnLst>
+                          </p:cTn>
+                        </p:par>
+                      </p:childTnLst>
+                    </p:cTn>
+                  </p:par>
+                  <p:par>
+                    <p:cTn id="15" fill="hold">
+                      <p:stCondLst>
+                        <p:cond delay="indefinite"/>
+                      </p:stCondLst>
+                      <p:childTnLst>
+                        <p:par>
+                          <p:cTn id="16" fill="hold">
+                            <p:stCondLst>
+                              <p:cond delay="0"/>
+                            </p:stCondLst>
+                            <p:childTnLst>
+                              <p:par>
+                                <p:cTn id="17" presetID="1" presetClass="entr" presetSubtype="0" fill="hold" nodeType="clickEffect">
+                                  <p:stCondLst>
+                                    <p:cond delay="0"/>
+                                  </p:stCondLst>
+                                  <p:childTnLst>
+                                    <p:set>
+                                      <p:cBhvr>
+                                        <p:cTn id="18" dur="1" fill="hold">
+                                          <p:stCondLst>
+                                            <p:cond delay="0"/>
+                                          </p:stCondLst>
+                                        </p:cTn>
+                                        <p:tgtEl>
+                                          <p:spTgt spid="3">
+                                            <p:txEl>
+                                              <p:pRg st="5" end="5"/>
+                                            </p:txEl>
+                                          </p:spTgt>
+                                        </p:tgtEl>
+                                        <p:attrNameLst>
+                                          <p:attrName>style.visibility</p:attrName>
+                                        </p:attrNameLst>
+                                      </p:cBhvr>
+                                      <p:to>
+                                        <p:strVal val="visible"/>
+                                      </p:to>
+                                    </p:set>
+                                  </p:childTnLst>
+                                </p:cTn>
+                              </p:par>
+                              <p:par>
+                                <p:cTn id="19" presetID="1" presetClass="entr" presetSubtype="0" fill="hold" nodeType="withEffect">
+                                  <p:stCondLst>
+                                    <p:cond delay="0"/>
+                                  </p:stCondLst>
+                                  <p:childTnLst>
+                                    <p:set>
+                                      <p:cBhvr>
+                                        <p:cTn id="20" dur="1" fill="hold">
+                                          <p:stCondLst>
+                                            <p:cond delay="0"/>
+                                          </p:stCondLst>
+                                        </p:cTn>
+                                        <p:tgtEl>
+                                          <p:spTgt spid="3">
+                                            <p:txEl>
+                                              <p:pRg st="6" end="6"/>
+                                            </p:txEl>
+                                          </p:spTgt>
+                                        </p:tgtEl>
+                                        <p:attrNameLst>
+                                          <p:attrName>style.visibility</p:attrName>
+                                        </p:attrNameLst>
+                                      </p:cBhvr>
+                                      <p:to>
+                                        <p:strVal val="visible"/>
+                                      </p:to>
+                                    </p:set>
+                                  </p:childTnLst>
+                                </p:cTn>
+                              </p:par>
+                            </p:childTnLst>
+                          </p:cTn>
+                        </p:par>
+                      </p:childTnLst>
+                    </p:cTn>
+                  </p:par>
+                  <p:par>
+                    <p:cTn id="21" fill="hold">
+                      <p:stCondLst>
+                        <p:cond delay="indefinite"/>
+                      </p:stCondLst>
+                      <p:childTnLst>
+                        <p:par>
+                          <p:cTn id="22" fill="hold">
+                            <p:stCondLst>
+                              <p:cond delay="0"/>
+                            </p:stCondLst>
+                            <p:childTnLst>
+                              <p:par>
+                                <p:cTn id="23" presetID="1" presetClass="entr" presetSubtype="0" fill="hold" nodeType="clickEffect">
+                                  <p:stCondLst>
+                                    <p:cond delay="0"/>
+                                  </p:stCondLst>
+                                  <p:childTnLst>
+                                    <p:set>
+                                      <p:cBhvr>
+                                        <p:cTn id="24" dur="1" fill="hold">
+                                          <p:stCondLst>
+                                            <p:cond delay="0"/>
+                                          </p:stCondLst>
+                                        </p:cTn>
+                                        <p:tgtEl>
+                                          <p:spTgt spid="3">
+                                            <p:txEl>
+                                              <p:pRg st="7" end="7"/>
+                                            </p:txEl>
+                                          </p:spTgt>
+                                        </p:tgtEl>
+                                        <p:attrNameLst>
+                                          <p:attrName>style.visibility</p:attrName>
+                                        </p:attrNameLst>
+                                      </p:cBhvr>
+                                      <p:to>
+                                        <p:strVal val="visible"/>
+                                      </p:to>
+                                    </p:set>
+                                  </p:childTnLst>
+                                </p:cTn>
+                              </p:par>
+                              <p:par>
+                                <p:cTn id="25" presetID="1" presetClass="entr" presetSubtype="0" fill="hold" nodeType="withEffect">
+                                  <p:stCondLst>
+                                    <p:cond delay="0"/>
+                                  </p:stCondLst>
+                                  <p:childTnLst>
+                                    <p:set>
+                                      <p:cBhvr>
+                                        <p:cTn id="26" dur="1" fill="hold">
+                                          <p:stCondLst>
+                                            <p:cond delay="0"/>
+                                          </p:stCondLst>
+                                        </p:cTn>
+                                        <p:tgtEl>
+                                          <p:spTgt spid="3">
+                                            <p:txEl>
+                                              <p:pRg st="8" end="8"/>
                                             </p:txEl>
                                           </p:spTgt>
                                         </p:tgtEl>
@@ -13712,6 +14043,9 @@
         </p:cTn>
       </p:par>
     </p:tnLst>
+    <p:bldLst>
+      <p:bldP spid="4" grpId="0" animBg="1"/>
+    </p:bldLst>
   </p:timing>
 </p:sld>
 </file>
@@ -18083,6 +18417,14 @@
 </file>
 
 <file path=customXml/item1.xml><?xml version="1.0" encoding="utf-8"?>
+<p:properties xmlns:p="http://schemas.microsoft.com/office/2006/metadata/properties" xmlns:xsi="http://www.w3.org/2001/XMLSchema-instance" xmlns:pc="http://schemas.microsoft.com/office/infopath/2007/PartnerControls">
+  <documentManagement>
+    <MediaServiceKeyPoints xmlns="71af3243-3dd4-4a8d-8c0d-dd76da1f02a5" xsi:nil="true"/>
+  </documentManagement>
+</p:properties>
+</file>
+
+<file path=customXml/item2.xml><?xml version="1.0" encoding="utf-8"?>
 <ct:contentTypeSchema xmlns:ct="http://schemas.microsoft.com/office/2006/metadata/contentType" xmlns:ma="http://schemas.microsoft.com/office/2006/metadata/properties/metaAttributes" ct:_="" ma:_="" ma:contentTypeName="Document" ma:contentTypeID="0x01010079F111ED35F8CC479449609E8A0923A6" ma:contentTypeVersion="11" ma:contentTypeDescription="Create a new document." ma:contentTypeScope="" ma:versionID="9677210f24a1be23c92c90fd886aa0aa">
   <xsd:schema xmlns:xsd="http://www.w3.org/2001/XMLSchema" xmlns:xs="http://www.w3.org/2001/XMLSchema" xmlns:p="http://schemas.microsoft.com/office/2006/metadata/properties" xmlns:ns2="71af3243-3dd4-4a8d-8c0d-dd76da1f02a5" xmlns:ns3="16c05727-aa75-4e4a-9b5f-8a80a1165891" targetNamespace="http://schemas.microsoft.com/office/2006/metadata/properties" ma:root="true" ma:fieldsID="60e05723c5c1908df1a1a4ebf11d344e" ns2:_="" ns3:_="">
     <xsd:import namespace="71af3243-3dd4-4a8d-8c0d-dd76da1f02a5"/>
@@ -18293,14 +18635,6 @@
 </ct:contentTypeSchema>
 </file>
 
-<file path=customXml/item2.xml><?xml version="1.0" encoding="utf-8"?>
-<p:properties xmlns:p="http://schemas.microsoft.com/office/2006/metadata/properties" xmlns:xsi="http://www.w3.org/2001/XMLSchema-instance" xmlns:pc="http://schemas.microsoft.com/office/infopath/2007/PartnerControls">
-  <documentManagement>
-    <MediaServiceKeyPoints xmlns="71af3243-3dd4-4a8d-8c0d-dd76da1f02a5" xsi:nil="true"/>
-  </documentManagement>
-</p:properties>
-</file>
-
 <file path=customXml/item3.xml><?xml version="1.0" encoding="utf-8"?>
 <?mso-contentType ?>
 <FormTemplates xmlns="http://schemas.microsoft.com/sharepoint/v3/contenttype/forms">
@@ -18311,6 +18645,23 @@
 </file>
 
 <file path=customXml/itemProps1.xml><?xml version="1.0" encoding="utf-8"?>
+<ds:datastoreItem xmlns:ds="http://schemas.openxmlformats.org/officeDocument/2006/customXml" ds:itemID="{079290C9-6505-4B77-B628-A44276CB9D85}">
+  <ds:schemaRefs>
+    <ds:schemaRef ds:uri="http://purl.org/dc/elements/1.1/"/>
+    <ds:schemaRef ds:uri="http://purl.org/dc/terms/"/>
+    <ds:schemaRef ds:uri="http://www.w3.org/XML/1998/namespace"/>
+    <ds:schemaRef ds:uri="http://schemas.microsoft.com/office/2006/metadata/properties"/>
+    <ds:schemaRef ds:uri="http://schemas.microsoft.com/office/infopath/2007/PartnerControls"/>
+    <ds:schemaRef ds:uri="71af3243-3dd4-4a8d-8c0d-dd76da1f02a5"/>
+    <ds:schemaRef ds:uri="http://purl.org/dc/dcmitype/"/>
+    <ds:schemaRef ds:uri="http://schemas.microsoft.com/office/2006/documentManagement/types"/>
+    <ds:schemaRef ds:uri="http://schemas.openxmlformats.org/package/2006/metadata/core-properties"/>
+    <ds:schemaRef ds:uri="16c05727-aa75-4e4a-9b5f-8a80a1165891"/>
+  </ds:schemaRefs>
+</ds:datastoreItem>
+</file>
+
+<file path=customXml/itemProps2.xml><?xml version="1.0" encoding="utf-8"?>
 <ds:datastoreItem xmlns:ds="http://schemas.openxmlformats.org/officeDocument/2006/customXml" ds:itemID="{47B8899B-5794-42FB-9137-8220A73767FB}">
   <ds:schemaRefs>
     <ds:schemaRef ds:uri="http://schemas.microsoft.com/office/2006/metadata/contentType"/>
@@ -18329,23 +18680,6 @@
 </ds:datastoreItem>
 </file>
 
-<file path=customXml/itemProps2.xml><?xml version="1.0" encoding="utf-8"?>
-<ds:datastoreItem xmlns:ds="http://schemas.openxmlformats.org/officeDocument/2006/customXml" ds:itemID="{079290C9-6505-4B77-B628-A44276CB9D85}">
-  <ds:schemaRefs>
-    <ds:schemaRef ds:uri="http://purl.org/dc/elements/1.1/"/>
-    <ds:schemaRef ds:uri="http://purl.org/dc/terms/"/>
-    <ds:schemaRef ds:uri="http://www.w3.org/XML/1998/namespace"/>
-    <ds:schemaRef ds:uri="http://schemas.microsoft.com/office/2006/metadata/properties"/>
-    <ds:schemaRef ds:uri="http://schemas.microsoft.com/office/infopath/2007/PartnerControls"/>
-    <ds:schemaRef ds:uri="71af3243-3dd4-4a8d-8c0d-dd76da1f02a5"/>
-    <ds:schemaRef ds:uri="http://purl.org/dc/dcmitype/"/>
-    <ds:schemaRef ds:uri="http://schemas.microsoft.com/office/2006/documentManagement/types"/>
-    <ds:schemaRef ds:uri="http://schemas.openxmlformats.org/package/2006/metadata/core-properties"/>
-    <ds:schemaRef ds:uri="16c05727-aa75-4e4a-9b5f-8a80a1165891"/>
-  </ds:schemaRefs>
-</ds:datastoreItem>
-</file>
-
 <file path=customXml/itemProps3.xml><?xml version="1.0" encoding="utf-8"?>
 <ds:datastoreItem xmlns:ds="http://schemas.openxmlformats.org/officeDocument/2006/customXml" ds:itemID="{5728C3E1-D10B-4426-B05E-8E1CAFF03C24}">
   <ds:schemaRefs>

--- a/TeoriaDeModelos/Teoría.pptx
+++ b/TeoriaDeModelos/Teoría.pptx
@@ -13039,8 +13039,8 @@
           </a:p>
         </p:txBody>
       </p:sp>
-      <mc:AlternateContent xmlns:mc="http://schemas.openxmlformats.org/markup-compatibility/2006">
-        <mc:Choice xmlns:a14="http://schemas.microsoft.com/office/drawing/2010/main" Requires="a14">
+      <mc:AlternateContent xmlns:mc="http://schemas.openxmlformats.org/markup-compatibility/2006" xmlns:a14="http://schemas.microsoft.com/office/drawing/2010/main">
+        <mc:Choice Requires="a14">
           <p:sp>
             <p:nvSpPr>
               <p:cNvPr id="3" name="Marcador de contenido 2"/>
@@ -13071,46 +13071,64 @@
                     <m:sSub>
                       <m:sSubPr>
                         <m:ctrlPr>
-                          <a:rPr lang="en-US" sz="3200"/>
+                          <a:rPr lang="en-US" sz="3200" i="1">
+                            <a:latin typeface="Cambria Math" panose="02040503050406030204" pitchFamily="18" charset="0"/>
+                          </a:rPr>
                         </m:ctrlPr>
                       </m:sSubPr>
                       <m:e>
                         <m:r>
-                          <a:rPr lang="es-AR" sz="3200"/>
+                          <a:rPr lang="es-AR" sz="3200">
+                            <a:latin typeface="Cambria Math" panose="02040503050406030204" pitchFamily="18" charset="0"/>
+                          </a:rPr>
                           <m:t>𝑥</m:t>
                         </m:r>
                       </m:e>
                       <m:sub>
                         <m:r>
-                          <a:rPr lang="es-AR" sz="3200"/>
+                          <a:rPr lang="es-AR" sz="3200">
+                            <a:latin typeface="Cambria Math" panose="02040503050406030204" pitchFamily="18" charset="0"/>
+                          </a:rPr>
                           <m:t>𝑝</m:t>
                         </m:r>
                       </m:sub>
                     </m:sSub>
                     <m:r>
-                      <a:rPr lang="es-AR" sz="3200"/>
+                      <a:rPr lang="es-AR" sz="3200">
+                        <a:latin typeface="Cambria Math" panose="02040503050406030204" pitchFamily="18" charset="0"/>
+                      </a:rPr>
                       <m:t>=</m:t>
                     </m:r>
                     <m:r>
-                      <a:rPr lang="es-AR" sz="3200"/>
+                      <a:rPr lang="es-AR" sz="3200">
+                        <a:latin typeface="Cambria Math" panose="02040503050406030204" pitchFamily="18" charset="0"/>
+                      </a:rPr>
                       <m:t>𝜇</m:t>
                     </m:r>
                     <m:r>
-                      <a:rPr lang="es-AR" sz="3200"/>
+                      <a:rPr lang="es-AR" sz="3200">
+                        <a:latin typeface="Cambria Math" panose="02040503050406030204" pitchFamily="18" charset="0"/>
+                      </a:rPr>
                       <m:t>−</m:t>
                     </m:r>
                     <m:r>
-                      <a:rPr lang="es-AR" sz="3200"/>
+                      <a:rPr lang="es-AR" sz="3200">
+                        <a:latin typeface="Cambria Math" panose="02040503050406030204" pitchFamily="18" charset="0"/>
+                      </a:rPr>
                       <m:t>𝜎</m:t>
                     </m:r>
                     <m:r>
-                      <a:rPr lang="es-AR" sz="3200"/>
+                      <a:rPr lang="es-AR" sz="3200">
+                        <a:latin typeface="Cambria Math" panose="02040503050406030204" pitchFamily="18" charset="0"/>
+                      </a:rPr>
                       <m:t> </m:t>
                     </m:r>
                     <m:func>
                       <m:funcPr>
                         <m:ctrlPr>
-                          <a:rPr lang="en-US" sz="3200"/>
+                          <a:rPr lang="en-US" sz="3200" i="1">
+                            <a:latin typeface="Cambria Math" panose="02040503050406030204" pitchFamily="18" charset="0"/>
+                          </a:rPr>
                         </m:ctrlPr>
                       </m:funcPr>
                       <m:fName>
@@ -13118,7 +13136,9 @@
                           <m:rPr>
                             <m:sty m:val="p"/>
                           </m:rPr>
-                          <a:rPr lang="es-AR" sz="3200"/>
+                          <a:rPr lang="es-AR" sz="3200">
+                            <a:latin typeface="Cambria Math" panose="02040503050406030204" pitchFamily="18" charset="0"/>
+                          </a:rPr>
                           <m:t>log</m:t>
                         </m:r>
                       </m:fName>
@@ -13126,18 +13146,24 @@
                         <m:d>
                           <m:dPr>
                             <m:ctrlPr>
-                              <a:rPr lang="en-US" sz="3200"/>
+                              <a:rPr lang="en-US" sz="3200" i="1">
+                                <a:latin typeface="Cambria Math" panose="02040503050406030204" pitchFamily="18" charset="0"/>
+                              </a:rPr>
                             </m:ctrlPr>
                           </m:dPr>
                           <m:e>
                             <m:r>
-                              <a:rPr lang="es-AR" sz="3200"/>
+                              <a:rPr lang="es-AR" sz="3200">
+                                <a:latin typeface="Cambria Math" panose="02040503050406030204" pitchFamily="18" charset="0"/>
+                              </a:rPr>
                               <m:t>−</m:t>
                             </m:r>
                             <m:func>
                               <m:funcPr>
                                 <m:ctrlPr>
-                                  <a:rPr lang="en-US" sz="3200"/>
+                                  <a:rPr lang="en-US" sz="3200" i="1">
+                                    <a:latin typeface="Cambria Math" panose="02040503050406030204" pitchFamily="18" charset="0"/>
+                                  </a:rPr>
                                 </m:ctrlPr>
                               </m:funcPr>
                               <m:fName>
@@ -13145,7 +13171,9 @@
                                   <m:rPr>
                                     <m:sty m:val="p"/>
                                   </m:rPr>
-                                  <a:rPr lang="es-AR" sz="3200"/>
+                                  <a:rPr lang="es-AR" sz="3200">
+                                    <a:latin typeface="Cambria Math" panose="02040503050406030204" pitchFamily="18" charset="0"/>
+                                  </a:rPr>
                                   <m:t>log</m:t>
                                 </m:r>
                               </m:fName>
@@ -13153,16 +13181,22 @@
                                 <m:d>
                                   <m:dPr>
                                     <m:ctrlPr>
-                                      <a:rPr lang="en-US" sz="3200"/>
+                                      <a:rPr lang="en-US" sz="3200" i="1">
+                                        <a:latin typeface="Cambria Math" panose="02040503050406030204" pitchFamily="18" charset="0"/>
+                                      </a:rPr>
                                     </m:ctrlPr>
                                   </m:dPr>
                                   <m:e>
                                     <m:r>
-                                      <a:rPr lang="es-AR" sz="3200"/>
+                                      <a:rPr lang="es-AR" sz="3200">
+                                        <a:latin typeface="Cambria Math" panose="02040503050406030204" pitchFamily="18" charset="0"/>
+                                      </a:rPr>
                                       <m:t>1−</m:t>
                                     </m:r>
                                     <m:r>
-                                      <a:rPr lang="es-AR" sz="3200"/>
+                                      <a:rPr lang="es-AR" sz="3200">
+                                        <a:latin typeface="Cambria Math" panose="02040503050406030204" pitchFamily="18" charset="0"/>
+                                      </a:rPr>
                                       <m:t>𝑝</m:t>
                                     </m:r>
                                   </m:e>
@@ -13203,7 +13237,6 @@
                   <a:rPr lang="en-US" sz="3200" dirty="0"/>
                   <a:t> de Gumbel</a:t>
                 </a:r>
-                <a:endParaRPr lang="en-US" sz="3200" dirty="0"/>
               </a:p>
               <a:p>
                 <a:pPr marL="0" indent="0" algn="ctr">
@@ -13222,13 +13255,17 @@
                     </m:oMathParaPr>
                     <m:oMath xmlns:m="http://schemas.openxmlformats.org/officeDocument/2006/math">
                       <m:r>
-                        <a:rPr lang="es-AR" sz="3200"/>
+                        <a:rPr lang="es-AR" sz="3200">
+                          <a:latin typeface="Cambria Math" panose="02040503050406030204" pitchFamily="18" charset="0"/>
+                        </a:rPr>
                         <m:t>𝑉𝑎𝑟</m:t>
                       </m:r>
                       <m:d>
                         <m:dPr>
                           <m:ctrlPr>
-                            <a:rPr lang="en-US" sz="3200"/>
+                            <a:rPr lang="en-US" sz="3200" i="1">
+                              <a:latin typeface="Cambria Math" panose="02040503050406030204" pitchFamily="18" charset="0"/>
+                            </a:rPr>
                           </m:ctrlPr>
                         </m:dPr>
                         <m:e>
@@ -13236,25 +13273,33 @@
                             <m:accPr>
                               <m:chr m:val="̂"/>
                               <m:ctrlPr>
-                                <a:rPr lang="en-US" sz="3200"/>
+                                <a:rPr lang="en-US" sz="3200" i="1">
+                                  <a:latin typeface="Cambria Math" panose="02040503050406030204" pitchFamily="18" charset="0"/>
+                                </a:rPr>
                               </m:ctrlPr>
                             </m:accPr>
                             <m:e>
                               <m:sSub>
                                 <m:sSubPr>
                                   <m:ctrlPr>
-                                    <a:rPr lang="en-US" sz="3200"/>
+                                    <a:rPr lang="en-US" sz="3200" i="1">
+                                      <a:latin typeface="Cambria Math" panose="02040503050406030204" pitchFamily="18" charset="0"/>
+                                    </a:rPr>
                                   </m:ctrlPr>
                                 </m:sSubPr>
                                 <m:e>
                                   <m:r>
-                                    <a:rPr lang="es-AR" sz="3200"/>
+                                    <a:rPr lang="es-AR" sz="3200">
+                                      <a:latin typeface="Cambria Math" panose="02040503050406030204" pitchFamily="18" charset="0"/>
+                                    </a:rPr>
                                     <m:t>𝑥</m:t>
                                   </m:r>
                                 </m:e>
                                 <m:sub>
                                   <m:r>
-                                    <a:rPr lang="es-AR" sz="3200"/>
+                                    <a:rPr lang="es-AR" sz="3200">
+                                      <a:latin typeface="Cambria Math" panose="02040503050406030204" pitchFamily="18" charset="0"/>
+                                    </a:rPr>
                                     <m:t>𝑝</m:t>
                                   </m:r>
                                 </m:sub>
@@ -13264,69 +13309,95 @@
                         </m:e>
                       </m:d>
                       <m:r>
-                        <a:rPr lang="es-AR" sz="3200"/>
+                        <a:rPr lang="es-AR" sz="3200">
+                          <a:latin typeface="Cambria Math" panose="02040503050406030204" pitchFamily="18" charset="0"/>
+                        </a:rPr>
                         <m:t>≈</m:t>
                       </m:r>
                       <m:r>
-                        <a:rPr lang="es-AR" sz="3200"/>
+                        <a:rPr lang="es-AR" sz="3200">
+                          <a:latin typeface="Cambria Math" panose="02040503050406030204" pitchFamily="18" charset="0"/>
+                        </a:rPr>
                         <m:t>𝛻</m:t>
                       </m:r>
                       <m:sSubSup>
                         <m:sSubSupPr>
                           <m:ctrlPr>
-                            <a:rPr lang="en-US" sz="3200"/>
+                            <a:rPr lang="en-US" sz="3200" i="1">
+                              <a:latin typeface="Cambria Math" panose="02040503050406030204" pitchFamily="18" charset="0"/>
+                            </a:rPr>
                           </m:ctrlPr>
                         </m:sSubSupPr>
                         <m:e>
                           <m:r>
-                            <a:rPr lang="es-AR" sz="3200"/>
+                            <a:rPr lang="es-AR" sz="3200">
+                              <a:latin typeface="Cambria Math" panose="02040503050406030204" pitchFamily="18" charset="0"/>
+                            </a:rPr>
                             <m:t>𝑥</m:t>
                           </m:r>
                         </m:e>
                         <m:sub>
                           <m:r>
-                            <a:rPr lang="es-AR" sz="3200"/>
+                            <a:rPr lang="es-AR" sz="3200">
+                              <a:latin typeface="Cambria Math" panose="02040503050406030204" pitchFamily="18" charset="0"/>
+                            </a:rPr>
                             <m:t>𝑝</m:t>
                           </m:r>
                         </m:sub>
                         <m:sup>
                           <m:r>
-                            <a:rPr lang="es-AR" sz="3200"/>
+                            <a:rPr lang="es-AR" sz="3200">
+                              <a:latin typeface="Cambria Math" panose="02040503050406030204" pitchFamily="18" charset="0"/>
+                            </a:rPr>
                             <m:t>𝑇</m:t>
                           </m:r>
                         </m:sup>
                       </m:sSubSup>
                       <m:r>
-                        <a:rPr lang="es-AR" sz="3200"/>
+                        <a:rPr lang="es-AR" sz="3200">
+                          <a:latin typeface="Cambria Math" panose="02040503050406030204" pitchFamily="18" charset="0"/>
+                        </a:rPr>
                         <m:t> </m:t>
                       </m:r>
                       <m:r>
-                        <a:rPr lang="es-AR" sz="3200"/>
+                        <a:rPr lang="es-AR" sz="3200">
+                          <a:latin typeface="Cambria Math" panose="02040503050406030204" pitchFamily="18" charset="0"/>
+                        </a:rPr>
                         <m:t>𝑉</m:t>
                       </m:r>
                       <m:r>
-                        <a:rPr lang="es-AR" sz="3200"/>
+                        <a:rPr lang="es-AR" sz="3200">
+                          <a:latin typeface="Cambria Math" panose="02040503050406030204" pitchFamily="18" charset="0"/>
+                        </a:rPr>
                         <m:t> </m:t>
                       </m:r>
                       <m:r>
-                        <a:rPr lang="es-AR" sz="3200"/>
+                        <a:rPr lang="es-AR" sz="3200">
+                          <a:latin typeface="Cambria Math" panose="02040503050406030204" pitchFamily="18" charset="0"/>
+                        </a:rPr>
                         <m:t>𝛻</m:t>
                       </m:r>
                       <m:sSub>
                         <m:sSubPr>
                           <m:ctrlPr>
-                            <a:rPr lang="en-US" sz="3200"/>
+                            <a:rPr lang="en-US" sz="3200" i="1">
+                              <a:latin typeface="Cambria Math" panose="02040503050406030204" pitchFamily="18" charset="0"/>
+                            </a:rPr>
                           </m:ctrlPr>
                         </m:sSubPr>
                         <m:e>
                           <m:r>
-                            <a:rPr lang="es-AR" sz="3200"/>
+                            <a:rPr lang="es-AR" sz="3200">
+                              <a:latin typeface="Cambria Math" panose="02040503050406030204" pitchFamily="18" charset="0"/>
+                            </a:rPr>
                             <m:t>𝑥</m:t>
                           </m:r>
                         </m:e>
                         <m:sub>
                           <m:r>
-                            <a:rPr lang="es-AR" sz="3200"/>
+                            <a:rPr lang="es-AR" sz="3200">
+                              <a:latin typeface="Cambria Math" panose="02040503050406030204" pitchFamily="18" charset="0"/>
+                            </a:rPr>
                             <m:t>𝑝</m:t>
                           </m:r>
                         </m:sub>
@@ -13359,59 +13430,87 @@
                     </m:oMathParaPr>
                     <m:oMath xmlns:m="http://schemas.openxmlformats.org/officeDocument/2006/math">
                       <m:r>
-                        <a:rPr lang="es-AR" sz="3200"/>
+                        <a:rPr lang="es-AR" sz="3200">
+                          <a:latin typeface="Cambria Math" panose="02040503050406030204" pitchFamily="18" charset="0"/>
+                        </a:rPr>
                         <m:t>𝐼𝐶</m:t>
                       </m:r>
                       <m:r>
-                        <a:rPr lang="es-AR" sz="3200"/>
+                        <a:rPr lang="es-AR" sz="3200">
+                          <a:latin typeface="Cambria Math" panose="02040503050406030204" pitchFamily="18" charset="0"/>
+                        </a:rPr>
                         <m:t>:[</m:t>
                       </m:r>
                       <m:r>
-                        <a:rPr lang="es-AR" sz="3200"/>
+                        <a:rPr lang="es-AR" sz="3200">
+                          <a:latin typeface="Cambria Math" panose="02040503050406030204" pitchFamily="18" charset="0"/>
+                        </a:rPr>
                         <m:t>𝑣𝑎𝑙𝑜𝑟</m:t>
                       </m:r>
                       <m:r>
-                        <a:rPr lang="es-AR" sz="3200"/>
+                        <a:rPr lang="es-AR" sz="3200">
+                          <a:latin typeface="Cambria Math" panose="02040503050406030204" pitchFamily="18" charset="0"/>
+                        </a:rPr>
                         <m:t> </m:t>
                       </m:r>
                       <m:r>
-                        <a:rPr lang="es-AR" sz="3200"/>
+                        <a:rPr lang="es-AR" sz="3200">
+                          <a:latin typeface="Cambria Math" panose="02040503050406030204" pitchFamily="18" charset="0"/>
+                        </a:rPr>
                         <m:t>𝑝𝑢𝑛𝑡𝑢𝑎𝑙</m:t>
                       </m:r>
                       <m:r>
-                        <a:rPr lang="es-AR" sz="3200"/>
+                        <a:rPr lang="es-AR" sz="3200">
+                          <a:latin typeface="Cambria Math" panose="02040503050406030204" pitchFamily="18" charset="0"/>
+                        </a:rPr>
                         <m:t> </m:t>
                       </m:r>
                       <m:r>
-                        <a:rPr lang="es-AR" sz="3200"/>
+                        <a:rPr lang="es-AR" sz="3200">
+                          <a:latin typeface="Cambria Math" panose="02040503050406030204" pitchFamily="18" charset="0"/>
+                        </a:rPr>
                         <m:t>𝑒𝑠𝑡𝑖𝑚𝑎𝑑𝑜</m:t>
                       </m:r>
                       <m:r>
-                        <a:rPr lang="es-AR" sz="3200"/>
+                        <a:rPr lang="es-AR" sz="3200">
+                          <a:latin typeface="Cambria Math" panose="02040503050406030204" pitchFamily="18" charset="0"/>
+                        </a:rPr>
                         <m:t>−∆, </m:t>
                       </m:r>
                       <m:r>
-                        <a:rPr lang="es-AR" sz="3200"/>
+                        <a:rPr lang="es-AR" sz="3200">
+                          <a:latin typeface="Cambria Math" panose="02040503050406030204" pitchFamily="18" charset="0"/>
+                        </a:rPr>
                         <m:t>𝑣𝑎𝑙𝑜𝑟</m:t>
                       </m:r>
                       <m:r>
-                        <a:rPr lang="es-AR" sz="3200"/>
+                        <a:rPr lang="es-AR" sz="3200">
+                          <a:latin typeface="Cambria Math" panose="02040503050406030204" pitchFamily="18" charset="0"/>
+                        </a:rPr>
                         <m:t> </m:t>
                       </m:r>
                       <m:r>
-                        <a:rPr lang="es-AR" sz="3200"/>
+                        <a:rPr lang="es-AR" sz="3200">
+                          <a:latin typeface="Cambria Math" panose="02040503050406030204" pitchFamily="18" charset="0"/>
+                        </a:rPr>
                         <m:t>𝑝𝑢𝑛𝑡𝑢𝑎𝑙</m:t>
                       </m:r>
                       <m:r>
-                        <a:rPr lang="es-AR" sz="3200"/>
+                        <a:rPr lang="es-AR" sz="3200">
+                          <a:latin typeface="Cambria Math" panose="02040503050406030204" pitchFamily="18" charset="0"/>
+                        </a:rPr>
                         <m:t> </m:t>
                       </m:r>
                       <m:r>
-                        <a:rPr lang="es-AR" sz="3200"/>
+                        <a:rPr lang="es-AR" sz="3200">
+                          <a:latin typeface="Cambria Math" panose="02040503050406030204" pitchFamily="18" charset="0"/>
+                        </a:rPr>
                         <m:t>𝑒𝑠𝑡𝑖𝑚𝑎𝑑𝑜</m:t>
                       </m:r>
                       <m:r>
-                        <a:rPr lang="es-AR" sz="3200"/>
+                        <a:rPr lang="es-AR" sz="3200">
+                          <a:latin typeface="Cambria Math" panose="02040503050406030204" pitchFamily="18" charset="0"/>
+                        </a:rPr>
                         <m:t>+ ∆]</m:t>
                       </m:r>
                     </m:oMath>
@@ -13430,46 +13529,64 @@
                     </m:oMathParaPr>
                     <m:oMath xmlns:m="http://schemas.openxmlformats.org/officeDocument/2006/math">
                       <m:r>
-                        <a:rPr lang="es-AR" sz="3200"/>
+                        <a:rPr lang="es-AR" sz="3200">
+                          <a:latin typeface="Cambria Math" panose="02040503050406030204" pitchFamily="18" charset="0"/>
+                        </a:rPr>
                         <m:t>∆ = </m:t>
                       </m:r>
                       <m:sSub>
                         <m:sSubPr>
                           <m:ctrlPr>
-                            <a:rPr lang="en-US" sz="3200"/>
+                            <a:rPr lang="en-US" sz="3200" i="1">
+                              <a:latin typeface="Cambria Math" panose="02040503050406030204" pitchFamily="18" charset="0"/>
+                            </a:rPr>
                           </m:ctrlPr>
                         </m:sSubPr>
                         <m:e>
                           <m:r>
-                            <a:rPr lang="es-AR" sz="3200"/>
+                            <a:rPr lang="es-AR" sz="3200">
+                              <a:latin typeface="Cambria Math" panose="02040503050406030204" pitchFamily="18" charset="0"/>
+                            </a:rPr>
                             <m:t>𝑠</m:t>
                           </m:r>
                         </m:e>
                         <m:sub>
                           <m:r>
-                            <a:rPr lang="es-AR" sz="3200"/>
+                            <a:rPr lang="es-AR" sz="3200">
+                              <a:latin typeface="Cambria Math" panose="02040503050406030204" pitchFamily="18" charset="0"/>
+                            </a:rPr>
                             <m:t>𝑝</m:t>
                           </m:r>
                         </m:sub>
                       </m:sSub>
                       <m:r>
-                        <a:rPr lang="es-AR" sz="3200"/>
+                        <a:rPr lang="es-AR" sz="3200">
+                          <a:latin typeface="Cambria Math" panose="02040503050406030204" pitchFamily="18" charset="0"/>
+                        </a:rPr>
                         <m:t>  </m:t>
                       </m:r>
                       <m:r>
-                        <a:rPr lang="es-AR" sz="3200"/>
+                        <a:rPr lang="es-AR" sz="3200">
+                          <a:latin typeface="Cambria Math" panose="02040503050406030204" pitchFamily="18" charset="0"/>
+                        </a:rPr>
                         <m:t>𝑠𝑡𝑑𝑣</m:t>
                       </m:r>
                       <m:r>
-                        <a:rPr lang="es-AR" sz="3200"/>
+                        <a:rPr lang="es-AR" sz="3200">
+                          <a:latin typeface="Cambria Math" panose="02040503050406030204" pitchFamily="18" charset="0"/>
+                        </a:rPr>
                         <m:t>(</m:t>
                       </m:r>
                       <m:r>
-                        <a:rPr lang="es-AR" sz="3200"/>
+                        <a:rPr lang="es-AR" sz="3200">
+                          <a:latin typeface="Cambria Math" panose="02040503050406030204" pitchFamily="18" charset="0"/>
+                        </a:rPr>
                         <m:t>𝑒𝑠𝑡𝑖𝑚𝑎𝑑𝑜𝑟</m:t>
                       </m:r>
                       <m:r>
-                        <a:rPr lang="es-AR" sz="3200"/>
+                        <a:rPr lang="es-AR" sz="3200">
+                          <a:latin typeface="Cambria Math" panose="02040503050406030204" pitchFamily="18" charset="0"/>
+                        </a:rPr>
                         <m:t>)</m:t>
                       </m:r>
                     </m:oMath>
@@ -13496,18 +13613,24 @@
                     <m:sSub>
                       <m:sSubPr>
                         <m:ctrlPr>
-                          <a:rPr lang="en-US" sz="3200"/>
+                          <a:rPr lang="en-US" sz="3200" i="1">
+                            <a:latin typeface="Cambria Math" panose="02040503050406030204" pitchFamily="18" charset="0"/>
+                          </a:rPr>
                         </m:ctrlPr>
                       </m:sSubPr>
                       <m:e>
                         <m:r>
-                          <a:rPr lang="es-AR" sz="3200"/>
+                          <a:rPr lang="es-AR" sz="3200">
+                            <a:latin typeface="Cambria Math" panose="02040503050406030204" pitchFamily="18" charset="0"/>
+                          </a:rPr>
                           <m:t>𝑥</m:t>
                         </m:r>
                       </m:e>
                       <m:sub>
                         <m:r>
-                          <a:rPr lang="es-AR" sz="3200"/>
+                          <a:rPr lang="es-AR" sz="3200">
+                            <a:latin typeface="Cambria Math" panose="02040503050406030204" pitchFamily="18" charset="0"/>
+                          </a:rPr>
                           <m:t>𝑚</m:t>
                         </m:r>
                       </m:sub>
@@ -13516,15 +13639,7 @@
                 </a14:m>
                 <a:r>
                   <a:rPr lang="es-ES" sz="3200" dirty="0"/>
-                  <a:t> en </a:t>
-                </a:r>
-                <a:r>
-                  <a:rPr lang="es-ES" sz="3200" dirty="0"/>
-                  <a:t>función </a:t>
-                </a:r>
-                <a:r>
-                  <a:rPr lang="es-ES" sz="3200" dirty="0"/>
-                  <a:t>de </a:t>
+                  <a:t> en función de </a:t>
                 </a:r>
                 <a14:m>
                   <m:oMath xmlns:m="http://schemas.openxmlformats.org/officeDocument/2006/math">
@@ -13532,34 +13647,46 @@
                       <m:rPr>
                         <m:sty m:val="p"/>
                       </m:rPr>
-                      <a:rPr lang="es-AR" sz="3200"/>
+                      <a:rPr lang="es-AR" sz="3200">
+                        <a:latin typeface="Cambria Math" panose="02040503050406030204" pitchFamily="18" charset="0"/>
+                      </a:rPr>
                       <m:t>log</m:t>
                     </m:r>
                     <m:r>
-                      <a:rPr lang="es-AR" sz="3200"/>
+                      <a:rPr lang="es-AR" sz="3200">
+                        <a:latin typeface="Cambria Math" panose="02040503050406030204" pitchFamily="18" charset="0"/>
+                      </a:rPr>
                       <m:t>(</m:t>
                     </m:r>
                     <m:sSub>
                       <m:sSubPr>
                         <m:ctrlPr>
-                          <a:rPr lang="en-US" sz="3200"/>
+                          <a:rPr lang="en-US" sz="3200" i="1">
+                            <a:latin typeface="Cambria Math" panose="02040503050406030204" pitchFamily="18" charset="0"/>
+                          </a:rPr>
                         </m:ctrlPr>
                       </m:sSubPr>
                       <m:e>
                         <m:r>
-                          <a:rPr lang="es-AR" sz="3200"/>
+                          <a:rPr lang="es-AR" sz="3200">
+                            <a:latin typeface="Cambria Math" panose="02040503050406030204" pitchFamily="18" charset="0"/>
+                          </a:rPr>
                           <m:t>𝑦</m:t>
                         </m:r>
                       </m:e>
                       <m:sub>
                         <m:r>
-                          <a:rPr lang="es-AR" sz="3200"/>
+                          <a:rPr lang="es-AR" sz="3200">
+                            <a:latin typeface="Cambria Math" panose="02040503050406030204" pitchFamily="18" charset="0"/>
+                          </a:rPr>
                           <m:t>𝑚</m:t>
                         </m:r>
                       </m:sub>
                     </m:sSub>
                     <m:r>
-                      <a:rPr lang="es-AR" sz="3200"/>
+                      <a:rPr lang="es-AR" sz="3200">
+                        <a:latin typeface="Cambria Math" panose="02040503050406030204" pitchFamily="18" charset="0"/>
+                      </a:rPr>
                       <m:t>)</m:t>
                     </m:r>
                   </m:oMath>
@@ -13623,7 +13750,7 @@
             </p:txBody>
           </p:sp>
         </mc:Choice>
-        <mc:Fallback>
+        <mc:Fallback xmlns="">
           <p:sp>
             <p:nvSpPr>
               <p:cNvPr id="3" name="Marcador de contenido 2"/>
@@ -13905,15 +14032,33 @@
                                   </p:childTnLst>
                                 </p:cTn>
                               </p:par>
+                            </p:childTnLst>
+                          </p:cTn>
+                        </p:par>
+                      </p:childTnLst>
+                    </p:cTn>
+                  </p:par>
+                  <p:par>
+                    <p:cTn id="19" fill="hold">
+                      <p:stCondLst>
+                        <p:cond delay="indefinite"/>
+                      </p:stCondLst>
+                      <p:childTnLst>
+                        <p:par>
+                          <p:cTn id="20" fill="hold">
+                            <p:stCondLst>
+                              <p:cond delay="0"/>
+                            </p:stCondLst>
+                            <p:childTnLst>
                               <p:par>
-                                <p:cTn id="19" presetID="1" presetClass="entr" presetSubtype="0" fill="hold" nodeType="withEffect">
+                                <p:cTn id="21" presetID="1" presetClass="entr" presetSubtype="0" fill="hold" nodeType="clickEffect">
                                   <p:stCondLst>
                                     <p:cond delay="0"/>
                                   </p:stCondLst>
                                   <p:childTnLst>
                                     <p:set>
                                       <p:cBhvr>
-                                        <p:cTn id="20" dur="1" fill="hold">
+                                        <p:cTn id="22" dur="1" fill="hold">
                                           <p:stCondLst>
                                             <p:cond delay="0"/>
                                           </p:stCondLst>
@@ -13943,26 +14088,26 @@
                     </p:cTn>
                   </p:par>
                   <p:par>
-                    <p:cTn id="21" fill="hold">
+                    <p:cTn id="23" fill="hold">
                       <p:stCondLst>
                         <p:cond delay="indefinite"/>
                       </p:stCondLst>
                       <p:childTnLst>
                         <p:par>
-                          <p:cTn id="22" fill="hold">
+                          <p:cTn id="24" fill="hold">
                             <p:stCondLst>
                               <p:cond delay="0"/>
                             </p:stCondLst>
                             <p:childTnLst>
                               <p:par>
-                                <p:cTn id="23" presetID="1" presetClass="entr" presetSubtype="0" fill="hold" nodeType="clickEffect">
+                                <p:cTn id="25" presetID="1" presetClass="entr" presetSubtype="0" fill="hold" nodeType="clickEffect">
                                   <p:stCondLst>
                                     <p:cond delay="0"/>
                                   </p:stCondLst>
                                   <p:childTnLst>
                                     <p:set>
                                       <p:cBhvr>
-                                        <p:cTn id="24" dur="1" fill="hold">
+                                        <p:cTn id="26" dur="1" fill="hold">
                                           <p:stCondLst>
                                             <p:cond delay="0"/>
                                           </p:stCondLst>
@@ -13985,15 +14130,33 @@
                                   </p:childTnLst>
                                 </p:cTn>
                               </p:par>
+                            </p:childTnLst>
+                          </p:cTn>
+                        </p:par>
+                      </p:childTnLst>
+                    </p:cTn>
+                  </p:par>
+                  <p:par>
+                    <p:cTn id="27" fill="hold">
+                      <p:stCondLst>
+                        <p:cond delay="indefinite"/>
+                      </p:stCondLst>
+                      <p:childTnLst>
+                        <p:par>
+                          <p:cTn id="28" fill="hold">
+                            <p:stCondLst>
+                              <p:cond delay="0"/>
+                            </p:stCondLst>
+                            <p:childTnLst>
                               <p:par>
-                                <p:cTn id="25" presetID="1" presetClass="entr" presetSubtype="0" fill="hold" nodeType="withEffect">
+                                <p:cTn id="29" presetID="1" presetClass="entr" presetSubtype="0" fill="hold" nodeType="clickEffect">
                                   <p:stCondLst>
                                     <p:cond delay="0"/>
                                   </p:stCondLst>
                                   <p:childTnLst>
                                     <p:set>
                                       <p:cBhvr>
-                                        <p:cTn id="26" dur="1" fill="hold">
+                                        <p:cTn id="30" dur="1" fill="hold">
                                           <p:stCondLst>
                                             <p:cond delay="0"/>
                                           </p:stCondLst>
@@ -16898,8 +17061,8 @@
           </a:p>
         </p:txBody>
       </p:sp>
-      <mc:AlternateContent xmlns:mc="http://schemas.openxmlformats.org/markup-compatibility/2006" xmlns:a14="http://schemas.microsoft.com/office/drawing/2010/main">
-        <mc:Choice Requires="a14">
+      <mc:AlternateContent xmlns:mc="http://schemas.openxmlformats.org/markup-compatibility/2006">
+        <mc:Choice xmlns:a14="http://schemas.microsoft.com/office/drawing/2010/main" Requires="a14">
           <p:sp>
             <p:nvSpPr>
               <p:cNvPr id="3" name="Marcador de contenido 2"/>
@@ -16913,7 +17076,7 @@
             <p:spPr>
               <a:xfrm>
                 <a:off x="1097280" y="2489729"/>
-                <a:ext cx="10058400" cy="3153425"/>
+                <a:ext cx="10058400" cy="3641105"/>
               </a:xfrm>
             </p:spPr>
             <p:txBody>
@@ -17314,6 +17477,136 @@
                     </m:r>
                   </m:oMath>
                 </a14:m>
+                <a:r>
+                  <a:rPr lang="en-US" sz="2400" dirty="0" smtClean="0"/>
+                  <a:t> </a:t>
+                </a:r>
+              </a:p>
+              <a:p>
+                <a:pPr marL="0" indent="0">
+                  <a:lnSpc>
+                    <a:spcPct val="100000"/>
+                  </a:lnSpc>
+                  <a:buNone/>
+                </a:pPr>
+                <a:r>
+                  <a:rPr lang="es-AR" dirty="0" smtClean="0"/>
+                  <a:t>	</a:t>
+                </a:r>
+                <a14:m>
+                  <m:oMath xmlns:m="http://schemas.openxmlformats.org/officeDocument/2006/math">
+                    <m:r>
+                      <a:rPr lang="es-AR" i="1"/>
+                      <m:t>𝐹</m:t>
+                    </m:r>
+                    <m:d>
+                      <m:dPr>
+                        <m:ctrlPr>
+                          <a:rPr lang="en-US" i="1"/>
+                        </m:ctrlPr>
+                      </m:dPr>
+                      <m:e>
+                        <m:r>
+                          <a:rPr lang="es-AR" i="1"/>
+                          <m:t>𝑥</m:t>
+                        </m:r>
+                      </m:e>
+                    </m:d>
+                    <m:r>
+                      <a:rPr lang="es-AR" i="1"/>
+                      <m:t>=</m:t>
+                    </m:r>
+                    <m:sSup>
+                      <m:sSupPr>
+                        <m:ctrlPr>
+                          <a:rPr lang="en-US" i="1"/>
+                        </m:ctrlPr>
+                      </m:sSupPr>
+                      <m:e>
+                        <m:r>
+                          <a:rPr lang="es-AR" i="1"/>
+                          <m:t>𝑒</m:t>
+                        </m:r>
+                      </m:e>
+                      <m:sup>
+                        <m:r>
+                          <a:rPr lang="es-AR" i="1"/>
+                          <m:t>−</m:t>
+                        </m:r>
+                        <m:sSup>
+                          <m:sSupPr>
+                            <m:ctrlPr>
+                              <a:rPr lang="en-US" i="1"/>
+                            </m:ctrlPr>
+                          </m:sSupPr>
+                          <m:e>
+                            <m:r>
+                              <a:rPr lang="es-AR" i="1"/>
+                              <m:t>𝑒</m:t>
+                            </m:r>
+                          </m:e>
+                          <m:sup>
+                            <m:r>
+                              <a:rPr lang="es-AR" i="1"/>
+                              <m:t>− −</m:t>
+                            </m:r>
+                            <m:f>
+                              <m:fPr>
+                                <m:ctrlPr>
+                                  <a:rPr lang="en-US" i="1"/>
+                                </m:ctrlPr>
+                              </m:fPr>
+                              <m:num>
+                                <m:r>
+                                  <a:rPr lang="es-AR" i="1"/>
+                                  <m:t>𝑥</m:t>
+                                </m:r>
+                                <m:r>
+                                  <a:rPr lang="es-AR" i="1"/>
+                                  <m:t>−</m:t>
+                                </m:r>
+                                <m:r>
+                                  <a:rPr lang="es-AR" i="1"/>
+                                  <m:t>𝜇</m:t>
+                                </m:r>
+                              </m:num>
+                              <m:den>
+                                <m:r>
+                                  <a:rPr lang="es-AR" i="1"/>
+                                  <m:t>𝜎</m:t>
+                                </m:r>
+                              </m:den>
+                            </m:f>
+                          </m:sup>
+                        </m:sSup>
+                      </m:sup>
+                    </m:sSup>
+                  </m:oMath>
+                </a14:m>
+                <a:r>
+                  <a:rPr lang="es-AR" dirty="0"/>
+                  <a:t>, con </a:t>
+                </a:r>
+                <a14:m>
+                  <m:oMath xmlns:m="http://schemas.openxmlformats.org/officeDocument/2006/math">
+                    <m:r>
+                      <a:rPr lang="es-AR" i="1"/>
+                      <m:t> −∞&lt;</m:t>
+                    </m:r>
+                    <m:r>
+                      <a:rPr lang="es-AR" i="1"/>
+                      <m:t>𝑥</m:t>
+                    </m:r>
+                    <m:r>
+                      <a:rPr lang="es-AR" i="1"/>
+                      <m:t>&lt;∞</m:t>
+                    </m:r>
+                  </m:oMath>
+                </a14:m>
+                <a:r>
+                  <a:rPr lang="es-AR" dirty="0"/>
+                  <a:t>.</a:t>
+                </a:r>
                 <a:endParaRPr lang="en-US" sz="2400" dirty="0"/>
               </a:p>
               <a:p>
@@ -17331,7 +17624,7 @@
             </p:txBody>
           </p:sp>
         </mc:Choice>
-        <mc:Fallback xmlns="">
+        <mc:Fallback>
           <p:sp>
             <p:nvSpPr>
               <p:cNvPr id="3" name="Marcador de contenido 2"/>
@@ -17345,12 +17638,12 @@
             <p:spPr>
               <a:xfrm>
                 <a:off x="1097280" y="2489729"/>
-                <a:ext cx="10058400" cy="3153425"/>
+                <a:ext cx="10058400" cy="3641105"/>
               </a:xfrm>
               <a:blipFill>
                 <a:blip r:embed="rId3"/>
                 <a:stretch>
-                  <a:fillRect l="-2424" t="-2510"/>
+                  <a:fillRect l="-2424" t="-2174" b="-1505"/>
                 </a:stretch>
               </a:blipFill>
             </p:spPr>
@@ -17369,6 +17662,50 @@
           </p:sp>
         </mc:Fallback>
       </mc:AlternateContent>
+      <p:sp>
+        <p:nvSpPr>
+          <p:cNvPr id="4" name="Flecha curvada hacia la derecha 3"/>
+          <p:cNvSpPr/>
+          <p:nvPr/>
+        </p:nvSpPr>
+        <p:spPr>
+          <a:xfrm>
+            <a:off x="1227909" y="5486400"/>
+            <a:ext cx="714102" cy="487680"/>
+          </a:xfrm>
+          <a:prstGeom prst="curvedRightArrow">
+            <a:avLst/>
+          </a:prstGeom>
+        </p:spPr>
+        <p:style>
+          <a:lnRef idx="2">
+            <a:schemeClr val="accent1">
+              <a:shade val="50000"/>
+            </a:schemeClr>
+          </a:lnRef>
+          <a:fillRef idx="1">
+            <a:schemeClr val="accent1"/>
+          </a:fillRef>
+          <a:effectRef idx="0">
+            <a:schemeClr val="accent1"/>
+          </a:effectRef>
+          <a:fontRef idx="minor">
+            <a:schemeClr val="lt1"/>
+          </a:fontRef>
+        </p:style>
+        <p:txBody>
+          <a:bodyPr rtlCol="0" anchor="ctr"/>
+          <a:lstStyle/>
+          <a:p>
+            <a:pPr algn="ctr"/>
+            <a:endParaRPr lang="en-US">
+              <a:solidFill>
+                <a:schemeClr val="tx1"/>
+              </a:solidFill>
+            </a:endParaRPr>
+          </a:p>
+        </p:txBody>
+      </p:sp>
     </p:spTree>
     <p:extLst>
       <p:ext uri="{BB962C8B-B14F-4D97-AF65-F5344CB8AC3E}">
@@ -18417,14 +18754,6 @@
 </file>
 
 <file path=customXml/item1.xml><?xml version="1.0" encoding="utf-8"?>
-<p:properties xmlns:p="http://schemas.microsoft.com/office/2006/metadata/properties" xmlns:xsi="http://www.w3.org/2001/XMLSchema-instance" xmlns:pc="http://schemas.microsoft.com/office/infopath/2007/PartnerControls">
-  <documentManagement>
-    <MediaServiceKeyPoints xmlns="71af3243-3dd4-4a8d-8c0d-dd76da1f02a5" xsi:nil="true"/>
-  </documentManagement>
-</p:properties>
-</file>
-
-<file path=customXml/item2.xml><?xml version="1.0" encoding="utf-8"?>
 <ct:contentTypeSchema xmlns:ct="http://schemas.microsoft.com/office/2006/metadata/contentType" xmlns:ma="http://schemas.microsoft.com/office/2006/metadata/properties/metaAttributes" ct:_="" ma:_="" ma:contentTypeName="Document" ma:contentTypeID="0x01010079F111ED35F8CC479449609E8A0923A6" ma:contentTypeVersion="11" ma:contentTypeDescription="Create a new document." ma:contentTypeScope="" ma:versionID="9677210f24a1be23c92c90fd886aa0aa">
   <xsd:schema xmlns:xsd="http://www.w3.org/2001/XMLSchema" xmlns:xs="http://www.w3.org/2001/XMLSchema" xmlns:p="http://schemas.microsoft.com/office/2006/metadata/properties" xmlns:ns2="71af3243-3dd4-4a8d-8c0d-dd76da1f02a5" xmlns:ns3="16c05727-aa75-4e4a-9b5f-8a80a1165891" targetNamespace="http://schemas.microsoft.com/office/2006/metadata/properties" ma:root="true" ma:fieldsID="60e05723c5c1908df1a1a4ebf11d344e" ns2:_="" ns3:_="">
     <xsd:import namespace="71af3243-3dd4-4a8d-8c0d-dd76da1f02a5"/>
@@ -18635,6 +18964,14 @@
 </ct:contentTypeSchema>
 </file>
 
+<file path=customXml/item2.xml><?xml version="1.0" encoding="utf-8"?>
+<p:properties xmlns:p="http://schemas.microsoft.com/office/2006/metadata/properties" xmlns:xsi="http://www.w3.org/2001/XMLSchema-instance" xmlns:pc="http://schemas.microsoft.com/office/infopath/2007/PartnerControls">
+  <documentManagement>
+    <MediaServiceKeyPoints xmlns="71af3243-3dd4-4a8d-8c0d-dd76da1f02a5" xsi:nil="true"/>
+  </documentManagement>
+</p:properties>
+</file>
+
 <file path=customXml/item3.xml><?xml version="1.0" encoding="utf-8"?>
 <?mso-contentType ?>
 <FormTemplates xmlns="http://schemas.microsoft.com/sharepoint/v3/contenttype/forms">
@@ -18645,23 +18982,6 @@
 </file>
 
 <file path=customXml/itemProps1.xml><?xml version="1.0" encoding="utf-8"?>
-<ds:datastoreItem xmlns:ds="http://schemas.openxmlformats.org/officeDocument/2006/customXml" ds:itemID="{079290C9-6505-4B77-B628-A44276CB9D85}">
-  <ds:schemaRefs>
-    <ds:schemaRef ds:uri="http://purl.org/dc/elements/1.1/"/>
-    <ds:schemaRef ds:uri="http://purl.org/dc/terms/"/>
-    <ds:schemaRef ds:uri="http://www.w3.org/XML/1998/namespace"/>
-    <ds:schemaRef ds:uri="http://schemas.microsoft.com/office/2006/metadata/properties"/>
-    <ds:schemaRef ds:uri="http://schemas.microsoft.com/office/infopath/2007/PartnerControls"/>
-    <ds:schemaRef ds:uri="71af3243-3dd4-4a8d-8c0d-dd76da1f02a5"/>
-    <ds:schemaRef ds:uri="http://purl.org/dc/dcmitype/"/>
-    <ds:schemaRef ds:uri="http://schemas.microsoft.com/office/2006/documentManagement/types"/>
-    <ds:schemaRef ds:uri="http://schemas.openxmlformats.org/package/2006/metadata/core-properties"/>
-    <ds:schemaRef ds:uri="16c05727-aa75-4e4a-9b5f-8a80a1165891"/>
-  </ds:schemaRefs>
-</ds:datastoreItem>
-</file>
-
-<file path=customXml/itemProps2.xml><?xml version="1.0" encoding="utf-8"?>
 <ds:datastoreItem xmlns:ds="http://schemas.openxmlformats.org/officeDocument/2006/customXml" ds:itemID="{47B8899B-5794-42FB-9137-8220A73767FB}">
   <ds:schemaRefs>
     <ds:schemaRef ds:uri="http://schemas.microsoft.com/office/2006/metadata/contentType"/>
@@ -18680,6 +19000,23 @@
 </ds:datastoreItem>
 </file>
 
+<file path=customXml/itemProps2.xml><?xml version="1.0" encoding="utf-8"?>
+<ds:datastoreItem xmlns:ds="http://schemas.openxmlformats.org/officeDocument/2006/customXml" ds:itemID="{079290C9-6505-4B77-B628-A44276CB9D85}">
+  <ds:schemaRefs>
+    <ds:schemaRef ds:uri="http://purl.org/dc/elements/1.1/"/>
+    <ds:schemaRef ds:uri="http://purl.org/dc/terms/"/>
+    <ds:schemaRef ds:uri="http://www.w3.org/XML/1998/namespace"/>
+    <ds:schemaRef ds:uri="http://schemas.microsoft.com/office/2006/metadata/properties"/>
+    <ds:schemaRef ds:uri="http://schemas.microsoft.com/office/infopath/2007/PartnerControls"/>
+    <ds:schemaRef ds:uri="71af3243-3dd4-4a8d-8c0d-dd76da1f02a5"/>
+    <ds:schemaRef ds:uri="http://purl.org/dc/dcmitype/"/>
+    <ds:schemaRef ds:uri="http://schemas.microsoft.com/office/2006/documentManagement/types"/>
+    <ds:schemaRef ds:uri="http://schemas.openxmlformats.org/package/2006/metadata/core-properties"/>
+    <ds:schemaRef ds:uri="16c05727-aa75-4e4a-9b5f-8a80a1165891"/>
+  </ds:schemaRefs>
+</ds:datastoreItem>
+</file>
+
 <file path=customXml/itemProps3.xml><?xml version="1.0" encoding="utf-8"?>
 <ds:datastoreItem xmlns:ds="http://schemas.openxmlformats.org/officeDocument/2006/customXml" ds:itemID="{5728C3E1-D10B-4426-B05E-8E1CAFF03C24}">
   <ds:schemaRefs>
